--- a/Präsentation.pptx
+++ b/Präsentation.pptx
@@ -5,46 +5,47 @@
     <p:sldMasterId id="2147483648" r:id="rId1"/>
   </p:sldMasterIdLst>
   <p:notesMasterIdLst>
-    <p:notesMasterId r:id="rId39"/>
+    <p:notesMasterId r:id="rId40"/>
   </p:notesMasterIdLst>
   <p:sldIdLst>
     <p:sldId id="256" r:id="rId2"/>
     <p:sldId id="257" r:id="rId3"/>
     <p:sldId id="258" r:id="rId4"/>
-    <p:sldId id="271" r:id="rId5"/>
-    <p:sldId id="259" r:id="rId6"/>
-    <p:sldId id="272" r:id="rId7"/>
-    <p:sldId id="260" r:id="rId8"/>
-    <p:sldId id="261" r:id="rId9"/>
-    <p:sldId id="293" r:id="rId10"/>
-    <p:sldId id="294" r:id="rId11"/>
-    <p:sldId id="296" r:id="rId12"/>
-    <p:sldId id="295" r:id="rId13"/>
-    <p:sldId id="297" r:id="rId14"/>
-    <p:sldId id="298" r:id="rId15"/>
-    <p:sldId id="299" r:id="rId16"/>
-    <p:sldId id="300" r:id="rId17"/>
-    <p:sldId id="282" r:id="rId18"/>
-    <p:sldId id="283" r:id="rId19"/>
-    <p:sldId id="284" r:id="rId20"/>
-    <p:sldId id="285" r:id="rId21"/>
-    <p:sldId id="286" r:id="rId22"/>
-    <p:sldId id="287" r:id="rId23"/>
-    <p:sldId id="301" r:id="rId24"/>
-    <p:sldId id="278" r:id="rId25"/>
-    <p:sldId id="277" r:id="rId26"/>
-    <p:sldId id="263" r:id="rId27"/>
-    <p:sldId id="275" r:id="rId28"/>
-    <p:sldId id="279" r:id="rId29"/>
-    <p:sldId id="273" r:id="rId30"/>
-    <p:sldId id="280" r:id="rId31"/>
-    <p:sldId id="281" r:id="rId32"/>
-    <p:sldId id="266" r:id="rId33"/>
-    <p:sldId id="268" r:id="rId34"/>
-    <p:sldId id="269" r:id="rId35"/>
-    <p:sldId id="270" r:id="rId36"/>
-    <p:sldId id="274" r:id="rId37"/>
-    <p:sldId id="262" r:id="rId38"/>
+    <p:sldId id="259" r:id="rId5"/>
+    <p:sldId id="272" r:id="rId6"/>
+    <p:sldId id="260" r:id="rId7"/>
+    <p:sldId id="261" r:id="rId8"/>
+    <p:sldId id="293" r:id="rId9"/>
+    <p:sldId id="294" r:id="rId10"/>
+    <p:sldId id="296" r:id="rId11"/>
+    <p:sldId id="295" r:id="rId12"/>
+    <p:sldId id="297" r:id="rId13"/>
+    <p:sldId id="298" r:id="rId14"/>
+    <p:sldId id="299" r:id="rId15"/>
+    <p:sldId id="300" r:id="rId16"/>
+    <p:sldId id="282" r:id="rId17"/>
+    <p:sldId id="283" r:id="rId18"/>
+    <p:sldId id="284" r:id="rId19"/>
+    <p:sldId id="285" r:id="rId20"/>
+    <p:sldId id="286" r:id="rId21"/>
+    <p:sldId id="287" r:id="rId22"/>
+    <p:sldId id="301" r:id="rId23"/>
+    <p:sldId id="278" r:id="rId24"/>
+    <p:sldId id="302" r:id="rId25"/>
+    <p:sldId id="303" r:id="rId26"/>
+    <p:sldId id="304" r:id="rId27"/>
+    <p:sldId id="305" r:id="rId28"/>
+    <p:sldId id="263" r:id="rId29"/>
+    <p:sldId id="275" r:id="rId30"/>
+    <p:sldId id="279" r:id="rId31"/>
+    <p:sldId id="273" r:id="rId32"/>
+    <p:sldId id="280" r:id="rId33"/>
+    <p:sldId id="306" r:id="rId34"/>
+    <p:sldId id="307" r:id="rId35"/>
+    <p:sldId id="308" r:id="rId36"/>
+    <p:sldId id="266" r:id="rId37"/>
+    <p:sldId id="268" r:id="rId38"/>
+    <p:sldId id="270" r:id="rId39"/>
   </p:sldIdLst>
   <p:sldSz cx="9144000" cy="6858000" type="screen4x3"/>
   <p:notesSz cx="6858000" cy="9144000"/>
@@ -175,7 +176,7 @@
   </p:defaultTextStyle>
   <p:extLst>
     <p:ext uri="{EFAFB233-063F-42B5-8137-9DF3F51BA10A}">
-      <p15:sldGuideLst xmlns:p15="http://schemas.microsoft.com/office/powerpoint/2012/main">
+      <p15:sldGuideLst xmlns:p15="http://schemas.microsoft.com/office/powerpoint/2012/main" xmlns="">
         <p15:guide id="1" orient="horz" pos="2160">
           <p15:clr>
             <a:srgbClr val="A4A3A4"/>
@@ -394,7 +395,7 @@
               <a14:shadowObscured xmlns:a14="http://schemas.microsoft.com/office/drawing/2010/main" val="1"/>
             </a:ext>
             <a:ext uri="{FAA26D3D-D897-4be2-8F04-BA451C77F1D7}">
-              <ma14:placeholderFlag xmlns:ma14="http://schemas.microsoft.com/office/mac/drawingml/2011/main" val="1"/>
+              <ma14:placeholderFlag xmlns:ma14="http://schemas.microsoft.com/office/mac/drawingml/2011/main" xmlns="" val="1"/>
             </a:ext>
           </a:extLst>
         </p:spPr>
@@ -1123,7 +1124,7 @@
             <a:fld id="{89A0AE12-5BEC-9949-A2C9-4DA20895F9A0}" type="slidenum">
               <a:rPr lang="de-DE" altLang="de-DE" sz="1200"/>
               <a:pPr/>
-              <a:t>7</a:t>
+              <a:t>6</a:t>
             </a:fld>
             <a:endParaRPr lang="de-DE" altLang="de-DE" sz="1200"/>
           </a:p>
@@ -1133,6 +1134,96 @@
     <p:extLst>
       <p:ext uri="{BB962C8B-B14F-4D97-AF65-F5344CB8AC3E}">
         <p14:creationId xmlns:p14="http://schemas.microsoft.com/office/powerpoint/2010/main" val="755220645"/>
+      </p:ext>
+    </p:extLst>
+  </p:cSld>
+  <p:clrMapOvr>
+    <a:masterClrMapping/>
+  </p:clrMapOvr>
+</p:notes>
+</file>
+
+<file path=ppt/notesSlides/notesSlide3.xml><?xml version="1.0" encoding="utf-8"?>
+<p:notes xmlns:a="http://schemas.openxmlformats.org/drawingml/2006/main" xmlns:r="http://schemas.openxmlformats.org/officeDocument/2006/relationships" xmlns:p="http://schemas.openxmlformats.org/presentationml/2006/main">
+  <p:cSld>
+    <p:spTree>
+      <p:nvGrpSpPr>
+        <p:cNvPr id="1" name=""/>
+        <p:cNvGrpSpPr/>
+        <p:nvPr/>
+      </p:nvGrpSpPr>
+      <p:grpSpPr>
+        <a:xfrm>
+          <a:off x="0" y="0"/>
+          <a:ext cx="0" cy="0"/>
+          <a:chOff x="0" y="0"/>
+          <a:chExt cx="0" cy="0"/>
+        </a:xfrm>
+      </p:grpSpPr>
+      <p:sp>
+        <p:nvSpPr>
+          <p:cNvPr id="2" name="Folienbildplatzhalter 1"/>
+          <p:cNvSpPr>
+            <a:spLocks noGrp="1" noRot="1" noChangeAspect="1"/>
+          </p:cNvSpPr>
+          <p:nvPr>
+            <p:ph type="sldImg"/>
+          </p:nvPr>
+        </p:nvSpPr>
+        <p:spPr/>
+      </p:sp>
+      <p:sp>
+        <p:nvSpPr>
+          <p:cNvPr id="3" name="Notizenplatzhalter 2"/>
+          <p:cNvSpPr>
+            <a:spLocks noGrp="1"/>
+          </p:cNvSpPr>
+          <p:nvPr>
+            <p:ph type="body" idx="1"/>
+          </p:nvPr>
+        </p:nvSpPr>
+        <p:spPr/>
+        <p:txBody>
+          <a:bodyPr/>
+          <a:lstStyle/>
+          <a:p>
+            <a:endParaRPr lang="de-DE" dirty="0"/>
+          </a:p>
+        </p:txBody>
+      </p:sp>
+      <p:sp>
+        <p:nvSpPr>
+          <p:cNvPr id="4" name="Foliennummernplatzhalter 3"/>
+          <p:cNvSpPr>
+            <a:spLocks noGrp="1"/>
+          </p:cNvSpPr>
+          <p:nvPr>
+            <p:ph type="sldNum" sz="quarter" idx="10"/>
+          </p:nvPr>
+        </p:nvSpPr>
+        <p:spPr/>
+        <p:txBody>
+          <a:bodyPr/>
+          <a:lstStyle/>
+          <a:p>
+            <a:pPr>
+              <a:defRPr/>
+            </a:pPr>
+            <a:fld id="{54A60035-3644-5E45-829B-5F0137B72F4D}" type="slidenum">
+              <a:rPr lang="de-DE" altLang="de-DE" smtClean="0"/>
+              <a:pPr>
+                <a:defRPr/>
+              </a:pPr>
+              <a:t>29</a:t>
+            </a:fld>
+            <a:endParaRPr lang="de-DE" altLang="de-DE"/>
+          </a:p>
+        </p:txBody>
+      </p:sp>
+    </p:spTree>
+    <p:extLst>
+      <p:ext uri="{BB962C8B-B14F-4D97-AF65-F5344CB8AC3E}">
+        <p14:creationId xmlns:p14="http://schemas.microsoft.com/office/powerpoint/2010/main" val="2455392018"/>
       </p:ext>
     </p:extLst>
   </p:cSld>
@@ -4348,7 +4439,7 @@
               </a14:hiddenLine>
             </a:ext>
             <a:ext uri="{FAA26D3D-D897-4be2-8F04-BA451C77F1D7}">
-              <ma14:placeholderFlag xmlns:ma14="http://schemas.microsoft.com/office/mac/drawingml/2011/main" val="1"/>
+              <ma14:placeholderFlag xmlns:ma14="http://schemas.microsoft.com/office/mac/drawingml/2011/main" xmlns="" val="1"/>
             </a:ext>
           </a:extLst>
         </p:spPr>
@@ -4893,7 +4984,7 @@
         <p:nvSpPr>
           <p:cNvPr id="14338" name="Rectangle 3"/>
           <p:cNvSpPr>
-            <a:spLocks noChangeArrowheads="1"/>
+            <a:spLocks noGrp="1" noChangeArrowheads="1"/>
           </p:cNvSpPr>
           <p:nvPr>
             <p:ph type="subTitle" idx="1"/>
@@ -4984,164 +5075,6 @@
       </p:grpSpPr>
       <p:sp>
         <p:nvSpPr>
-          <p:cNvPr id="24577" name="Titel 1"/>
-          <p:cNvSpPr>
-            <a:spLocks noGrp="1"/>
-          </p:cNvSpPr>
-          <p:nvPr>
-            <p:ph type="title"/>
-          </p:nvPr>
-        </p:nvSpPr>
-        <p:spPr/>
-        <p:txBody>
-          <a:bodyPr/>
-          <a:lstStyle/>
-          <a:p>
-            <a:r>
-              <a:rPr lang="de-DE" altLang="de-DE"/>
-              <a:t>Linear Programming - Formulierung</a:t>
-            </a:r>
-          </a:p>
-        </p:txBody>
-      </p:sp>
-      <p:sp>
-        <p:nvSpPr>
-          <p:cNvPr id="9219" name="Inhaltsplatzhalter 2"/>
-          <p:cNvSpPr>
-            <a:spLocks noGrp="1" noRot="1" noChangeAspect="1" noMove="1" noResize="1" noEditPoints="1" noAdjustHandles="1" noChangeArrowheads="1" noChangeShapeType="1" noTextEdit="1"/>
-          </p:cNvSpPr>
-          <p:nvPr>
-            <p:ph idx="1"/>
-          </p:nvPr>
-        </p:nvSpPr>
-        <p:spPr bwMode="auto">
-          <a:xfrm>
-            <a:off x="628650" y="1340768"/>
-            <a:ext cx="8047806" cy="4836195"/>
-          </a:xfrm>
-          <a:blipFill rotWithShape="0">
-            <a:blip r:embed="rId2"/>
-            <a:stretch>
-              <a:fillRect l="-985"/>
-            </a:stretch>
-          </a:blipFill>
-          <a:extLst>
-            <a:ext uri="{91240B29-F687-4F45-9708-019B960494DF}">
-              <a14:hiddenLine xmlns:a14="http://schemas.microsoft.com/office/drawing/2010/main" w="9525">
-                <a:solidFill>
-                  <a:srgbClr val="000000"/>
-                </a:solidFill>
-                <a:miter lim="800000"/>
-                <a:headEnd/>
-                <a:tailEnd/>
-              </a14:hiddenLine>
-            </a:ext>
-            <a:ext uri="{FAA26D3D-D897-4be2-8F04-BA451C77F1D7}">
-              <ma14:placeholderFlag xmlns:ma14="http://schemas.microsoft.com/office/mac/drawingml/2011/main" val="1"/>
-            </a:ext>
-          </a:extLst>
-        </p:spPr>
-        <p:txBody>
-          <a:bodyPr/>
-          <a:lstStyle/>
-          <a:p>
-            <a:r>
-              <a:rPr lang="de-DE">
-                <a:noFill/>
-              </a:rPr>
-              <a:t> </a:t>
-            </a:r>
-          </a:p>
-        </p:txBody>
-      </p:sp>
-      <p:pic>
-        <p:nvPicPr>
-          <p:cNvPr id="24579" name="Bild 1"/>
-          <p:cNvPicPr>
-            <a:picLocks noChangeAspect="1"/>
-          </p:cNvPicPr>
-          <p:nvPr/>
-        </p:nvPicPr>
-        <p:blipFill>
-          <a:blip r:embed="rId3">
-            <a:extLst>
-              <a:ext uri="{28A0092B-C50C-407E-A947-70E740481C1C}">
-                <a14:useLocalDpi xmlns:a14="http://schemas.microsoft.com/office/drawing/2010/main" val="0"/>
-              </a:ext>
-            </a:extLst>
-          </a:blip>
-          <a:srcRect/>
-          <a:stretch>
-            <a:fillRect/>
-          </a:stretch>
-        </p:blipFill>
-        <p:spPr bwMode="auto">
-          <a:xfrm>
-            <a:off x="5292725" y="4292600"/>
-            <a:ext cx="3216275" cy="2068513"/>
-          </a:xfrm>
-          <a:prstGeom prst="rect">
-            <a:avLst/>
-          </a:prstGeom>
-          <a:noFill/>
-          <a:ln>
-            <a:noFill/>
-          </a:ln>
-          <a:extLst>
-            <a:ext uri="{909E8E84-426E-40DD-AFC4-6F175D3DCCD1}">
-              <a14:hiddenFill xmlns:a14="http://schemas.microsoft.com/office/drawing/2010/main">
-                <a:solidFill>
-                  <a:srgbClr val="FFFFFF"/>
-                </a:solidFill>
-              </a14:hiddenFill>
-            </a:ext>
-            <a:ext uri="{91240B29-F687-4F45-9708-019B960494DF}">
-              <a14:hiddenLine xmlns:a14="http://schemas.microsoft.com/office/drawing/2010/main" w="9525">
-                <a:solidFill>
-                  <a:srgbClr val="000000"/>
-                </a:solidFill>
-                <a:miter lim="800000"/>
-                <a:headEnd/>
-                <a:tailEnd/>
-              </a14:hiddenLine>
-            </a:ext>
-          </a:extLst>
-        </p:spPr>
-      </p:pic>
-    </p:spTree>
-  </p:cSld>
-  <p:clrMapOvr>
-    <a:masterClrMapping/>
-  </p:clrMapOvr>
-  <p:timing>
-    <p:tnLst>
-      <p:par>
-        <p:cTn id="1" dur="indefinite" restart="never" nodeType="tmRoot"/>
-      </p:par>
-    </p:tnLst>
-  </p:timing>
-</p:sld>
-</file>
-
-<file path=ppt/slides/slide11.xml><?xml version="1.0" encoding="utf-8"?>
-<p:sld xmlns:a="http://schemas.openxmlformats.org/drawingml/2006/main" xmlns:r="http://schemas.openxmlformats.org/officeDocument/2006/relationships" xmlns:p="http://schemas.openxmlformats.org/presentationml/2006/main">
-  <p:cSld>
-    <p:spTree>
-      <p:nvGrpSpPr>
-        <p:cNvPr id="1" name=""/>
-        <p:cNvGrpSpPr/>
-        <p:nvPr/>
-      </p:nvGrpSpPr>
-      <p:grpSpPr>
-        <a:xfrm>
-          <a:off x="0" y="0"/>
-          <a:ext cx="0" cy="0"/>
-          <a:chOff x="0" y="0"/>
-          <a:chExt cx="0" cy="0"/>
-        </a:xfrm>
-      </p:grpSpPr>
-      <p:sp>
-        <p:nvSpPr>
           <p:cNvPr id="25601" name="Titel 1"/>
           <p:cNvSpPr>
             <a:spLocks noGrp="1"/>
@@ -5195,7 +5128,7 @@
               </a14:hiddenLine>
             </a:ext>
             <a:ext uri="{FAA26D3D-D897-4be2-8F04-BA451C77F1D7}">
-              <ma14:placeholderFlag xmlns:ma14="http://schemas.microsoft.com/office/mac/drawingml/2011/main" val="1"/>
+              <ma14:placeholderFlag xmlns:ma14="http://schemas.microsoft.com/office/mac/drawingml/2011/main" xmlns="" val="1"/>
             </a:ext>
           </a:extLst>
         </p:spPr>
@@ -5227,7 +5160,7 @@
 </p:sld>
 </file>
 
-<file path=ppt/slides/slide12.xml><?xml version="1.0" encoding="utf-8"?>
+<file path=ppt/slides/slide11.xml><?xml version="1.0" encoding="utf-8"?>
 <p:sld xmlns:a="http://schemas.openxmlformats.org/drawingml/2006/main" xmlns:r="http://schemas.openxmlformats.org/officeDocument/2006/relationships" xmlns:p="http://schemas.openxmlformats.org/presentationml/2006/main">
   <p:cSld>
     <p:spTree>
@@ -5383,7 +5316,7 @@
               </a14:hiddenLine>
             </a:ext>
             <a:ext uri="{FAA26D3D-D897-4be2-8F04-BA451C77F1D7}">
-              <ma14:placeholderFlag xmlns:ma14="http://schemas.microsoft.com/office/mac/drawingml/2011/main" val="1"/>
+              <ma14:placeholderFlag xmlns:ma14="http://schemas.microsoft.com/office/mac/drawingml/2011/main" xmlns="" val="1"/>
             </a:ext>
           </a:extLst>
         </p:spPr>
@@ -5397,6 +5330,468 @@
               </a:rPr>
               <a:t> </a:t>
             </a:r>
+          </a:p>
+        </p:txBody>
+      </p:sp>
+    </p:spTree>
+  </p:cSld>
+  <p:clrMapOvr>
+    <a:masterClrMapping/>
+  </p:clrMapOvr>
+  <p:timing>
+    <p:tnLst>
+      <p:par>
+        <p:cTn id="1" dur="indefinite" restart="never" nodeType="tmRoot"/>
+      </p:par>
+    </p:tnLst>
+  </p:timing>
+</p:sld>
+</file>
+
+<file path=ppt/slides/slide12.xml><?xml version="1.0" encoding="utf-8"?>
+<p:sld xmlns:a="http://schemas.openxmlformats.org/drawingml/2006/main" xmlns:r="http://schemas.openxmlformats.org/officeDocument/2006/relationships" xmlns:p="http://schemas.openxmlformats.org/presentationml/2006/main">
+  <p:cSld>
+    <p:spTree>
+      <p:nvGrpSpPr>
+        <p:cNvPr id="1" name=""/>
+        <p:cNvGrpSpPr/>
+        <p:nvPr/>
+      </p:nvGrpSpPr>
+      <p:grpSpPr>
+        <a:xfrm>
+          <a:off x="0" y="0"/>
+          <a:ext cx="0" cy="0"/>
+          <a:chOff x="0" y="0"/>
+          <a:chExt cx="0" cy="0"/>
+        </a:xfrm>
+      </p:grpSpPr>
+      <p:sp>
+        <p:nvSpPr>
+          <p:cNvPr id="27649" name="Titel 1"/>
+          <p:cNvSpPr>
+            <a:spLocks noGrp="1"/>
+          </p:cNvSpPr>
+          <p:nvPr>
+            <p:ph type="title"/>
+          </p:nvPr>
+        </p:nvSpPr>
+        <p:spPr/>
+        <p:txBody>
+          <a:bodyPr/>
+          <a:lstStyle/>
+          <a:p>
+            <a:r>
+              <a:rPr lang="de-DE" altLang="de-DE"/>
+              <a:t>Linear Programming – Formulierung MatLab</a:t>
+            </a:r>
+          </a:p>
+        </p:txBody>
+      </p:sp>
+      <p:sp>
+        <p:nvSpPr>
+          <p:cNvPr id="7" name="Rechteck 6"/>
+          <p:cNvSpPr/>
+          <p:nvPr/>
+        </p:nvSpPr>
+        <p:spPr bwMode="auto">
+          <a:xfrm>
+            <a:off x="628650" y="2708275"/>
+            <a:ext cx="7921625" cy="3097213"/>
+          </a:xfrm>
+          <a:prstGeom prst="rect">
+            <a:avLst/>
+          </a:prstGeom>
+          <a:solidFill>
+            <a:schemeClr val="bg1">
+              <a:lumMod val="85000"/>
+            </a:schemeClr>
+          </a:solidFill>
+          <a:ln w="9525" cap="flat" cmpd="sng" algn="ctr">
+            <a:solidFill>
+              <a:schemeClr val="tx1"/>
+            </a:solidFill>
+            <a:prstDash val="solid"/>
+            <a:round/>
+            <a:headEnd type="none" w="med" len="med"/>
+            <a:tailEnd type="none" w="med" len="med"/>
+          </a:ln>
+          <a:effectLst/>
+          <a:extLst/>
+        </p:spPr>
+        <p:txBody>
+          <a:bodyPr/>
+          <a:lstStyle/>
+          <a:p>
+            <a:pPr>
+              <a:defRPr/>
+            </a:pPr>
+            <a:endParaRPr lang="de-DE"/>
+          </a:p>
+        </p:txBody>
+      </p:sp>
+      <p:sp>
+        <p:nvSpPr>
+          <p:cNvPr id="9219" name="Inhaltsplatzhalter 2"/>
+          <p:cNvSpPr>
+            <a:spLocks noGrp="1"/>
+          </p:cNvSpPr>
+          <p:nvPr>
+            <p:ph idx="1"/>
+          </p:nvPr>
+        </p:nvSpPr>
+        <p:spPr bwMode="auto">
+          <a:xfrm>
+            <a:off x="628650" y="1341438"/>
+            <a:ext cx="7831138" cy="4835525"/>
+          </a:xfrm>
+          <a:extLst>
+            <a:ext uri="{909E8E84-426E-40DD-AFC4-6F175D3DCCD1}">
+              <a14:hiddenFill xmlns:a14="http://schemas.microsoft.com/office/drawing/2010/main">
+                <a:solidFill>
+                  <a:srgbClr val="FFFFFF"/>
+                </a:solidFill>
+              </a14:hiddenFill>
+            </a:ext>
+            <a:ext uri="{91240B29-F687-4F45-9708-019B960494DF}">
+              <a14:hiddenLine xmlns:a14="http://schemas.microsoft.com/office/drawing/2010/main" w="9525">
+                <a:solidFill>
+                  <a:srgbClr val="000000"/>
+                </a:solidFill>
+                <a:miter lim="800000"/>
+                <a:headEnd/>
+                <a:tailEnd/>
+              </a14:hiddenLine>
+            </a:ext>
+            <a:ext uri="{FAA26D3D-D897-4be2-8F04-BA451C77F1D7}">
+              <ma14:placeholderFlag xmlns:ma14="http://schemas.microsoft.com/office/mac/drawingml/2011/main" xmlns="" val="1"/>
+            </a:ext>
+          </a:extLst>
+        </p:spPr>
+        <p:txBody>
+          <a:bodyPr vert="horz" wrap="square" lIns="91440" tIns="45720" rIns="91440" bIns="45720" numCol="1" anchor="t" anchorCtr="0" compatLnSpc="1">
+            <a:prstTxWarp prst="textNoShape">
+              <a:avLst/>
+            </a:prstTxWarp>
+          </a:bodyPr>
+          <a:lstStyle/>
+          <a:p>
+            <a:pPr marL="0" indent="0">
+              <a:lnSpc>
+                <a:spcPct val="150000"/>
+              </a:lnSpc>
+              <a:buFontTx/>
+              <a:buNone/>
+            </a:pPr>
+            <a:r>
+              <a:rPr lang="de-DE" altLang="de-DE" sz="2400"/>
+              <a:t>Umsetzung in MatLab, Vorgehen:</a:t>
+            </a:r>
+          </a:p>
+          <a:p>
+            <a:pPr marL="0" indent="0">
+              <a:lnSpc>
+                <a:spcPct val="150000"/>
+              </a:lnSpc>
+              <a:buFontTx/>
+              <a:buAutoNum type="arabicPeriod" startAt="3"/>
+            </a:pPr>
+            <a:r>
+              <a:rPr lang="de-DE" altLang="de-DE" sz="2000"/>
+              <a:t>Befüllen von </a:t>
+            </a:r>
+            <a:r>
+              <a:rPr lang="de-DE" altLang="de-DE" sz="2000" b="1"/>
+              <a:t>Aeq</a:t>
+            </a:r>
+            <a:r>
+              <a:rPr lang="de-DE" altLang="de-DE" sz="2000"/>
+              <a:t>:</a:t>
+            </a:r>
+          </a:p>
+          <a:p>
+            <a:pPr marL="0" indent="0">
+              <a:buFontTx/>
+              <a:buNone/>
+            </a:pPr>
+            <a:r>
+              <a:rPr lang="de-DE" altLang="de-DE" sz="2000"/>
+              <a:t/>
+            </a:r>
+            <a:br>
+              <a:rPr lang="de-DE" altLang="de-DE" sz="2000"/>
+            </a:br>
+            <a:r>
+              <a:rPr lang="de-DE" altLang="de-DE" sz="1600">
+                <a:solidFill>
+                  <a:srgbClr val="000000"/>
+                </a:solidFill>
+                <a:latin typeface="courier" charset="0"/>
+              </a:rPr>
+              <a:t> </a:t>
+            </a:r>
+            <a:r>
+              <a:rPr lang="de-DE" altLang="de-DE" sz="1600">
+                <a:solidFill>
+                  <a:srgbClr val="0000FF"/>
+                </a:solidFill>
+                <a:latin typeface="courier" charset="0"/>
+              </a:rPr>
+              <a:t>for</a:t>
+            </a:r>
+            <a:r>
+              <a:rPr lang="de-DE" altLang="de-DE" sz="1600">
+                <a:solidFill>
+                  <a:srgbClr val="000000"/>
+                </a:solidFill>
+                <a:latin typeface="courier" charset="0"/>
+              </a:rPr>
+              <a:t> i = 1:tour_length</a:t>
+            </a:r>
+          </a:p>
+          <a:p>
+            <a:pPr marL="0" indent="0">
+              <a:buFontTx/>
+              <a:buNone/>
+            </a:pPr>
+            <a:r>
+              <a:rPr lang="de-DE" altLang="de-DE" sz="1600">
+                <a:solidFill>
+                  <a:srgbClr val="000000"/>
+                </a:solidFill>
+                <a:latin typeface="courier" charset="0"/>
+              </a:rPr>
+              <a:t>     edges_to_i = zeros(length(edges), 1);</a:t>
+            </a:r>
+          </a:p>
+          <a:p>
+            <a:pPr marL="0" indent="0">
+              <a:buFontTx/>
+              <a:buNone/>
+            </a:pPr>
+            <a:r>
+              <a:rPr lang="en-US" altLang="de-DE" sz="1600">
+                <a:solidFill>
+                  <a:srgbClr val="000000"/>
+                </a:solidFill>
+                <a:latin typeface="courier" charset="0"/>
+              </a:rPr>
+              <a:t>     </a:t>
+            </a:r>
+            <a:r>
+              <a:rPr lang="en-US" altLang="de-DE" sz="1600">
+                <a:solidFill>
+                  <a:srgbClr val="0000FF"/>
+                </a:solidFill>
+                <a:latin typeface="courier" charset="0"/>
+              </a:rPr>
+              <a:t>for</a:t>
+            </a:r>
+            <a:r>
+              <a:rPr lang="en-US" altLang="de-DE" sz="1600">
+                <a:solidFill>
+                  <a:srgbClr val="000000"/>
+                </a:solidFill>
+                <a:latin typeface="courier" charset="0"/>
+              </a:rPr>
+              <a:t> j = 1:length(edges)</a:t>
+            </a:r>
+          </a:p>
+          <a:p>
+            <a:pPr marL="0" indent="0">
+              <a:buFontTx/>
+              <a:buNone/>
+            </a:pPr>
+            <a:r>
+              <a:rPr lang="en-US" altLang="de-DE" sz="1600">
+                <a:solidFill>
+                  <a:srgbClr val="000000"/>
+                </a:solidFill>
+                <a:latin typeface="courier" charset="0"/>
+              </a:rPr>
+              <a:t>         </a:t>
+            </a:r>
+            <a:r>
+              <a:rPr lang="en-US" altLang="de-DE" sz="1600">
+                <a:solidFill>
+                  <a:srgbClr val="0000FF"/>
+                </a:solidFill>
+                <a:latin typeface="courier" charset="0"/>
+              </a:rPr>
+              <a:t>if</a:t>
+            </a:r>
+            <a:r>
+              <a:rPr lang="en-US" altLang="de-DE" sz="1600">
+                <a:solidFill>
+                  <a:srgbClr val="000000"/>
+                </a:solidFill>
+                <a:latin typeface="courier" charset="0"/>
+              </a:rPr>
+              <a:t> edges(j,1) == i || edges(j,2) == i</a:t>
+            </a:r>
+          </a:p>
+          <a:p>
+            <a:pPr marL="0" indent="0">
+              <a:buFontTx/>
+              <a:buNone/>
+            </a:pPr>
+            <a:r>
+              <a:rPr lang="en-US" altLang="de-DE" sz="1600">
+                <a:solidFill>
+                  <a:srgbClr val="000000"/>
+                </a:solidFill>
+                <a:latin typeface="courier" charset="0"/>
+              </a:rPr>
+              <a:t>             edges_to_i(j) = 1;</a:t>
+            </a:r>
+          </a:p>
+          <a:p>
+            <a:pPr marL="0" indent="0">
+              <a:buFontTx/>
+              <a:buNone/>
+            </a:pPr>
+            <a:r>
+              <a:rPr lang="de-DE" altLang="de-DE" sz="1600">
+                <a:solidFill>
+                  <a:srgbClr val="000000"/>
+                </a:solidFill>
+                <a:latin typeface="courier" charset="0"/>
+              </a:rPr>
+              <a:t>         </a:t>
+            </a:r>
+            <a:r>
+              <a:rPr lang="de-DE" altLang="de-DE" sz="1600">
+                <a:solidFill>
+                  <a:srgbClr val="0000FF"/>
+                </a:solidFill>
+                <a:latin typeface="courier" charset="0"/>
+              </a:rPr>
+              <a:t>end</a:t>
+            </a:r>
+          </a:p>
+          <a:p>
+            <a:pPr marL="0" indent="0">
+              <a:buFontTx/>
+              <a:buNone/>
+            </a:pPr>
+            <a:r>
+              <a:rPr lang="de-DE" altLang="de-DE" sz="1600">
+                <a:solidFill>
+                  <a:srgbClr val="000000"/>
+                </a:solidFill>
+                <a:latin typeface="courier" charset="0"/>
+              </a:rPr>
+              <a:t>     </a:t>
+            </a:r>
+            <a:r>
+              <a:rPr lang="de-DE" altLang="de-DE" sz="1600">
+                <a:solidFill>
+                  <a:srgbClr val="0000FF"/>
+                </a:solidFill>
+                <a:latin typeface="courier" charset="0"/>
+              </a:rPr>
+              <a:t>end</a:t>
+            </a:r>
+          </a:p>
+          <a:p>
+            <a:pPr marL="0" indent="0">
+              <a:buFontTx/>
+              <a:buNone/>
+            </a:pPr>
+            <a:r>
+              <a:rPr lang="de-DE" altLang="de-DE" sz="1600">
+                <a:solidFill>
+                  <a:srgbClr val="000000"/>
+                </a:solidFill>
+                <a:latin typeface="courier" charset="0"/>
+              </a:rPr>
+              <a:t>     </a:t>
+            </a:r>
+            <a:r>
+              <a:rPr lang="de-DE" altLang="de-DE" sz="1600">
+                <a:solidFill>
+                  <a:srgbClr val="228B22"/>
+                </a:solidFill>
+                <a:latin typeface="courier" charset="0"/>
+              </a:rPr>
+              <a:t>% Hinzufügen der Nebenbedingung</a:t>
+            </a:r>
+          </a:p>
+          <a:p>
+            <a:pPr marL="0" indent="0">
+              <a:buFontTx/>
+              <a:buNone/>
+            </a:pPr>
+            <a:r>
+              <a:rPr lang="en-US" altLang="de-DE" sz="1600">
+                <a:solidFill>
+                  <a:srgbClr val="000000"/>
+                </a:solidFill>
+                <a:latin typeface="courier" charset="0"/>
+              </a:rPr>
+              <a:t>     Aeq(i+1,:) = edges_to_i'; </a:t>
+            </a:r>
+          </a:p>
+          <a:p>
+            <a:pPr marL="0" indent="0">
+              <a:buFontTx/>
+              <a:buNone/>
+            </a:pPr>
+            <a:r>
+              <a:rPr lang="de-DE" altLang="de-DE" sz="1600">
+                <a:solidFill>
+                  <a:srgbClr val="000000"/>
+                </a:solidFill>
+                <a:latin typeface="courier" charset="0"/>
+              </a:rPr>
+              <a:t> </a:t>
+            </a:r>
+            <a:r>
+              <a:rPr lang="de-DE" altLang="de-DE" sz="1600">
+                <a:solidFill>
+                  <a:srgbClr val="0000FF"/>
+                </a:solidFill>
+                <a:latin typeface="courier" charset="0"/>
+              </a:rPr>
+              <a:t>end</a:t>
+            </a:r>
+            <a:endParaRPr lang="de-DE" altLang="de-DE" sz="1600" b="1"/>
+          </a:p>
+          <a:p>
+            <a:pPr marL="0" indent="0">
+              <a:lnSpc>
+                <a:spcPct val="150000"/>
+              </a:lnSpc>
+              <a:buFontTx/>
+              <a:buAutoNum type="arabicPeriod"/>
+            </a:pPr>
+            <a:endParaRPr lang="de-DE" altLang="de-DE" sz="2000"/>
+          </a:p>
+          <a:p>
+            <a:pPr marL="0" indent="0">
+              <a:lnSpc>
+                <a:spcPct val="150000"/>
+              </a:lnSpc>
+              <a:buFontTx/>
+              <a:buAutoNum type="arabicPeriod"/>
+            </a:pPr>
+            <a:endParaRPr lang="de-DE" altLang="de-DE" sz="2000"/>
+          </a:p>
+          <a:p>
+            <a:pPr marL="400050" lvl="1" indent="0">
+              <a:lnSpc>
+                <a:spcPct val="150000"/>
+              </a:lnSpc>
+              <a:buFontTx/>
+              <a:buNone/>
+            </a:pPr>
+            <a:r>
+              <a:rPr lang="de-DE" altLang="de-DE" sz="1600"/>
+              <a:t/>
+            </a:r>
+            <a:br>
+              <a:rPr lang="de-DE" altLang="de-DE" sz="1600"/>
+            </a:br>
+            <a:endParaRPr lang="de-DE" altLang="de-DE" sz="1600"/>
           </a:p>
         </p:txBody>
       </p:sp>
@@ -5434,7 +5829,7 @@
       </p:grpSpPr>
       <p:sp>
         <p:nvSpPr>
-          <p:cNvPr id="27649" name="Titel 1"/>
+          <p:cNvPr id="28673" name="Titel 1"/>
           <p:cNvSpPr>
             <a:spLocks noGrp="1"/>
           </p:cNvSpPr>
@@ -5463,7 +5858,7 @@
         <p:spPr bwMode="auto">
           <a:xfrm>
             <a:off x="628650" y="2708275"/>
-            <a:ext cx="7921625" cy="3097213"/>
+            <a:ext cx="7921625" cy="2160588"/>
           </a:xfrm>
           <a:prstGeom prst="rect">
             <a:avLst/>
@@ -5530,7 +5925,7 @@
               </a14:hiddenLine>
             </a:ext>
             <a:ext uri="{FAA26D3D-D897-4be2-8F04-BA451C77F1D7}">
-              <ma14:placeholderFlag xmlns:ma14="http://schemas.microsoft.com/office/mac/drawingml/2011/main" val="1"/>
+              <ma14:placeholderFlag xmlns:ma14="http://schemas.microsoft.com/office/mac/drawingml/2011/main" xmlns="" val="1"/>
             </a:ext>
           </a:extLst>
         </p:spPr>
@@ -5560,7 +5955,7 @@
                 <a:spcPct val="150000"/>
               </a:lnSpc>
               <a:buFontTx/>
-              <a:buAutoNum type="arabicPeriod" startAt="3"/>
+              <a:buAutoNum type="arabicPeriod" startAt="4"/>
             </a:pPr>
             <a:r>
               <a:rPr lang="de-DE" altLang="de-DE" sz="2000"/>
@@ -5568,12 +5963,16 @@
             </a:r>
             <a:r>
               <a:rPr lang="de-DE" altLang="de-DE" sz="2000" b="1"/>
-              <a:t>Aeq</a:t>
+              <a:t>beq</a:t>
             </a:r>
             <a:r>
               <a:rPr lang="de-DE" altLang="de-DE" sz="2000"/>
               <a:t>:</a:t>
             </a:r>
+            <a:br>
+              <a:rPr lang="de-DE" altLang="de-DE" sz="2000"/>
+            </a:br>
+            <a:endParaRPr lang="de-DE" altLang="de-DE" sz="2000"/>
           </a:p>
           <a:p>
             <a:pPr marL="0" indent="0">
@@ -5582,11 +5981,29 @@
             </a:pPr>
             <a:r>
               <a:rPr lang="de-DE" altLang="de-DE" sz="2000"/>
-              <a:t/>
-            </a:r>
-            <a:br>
-              <a:rPr lang="de-DE" altLang="de-DE" sz="2000"/>
-            </a:br>
+              <a:t>  </a:t>
+            </a:r>
+            <a:r>
+              <a:rPr lang="de-DE" altLang="de-DE" sz="1600">
+                <a:solidFill>
+                  <a:srgbClr val="228B22"/>
+                </a:solidFill>
+                <a:latin typeface="courier" charset="0"/>
+              </a:rPr>
+              <a:t>% Eine gültige Tour muss so viele Kanten wie Knoten haben</a:t>
+            </a:r>
+            <a:endParaRPr lang="de-DE" altLang="de-DE" sz="1600">
+              <a:solidFill>
+                <a:srgbClr val="000000"/>
+              </a:solidFill>
+              <a:latin typeface="courier" charset="0"/>
+            </a:endParaRPr>
+          </a:p>
+          <a:p>
+            <a:pPr marL="0" indent="0">
+              <a:buFontTx/>
+              <a:buNone/>
+            </a:pPr>
             <a:r>
               <a:rPr lang="de-DE" altLang="de-DE" sz="1600">
                 <a:solidFill>
@@ -5597,22 +6014,13 @@
               <a:t> </a:t>
             </a:r>
             <a:r>
-              <a:rPr lang="de-DE" altLang="de-DE" sz="1600">
-                <a:solidFill>
-                  <a:srgbClr val="0000FF"/>
+              <a:rPr lang="en-US" altLang="de-DE" sz="1600">
+                <a:solidFill>
+                  <a:srgbClr val="000000"/>
                 </a:solidFill>
                 <a:latin typeface="courier" charset="0"/>
               </a:rPr>
-              <a:t>for</a:t>
-            </a:r>
-            <a:r>
-              <a:rPr lang="de-DE" altLang="de-DE" sz="1600">
-                <a:solidFill>
-                  <a:srgbClr val="000000"/>
-                </a:solidFill>
-                <a:latin typeface="courier" charset="0"/>
-              </a:rPr>
-              <a:t> i = 1:tour_length</a:t>
+              <a:t>beq(1) = tour_length;</a:t>
             </a:r>
           </a:p>
           <a:p>
@@ -5620,15 +6028,12 @@
               <a:buFontTx/>
               <a:buNone/>
             </a:pPr>
-            <a:r>
-              <a:rPr lang="de-DE" altLang="de-DE" sz="1600">
-                <a:solidFill>
-                  <a:srgbClr val="000000"/>
-                </a:solidFill>
-                <a:latin typeface="courier" charset="0"/>
-              </a:rPr>
-              <a:t>     edges_to_i = zeros(length(edges), 1);</a:t>
-            </a:r>
+            <a:endParaRPr lang="en-US" altLang="de-DE" sz="1600">
+              <a:solidFill>
+                <a:srgbClr val="000000"/>
+              </a:solidFill>
+              <a:latin typeface="courier" charset="0"/>
+            </a:endParaRPr>
           </a:p>
           <a:p>
             <a:pPr marL="0" indent="0">
@@ -5642,26 +6047,23 @@
                 </a:solidFill>
                 <a:latin typeface="courier" charset="0"/>
               </a:rPr>
-              <a:t>     </a:t>
-            </a:r>
-            <a:r>
-              <a:rPr lang="en-US" altLang="de-DE" sz="1600">
-                <a:solidFill>
-                  <a:srgbClr val="0000FF"/>
+              <a:t> </a:t>
+            </a:r>
+            <a:r>
+              <a:rPr lang="de-DE" altLang="de-DE" sz="1600">
+                <a:solidFill>
+                  <a:srgbClr val="228B22"/>
                 </a:solidFill>
                 <a:latin typeface="courier" charset="0"/>
               </a:rPr>
-              <a:t>for</a:t>
-            </a:r>
-            <a:r>
-              <a:rPr lang="en-US" altLang="de-DE" sz="1600">
-                <a:solidFill>
-                  <a:srgbClr val="000000"/>
-                </a:solidFill>
-                <a:latin typeface="courier" charset="0"/>
-              </a:rPr>
-              <a:t> j = 1:length(edges)</a:t>
-            </a:r>
+              <a:t>% Jeder Knoten hat genau zwei Kanten </a:t>
+            </a:r>
+            <a:endParaRPr lang="en-US" altLang="de-DE" sz="1600">
+              <a:solidFill>
+                <a:srgbClr val="000000"/>
+              </a:solidFill>
+              <a:latin typeface="courier" charset="0"/>
+            </a:endParaRPr>
           </a:p>
           <a:p>
             <a:pPr marL="0" indent="0">
@@ -5675,25 +6077,7 @@
                 </a:solidFill>
                 <a:latin typeface="courier" charset="0"/>
               </a:rPr>
-              <a:t>         </a:t>
-            </a:r>
-            <a:r>
-              <a:rPr lang="en-US" altLang="de-DE" sz="1600">
-                <a:solidFill>
-                  <a:srgbClr val="0000FF"/>
-                </a:solidFill>
-                <a:latin typeface="courier" charset="0"/>
-              </a:rPr>
-              <a:t>if</a:t>
-            </a:r>
-            <a:r>
-              <a:rPr lang="en-US" altLang="de-DE" sz="1600">
-                <a:solidFill>
-                  <a:srgbClr val="000000"/>
-                </a:solidFill>
-                <a:latin typeface="courier" charset="0"/>
-              </a:rPr>
-              <a:t> edges(j,1) == i || edges(j,2) == i</a:t>
+              <a:t> beq(:,(2:tour_length+1)) = 2;</a:t>
             </a:r>
           </a:p>
           <a:p>
@@ -5702,135 +6086,14 @@
               <a:buNone/>
             </a:pPr>
             <a:r>
-              <a:rPr lang="en-US" altLang="de-DE" sz="1600">
+              <a:rPr lang="de-DE" altLang="de-DE" sz="1600">
                 <a:solidFill>
                   <a:srgbClr val="000000"/>
                 </a:solidFill>
                 <a:latin typeface="courier" charset="0"/>
               </a:rPr>
-              <a:t>             edges_to_i(j) = 1;</a:t>
-            </a:r>
-          </a:p>
-          <a:p>
-            <a:pPr marL="0" indent="0">
-              <a:buFontTx/>
-              <a:buNone/>
-            </a:pPr>
-            <a:r>
-              <a:rPr lang="de-DE" altLang="de-DE" sz="1600">
-                <a:solidFill>
-                  <a:srgbClr val="000000"/>
-                </a:solidFill>
-                <a:latin typeface="courier" charset="0"/>
-              </a:rPr>
-              <a:t>         </a:t>
-            </a:r>
-            <a:r>
-              <a:rPr lang="de-DE" altLang="de-DE" sz="1600">
-                <a:solidFill>
-                  <a:srgbClr val="0000FF"/>
-                </a:solidFill>
-                <a:latin typeface="courier" charset="0"/>
-              </a:rPr>
-              <a:t>end</a:t>
-            </a:r>
-          </a:p>
-          <a:p>
-            <a:pPr marL="0" indent="0">
-              <a:buFontTx/>
-              <a:buNone/>
-            </a:pPr>
-            <a:r>
-              <a:rPr lang="de-DE" altLang="de-DE" sz="1600">
-                <a:solidFill>
-                  <a:srgbClr val="000000"/>
-                </a:solidFill>
-                <a:latin typeface="courier" charset="0"/>
-              </a:rPr>
-              <a:t>     </a:t>
-            </a:r>
-            <a:r>
-              <a:rPr lang="de-DE" altLang="de-DE" sz="1600">
-                <a:solidFill>
-                  <a:srgbClr val="0000FF"/>
-                </a:solidFill>
-                <a:latin typeface="courier" charset="0"/>
-              </a:rPr>
-              <a:t>end</a:t>
-            </a:r>
-          </a:p>
-          <a:p>
-            <a:pPr marL="0" indent="0">
-              <a:buFontTx/>
-              <a:buNone/>
-            </a:pPr>
-            <a:r>
-              <a:rPr lang="de-DE" altLang="de-DE" sz="1600">
-                <a:solidFill>
-                  <a:srgbClr val="000000"/>
-                </a:solidFill>
-                <a:latin typeface="courier" charset="0"/>
-              </a:rPr>
-              <a:t>     </a:t>
-            </a:r>
-            <a:r>
-              <a:rPr lang="de-DE" altLang="de-DE" sz="1600">
-                <a:solidFill>
-                  <a:srgbClr val="228B22"/>
-                </a:solidFill>
-                <a:latin typeface="courier" charset="0"/>
-              </a:rPr>
-              <a:t>% Hinzufügen der Nebenbedingung</a:t>
-            </a:r>
-          </a:p>
-          <a:p>
-            <a:pPr marL="0" indent="0">
-              <a:buFontTx/>
-              <a:buNone/>
-            </a:pPr>
-            <a:r>
-              <a:rPr lang="en-US" altLang="de-DE" sz="1600">
-                <a:solidFill>
-                  <a:srgbClr val="000000"/>
-                </a:solidFill>
-                <a:latin typeface="courier" charset="0"/>
-              </a:rPr>
-              <a:t>     Aeq(i+1,:) = edges_to_i'; </a:t>
-            </a:r>
-          </a:p>
-          <a:p>
-            <a:pPr marL="0" indent="0">
-              <a:buFontTx/>
-              <a:buNone/>
-            </a:pPr>
-            <a:r>
-              <a:rPr lang="de-DE" altLang="de-DE" sz="1600">
-                <a:solidFill>
-                  <a:srgbClr val="000000"/>
-                </a:solidFill>
-                <a:latin typeface="courier" charset="0"/>
-              </a:rPr>
-              <a:t> </a:t>
-            </a:r>
-            <a:r>
-              <a:rPr lang="de-DE" altLang="de-DE" sz="1600">
-                <a:solidFill>
-                  <a:srgbClr val="0000FF"/>
-                </a:solidFill>
-                <a:latin typeface="courier" charset="0"/>
-              </a:rPr>
-              <a:t>end</a:t>
-            </a:r>
-            <a:endParaRPr lang="de-DE" altLang="de-DE" sz="1600" b="1"/>
-          </a:p>
-          <a:p>
-            <a:pPr marL="0" indent="0">
-              <a:lnSpc>
-                <a:spcPct val="150000"/>
-              </a:lnSpc>
-              <a:buFontTx/>
-              <a:buAutoNum type="arabicPeriod"/>
-            </a:pPr>
+              <a:t> beq = beq';</a:t>
+            </a:r>
             <a:endParaRPr lang="de-DE" altLang="de-DE" sz="2000"/>
           </a:p>
           <a:p>
@@ -5896,7 +6159,7 @@
       </p:grpSpPr>
       <p:sp>
         <p:nvSpPr>
-          <p:cNvPr id="28673" name="Titel 1"/>
+          <p:cNvPr id="29697" name="Titel 1"/>
           <p:cNvSpPr>
             <a:spLocks noGrp="1"/>
           </p:cNvSpPr>
@@ -5925,7 +6188,7 @@
         <p:spPr bwMode="auto">
           <a:xfrm>
             <a:off x="628650" y="2708275"/>
-            <a:ext cx="7921625" cy="2160588"/>
+            <a:ext cx="7921625" cy="1152525"/>
           </a:xfrm>
           <a:prstGeom prst="rect">
             <a:avLst/>
@@ -5992,7 +6255,7 @@
               </a14:hiddenLine>
             </a:ext>
             <a:ext uri="{FAA26D3D-D897-4be2-8F04-BA451C77F1D7}">
-              <ma14:placeholderFlag xmlns:ma14="http://schemas.microsoft.com/office/mac/drawingml/2011/main" val="1"/>
+              <ma14:placeholderFlag xmlns:ma14="http://schemas.microsoft.com/office/mac/drawingml/2011/main" xmlns="" val="1"/>
             </a:ext>
           </a:extLst>
         </p:spPr>
@@ -6022,15 +6285,23 @@
                 <a:spcPct val="150000"/>
               </a:lnSpc>
               <a:buFontTx/>
-              <a:buAutoNum type="arabicPeriod" startAt="4"/>
+              <a:buAutoNum type="arabicPeriod" startAt="5"/>
             </a:pPr>
             <a:r>
               <a:rPr lang="de-DE" altLang="de-DE" sz="2000"/>
-              <a:t>Befüllen von </a:t>
+              <a:t>Setzen der Schranken </a:t>
             </a:r>
             <a:r>
               <a:rPr lang="de-DE" altLang="de-DE" sz="2000" b="1"/>
-              <a:t>beq</a:t>
+              <a:t>lb</a:t>
+            </a:r>
+            <a:r>
+              <a:rPr lang="de-DE" altLang="de-DE" sz="2000"/>
+              <a:t> und </a:t>
+            </a:r>
+            <a:r>
+              <a:rPr lang="de-DE" altLang="de-DE" sz="2000" b="1"/>
+              <a:t>ub</a:t>
             </a:r>
             <a:r>
               <a:rPr lang="de-DE" altLang="de-DE" sz="2000"/>
@@ -6047,24 +6318,14 @@
               <a:buNone/>
             </a:pPr>
             <a:r>
-              <a:rPr lang="de-DE" altLang="de-DE" sz="2000"/>
-              <a:t>  </a:t>
-            </a:r>
-            <a:r>
-              <a:rPr lang="de-DE" altLang="de-DE" sz="1600">
-                <a:solidFill>
-                  <a:srgbClr val="228B22"/>
+              <a:rPr lang="de-DE" altLang="de-DE" sz="2000">
+                <a:solidFill>
+                  <a:srgbClr val="000000"/>
                 </a:solidFill>
                 <a:latin typeface="courier" charset="0"/>
               </a:rPr>
-              <a:t>% Eine gültige Tour muss so viele Kanten wie Knoten haben</a:t>
-            </a:r>
-            <a:endParaRPr lang="de-DE" altLang="de-DE" sz="1600">
-              <a:solidFill>
-                <a:srgbClr val="000000"/>
-              </a:solidFill>
-              <a:latin typeface="courier" charset="0"/>
-            </a:endParaRPr>
+              <a:t> lb = zeros(edges_length,1);</a:t>
+            </a:r>
           </a:p>
           <a:p>
             <a:pPr marL="0" indent="0">
@@ -6072,105 +6333,14 @@
               <a:buNone/>
             </a:pPr>
             <a:r>
-              <a:rPr lang="de-DE" altLang="de-DE" sz="1600">
+              <a:rPr lang="de-DE" altLang="de-DE" sz="2000">
                 <a:solidFill>
                   <a:srgbClr val="000000"/>
                 </a:solidFill>
                 <a:latin typeface="courier" charset="0"/>
               </a:rPr>
-              <a:t> </a:t>
-            </a:r>
-            <a:r>
-              <a:rPr lang="en-US" altLang="de-DE" sz="1600">
-                <a:solidFill>
-                  <a:srgbClr val="000000"/>
-                </a:solidFill>
-                <a:latin typeface="courier" charset="0"/>
-              </a:rPr>
-              <a:t>beq(1) = tour_length;</a:t>
-            </a:r>
-          </a:p>
-          <a:p>
-            <a:pPr marL="0" indent="0">
-              <a:buFontTx/>
-              <a:buNone/>
-            </a:pPr>
-            <a:endParaRPr lang="en-US" altLang="de-DE" sz="1600">
-              <a:solidFill>
-                <a:srgbClr val="000000"/>
-              </a:solidFill>
-              <a:latin typeface="courier" charset="0"/>
-            </a:endParaRPr>
-          </a:p>
-          <a:p>
-            <a:pPr marL="0" indent="0">
-              <a:buFontTx/>
-              <a:buNone/>
-            </a:pPr>
-            <a:r>
-              <a:rPr lang="en-US" altLang="de-DE" sz="1600">
-                <a:solidFill>
-                  <a:srgbClr val="000000"/>
-                </a:solidFill>
-                <a:latin typeface="courier" charset="0"/>
-              </a:rPr>
-              <a:t> </a:t>
-            </a:r>
-            <a:r>
-              <a:rPr lang="de-DE" altLang="de-DE" sz="1600">
-                <a:solidFill>
-                  <a:srgbClr val="228B22"/>
-                </a:solidFill>
-                <a:latin typeface="courier" charset="0"/>
-              </a:rPr>
-              <a:t>% Jeder Knoten hat genau zwei Kanten </a:t>
-            </a:r>
-            <a:endParaRPr lang="en-US" altLang="de-DE" sz="1600">
-              <a:solidFill>
-                <a:srgbClr val="000000"/>
-              </a:solidFill>
-              <a:latin typeface="courier" charset="0"/>
-            </a:endParaRPr>
-          </a:p>
-          <a:p>
-            <a:pPr marL="0" indent="0">
-              <a:buFontTx/>
-              <a:buNone/>
-            </a:pPr>
-            <a:r>
-              <a:rPr lang="en-US" altLang="de-DE" sz="1600">
-                <a:solidFill>
-                  <a:srgbClr val="000000"/>
-                </a:solidFill>
-                <a:latin typeface="courier" charset="0"/>
-              </a:rPr>
-              <a:t> beq(:,(2:tour_length+1)) = 2;</a:t>
-            </a:r>
-          </a:p>
-          <a:p>
-            <a:pPr marL="0" indent="0">
-              <a:buFontTx/>
-              <a:buNone/>
-            </a:pPr>
-            <a:r>
-              <a:rPr lang="de-DE" altLang="de-DE" sz="1600">
-                <a:solidFill>
-                  <a:srgbClr val="000000"/>
-                </a:solidFill>
-                <a:latin typeface="courier" charset="0"/>
-              </a:rPr>
-              <a:t> beq = beq';</a:t>
-            </a:r>
-            <a:endParaRPr lang="de-DE" altLang="de-DE" sz="2000"/>
-          </a:p>
-          <a:p>
-            <a:pPr marL="0" indent="0">
-              <a:lnSpc>
-                <a:spcPct val="150000"/>
-              </a:lnSpc>
-              <a:buFontTx/>
-              <a:buAutoNum type="arabicPeriod"/>
-            </a:pPr>
+              <a:t> ub =  ones(edges_length,1);</a:t>
+            </a:r>
             <a:endParaRPr lang="de-DE" altLang="de-DE" sz="2000"/>
           </a:p>
           <a:p>
@@ -6181,13 +6351,6 @@
               <a:buFontTx/>
               <a:buNone/>
             </a:pPr>
-            <a:r>
-              <a:rPr lang="de-DE" altLang="de-DE" sz="1600"/>
-              <a:t/>
-            </a:r>
-            <a:br>
-              <a:rPr lang="de-DE" altLang="de-DE" sz="1600"/>
-            </a:br>
             <a:endParaRPr lang="de-DE" altLang="de-DE" sz="1600"/>
           </a:p>
         </p:txBody>
@@ -6226,7 +6389,7 @@
       </p:grpSpPr>
       <p:sp>
         <p:nvSpPr>
-          <p:cNvPr id="29697" name="Titel 1"/>
+          <p:cNvPr id="30721" name="Titel 1"/>
           <p:cNvSpPr>
             <a:spLocks noGrp="1"/>
           </p:cNvSpPr>
@@ -6254,8 +6417,8 @@
         </p:nvSpPr>
         <p:spPr bwMode="auto">
           <a:xfrm>
-            <a:off x="628650" y="2708275"/>
-            <a:ext cx="7921625" cy="1152525"/>
+            <a:off x="628650" y="2636838"/>
+            <a:ext cx="7921625" cy="936625"/>
           </a:xfrm>
           <a:prstGeom prst="rect">
             <a:avLst/>
@@ -6322,7 +6485,7 @@
               </a14:hiddenLine>
             </a:ext>
             <a:ext uri="{FAA26D3D-D897-4be2-8F04-BA451C77F1D7}">
-              <ma14:placeholderFlag xmlns:ma14="http://schemas.microsoft.com/office/mac/drawingml/2011/main" val="1"/>
+              <ma14:placeholderFlag xmlns:ma14="http://schemas.microsoft.com/office/mac/drawingml/2011/main" xmlns="" val="1"/>
             </a:ext>
           </a:extLst>
         </p:spPr>
@@ -6342,8 +6505,16 @@
               <a:buNone/>
             </a:pPr>
             <a:r>
-              <a:rPr lang="de-DE" altLang="de-DE" sz="2400"/>
-              <a:t>Umsetzung in MatLab, Vorgehen:</a:t>
+              <a:rPr lang="de-DE" altLang="de-DE" sz="2400" dirty="0"/>
+              <a:t>Umsetzung in </a:t>
+            </a:r>
+            <a:r>
+              <a:rPr lang="de-DE" altLang="de-DE" sz="2400" dirty="0" err="1"/>
+              <a:t>MatLab</a:t>
+            </a:r>
+            <a:r>
+              <a:rPr lang="de-DE" altLang="de-DE" sz="2400" dirty="0"/>
+              <a:t>, Vorgehen:</a:t>
             </a:r>
           </a:p>
           <a:p>
@@ -6352,73 +6523,210 @@
                 <a:spcPct val="150000"/>
               </a:lnSpc>
               <a:buFontTx/>
-              <a:buAutoNum type="arabicPeriod" startAt="5"/>
-            </a:pPr>
-            <a:r>
-              <a:rPr lang="de-DE" altLang="de-DE" sz="2000"/>
-              <a:t>Setzen der Schranken </a:t>
-            </a:r>
-            <a:r>
-              <a:rPr lang="de-DE" altLang="de-DE" sz="2000" b="1"/>
-              <a:t>lb</a:t>
-            </a:r>
-            <a:r>
-              <a:rPr lang="de-DE" altLang="de-DE" sz="2000"/>
-              <a:t> und </a:t>
-            </a:r>
-            <a:r>
-              <a:rPr lang="de-DE" altLang="de-DE" sz="2000" b="1"/>
-              <a:t>ub</a:t>
-            </a:r>
-            <a:r>
-              <a:rPr lang="de-DE" altLang="de-DE" sz="2000"/>
+              <a:buAutoNum type="arabicPeriod" startAt="6"/>
+            </a:pPr>
+            <a:r>
+              <a:rPr lang="de-DE" altLang="de-DE" sz="2400" dirty="0"/>
+              <a:t>Aufruf von </a:t>
+            </a:r>
+            <a:r>
+              <a:rPr lang="de-DE" altLang="de-DE" sz="2400" b="1" dirty="0" err="1"/>
+              <a:t>intlinprog</a:t>
+            </a:r>
+            <a:r>
+              <a:rPr lang="de-DE" altLang="de-DE" sz="2400" dirty="0"/>
               <a:t>:</a:t>
             </a:r>
-            <a:br>
-              <a:rPr lang="de-DE" altLang="de-DE" sz="2000"/>
-            </a:br>
-            <a:endParaRPr lang="de-DE" altLang="de-DE" sz="2000"/>
           </a:p>
           <a:p>
             <a:pPr marL="0" indent="0">
-              <a:buFontTx/>
-              <a:buNone/>
-            </a:pPr>
-            <a:r>
-              <a:rPr lang="de-DE" altLang="de-DE" sz="2000">
-                <a:solidFill>
-                  <a:srgbClr val="000000"/>
-                </a:solidFill>
-                <a:latin typeface="courier" charset="0"/>
-              </a:rPr>
-              <a:t> lb = zeros(edges_length,1);</a:t>
-            </a:r>
-          </a:p>
-          <a:p>
-            <a:pPr marL="0" indent="0">
-              <a:buFontTx/>
-              <a:buNone/>
-            </a:pPr>
-            <a:r>
-              <a:rPr lang="de-DE" altLang="de-DE" sz="2000">
-                <a:solidFill>
-                  <a:srgbClr val="000000"/>
-                </a:solidFill>
-                <a:latin typeface="courier" charset="0"/>
-              </a:rPr>
-              <a:t> ub =  ones(edges_length,1);</a:t>
-            </a:r>
-            <a:endParaRPr lang="de-DE" altLang="de-DE" sz="2000"/>
-          </a:p>
-          <a:p>
-            <a:pPr marL="400050" lvl="1" indent="0">
               <a:lnSpc>
                 <a:spcPct val="150000"/>
               </a:lnSpc>
               <a:buFontTx/>
               <a:buNone/>
             </a:pPr>
-            <a:endParaRPr lang="de-DE" altLang="de-DE" sz="1600"/>
+            <a:r>
+              <a:rPr lang="de-DE" altLang="de-DE" sz="1800" dirty="0">
+                <a:solidFill>
+                  <a:srgbClr val="000000"/>
+                </a:solidFill>
+                <a:latin typeface="courier" charset="0"/>
+              </a:rPr>
+              <a:t>[</a:t>
+            </a:r>
+            <a:r>
+              <a:rPr lang="de-DE" altLang="de-DE" sz="1800" dirty="0" err="1">
+                <a:solidFill>
+                  <a:srgbClr val="000000"/>
+                </a:solidFill>
+                <a:latin typeface="courier" charset="0"/>
+              </a:rPr>
+              <a:t>result,unsed,exitflag,output</a:t>
+            </a:r>
+            <a:r>
+              <a:rPr lang="de-DE" altLang="de-DE" sz="1800" dirty="0">
+                <a:solidFill>
+                  <a:srgbClr val="000000"/>
+                </a:solidFill>
+                <a:latin typeface="courier" charset="0"/>
+              </a:rPr>
+              <a:t>] =</a:t>
+            </a:r>
+            <a:br>
+              <a:rPr lang="de-DE" altLang="de-DE" sz="1800" dirty="0">
+                <a:solidFill>
+                  <a:srgbClr val="000000"/>
+                </a:solidFill>
+                <a:latin typeface="courier" charset="0"/>
+              </a:rPr>
+            </a:br>
+            <a:r>
+              <a:rPr lang="de-DE" altLang="de-DE" sz="1800" dirty="0" err="1">
+                <a:solidFill>
+                  <a:srgbClr val="000000"/>
+                </a:solidFill>
+                <a:latin typeface="courier" charset="0"/>
+              </a:rPr>
+              <a:t>intlinprog</a:t>
+            </a:r>
+            <a:r>
+              <a:rPr lang="de-DE" altLang="de-DE" sz="1800" dirty="0">
+                <a:solidFill>
+                  <a:srgbClr val="000000"/>
+                </a:solidFill>
+                <a:latin typeface="courier" charset="0"/>
+              </a:rPr>
+              <a:t>(</a:t>
+            </a:r>
+            <a:r>
+              <a:rPr lang="de-DE" altLang="de-DE" sz="1800" dirty="0" err="1">
+                <a:solidFill>
+                  <a:srgbClr val="000000"/>
+                </a:solidFill>
+                <a:latin typeface="courier" charset="0"/>
+              </a:rPr>
+              <a:t>distances,intcon</a:t>
+            </a:r>
+            <a:r>
+              <a:rPr lang="de-DE" altLang="de-DE" sz="1800" dirty="0">
+                <a:solidFill>
+                  <a:srgbClr val="000000"/>
+                </a:solidFill>
+                <a:latin typeface="courier" charset="0"/>
+              </a:rPr>
+              <a:t>,[],[],</a:t>
+            </a:r>
+            <a:r>
+              <a:rPr lang="de-DE" altLang="de-DE" sz="1800" dirty="0" err="1">
+                <a:solidFill>
+                  <a:srgbClr val="000000"/>
+                </a:solidFill>
+                <a:latin typeface="courier" charset="0"/>
+              </a:rPr>
+              <a:t>Aeq,beq,lb,ub,opts</a:t>
+            </a:r>
+            <a:r>
+              <a:rPr lang="de-DE" altLang="de-DE" sz="1800" dirty="0">
+                <a:solidFill>
+                  <a:srgbClr val="000000"/>
+                </a:solidFill>
+                <a:latin typeface="courier" charset="0"/>
+              </a:rPr>
+              <a:t>);</a:t>
+            </a:r>
+          </a:p>
+          <a:p>
+            <a:pPr lvl="1">
+              <a:lnSpc>
+                <a:spcPct val="150000"/>
+              </a:lnSpc>
+            </a:pPr>
+            <a:endParaRPr lang="de-DE" altLang="de-DE" sz="1800" dirty="0">
+              <a:solidFill>
+                <a:srgbClr val="000000"/>
+              </a:solidFill>
+              <a:latin typeface="courier" charset="0"/>
+            </a:endParaRPr>
+          </a:p>
+          <a:p>
+            <a:pPr marL="0" indent="0">
+              <a:lnSpc>
+                <a:spcPct val="150000"/>
+              </a:lnSpc>
+              <a:buFontTx/>
+              <a:buNone/>
+            </a:pPr>
+            <a:r>
+              <a:rPr lang="de-DE" altLang="de-DE" sz="2400" dirty="0"/>
+              <a:t>Ergebnisvariablen:</a:t>
+            </a:r>
+          </a:p>
+          <a:p>
+            <a:pPr marL="0" indent="0">
+              <a:lnSpc>
+                <a:spcPct val="150000"/>
+              </a:lnSpc>
+              <a:buFont typeface="Symbol" charset="2"/>
+              <a:buChar char="-"/>
+            </a:pPr>
+            <a:r>
+              <a:rPr lang="de-DE" altLang="de-DE" sz="1800" b="1" dirty="0" err="1"/>
+              <a:t>Result</a:t>
+            </a:r>
+            <a:r>
+              <a:rPr lang="de-DE" altLang="de-DE" sz="1800" dirty="0"/>
+              <a:t>: Liste mit Kanten, die in der Lösung enthalten sind</a:t>
+            </a:r>
+          </a:p>
+          <a:p>
+            <a:pPr marL="0" indent="0">
+              <a:lnSpc>
+                <a:spcPct val="150000"/>
+              </a:lnSpc>
+              <a:buFont typeface="Symbol" charset="2"/>
+              <a:buChar char="-"/>
+            </a:pPr>
+            <a:r>
+              <a:rPr lang="de-DE" altLang="de-DE" sz="1800" b="1" dirty="0" err="1"/>
+              <a:t>Exitflag</a:t>
+            </a:r>
+            <a:r>
+              <a:rPr lang="de-DE" altLang="de-DE" sz="1800" dirty="0"/>
+              <a:t>: Gibt an ob der Optimierung konvergiert ist</a:t>
+            </a:r>
+          </a:p>
+          <a:p>
+            <a:pPr marL="0" indent="0">
+              <a:buFont typeface="Symbol" charset="2"/>
+              <a:buChar char="-"/>
+            </a:pPr>
+            <a:r>
+              <a:rPr lang="de-DE" altLang="de-DE" sz="1800" b="1" dirty="0"/>
+              <a:t>Output</a:t>
+            </a:r>
+            <a:r>
+              <a:rPr lang="de-DE" altLang="de-DE" sz="1800" dirty="0"/>
+              <a:t>: Ist </a:t>
+            </a:r>
+            <a:r>
+              <a:rPr lang="de-DE" altLang="de-DE" sz="1800" dirty="0" err="1"/>
+              <a:t>output.absolutegap</a:t>
+            </a:r>
+            <a:r>
+              <a:rPr lang="de-DE" altLang="de-DE" sz="1800" dirty="0"/>
+              <a:t> = 0 ist die gefundene Lösung Optimal </a:t>
+            </a:r>
+          </a:p>
+          <a:p>
+            <a:pPr lvl="1">
+              <a:lnSpc>
+                <a:spcPct val="150000"/>
+              </a:lnSpc>
+              <a:buFontTx/>
+              <a:buNone/>
+            </a:pPr>
+            <a:endParaRPr lang="de-DE" altLang="de-DE" sz="1600" dirty="0"/>
           </a:p>
         </p:txBody>
       </p:sp>
@@ -6456,7 +6764,7 @@
       </p:grpSpPr>
       <p:sp>
         <p:nvSpPr>
-          <p:cNvPr id="30721" name="Titel 1"/>
+          <p:cNvPr id="31745" name="Titel 1"/>
           <p:cNvSpPr>
             <a:spLocks noGrp="1"/>
           </p:cNvSpPr>
@@ -6471,68 +6779,44 @@
           <a:p>
             <a:r>
               <a:rPr lang="de-DE" altLang="de-DE"/>
-              <a:t>Linear Programming – Formulierung MatLab</a:t>
+              <a:t>Linear Programming - Beispiel</a:t>
             </a:r>
           </a:p>
         </p:txBody>
       </p:sp>
-      <p:sp>
-        <p:nvSpPr>
-          <p:cNvPr id="7" name="Rechteck 6"/>
-          <p:cNvSpPr/>
+      <p:pic>
+        <p:nvPicPr>
+          <p:cNvPr id="31746" name="Bild 5"/>
+          <p:cNvPicPr>
+            <a:picLocks noChangeAspect="1"/>
+          </p:cNvPicPr>
           <p:nvPr/>
-        </p:nvSpPr>
+        </p:nvPicPr>
+        <p:blipFill>
+          <a:blip r:embed="rId2">
+            <a:extLst>
+              <a:ext uri="{28A0092B-C50C-407E-A947-70E740481C1C}">
+                <a14:useLocalDpi xmlns:a14="http://schemas.microsoft.com/office/drawing/2010/main" val="0"/>
+              </a:ext>
+            </a:extLst>
+          </a:blip>
+          <a:srcRect/>
+          <a:stretch>
+            <a:fillRect/>
+          </a:stretch>
+        </p:blipFill>
         <p:spPr bwMode="auto">
           <a:xfrm>
-            <a:off x="628650" y="2636838"/>
-            <a:ext cx="7921625" cy="936625"/>
+            <a:off x="107950" y="549275"/>
+            <a:ext cx="9144000" cy="6807200"/>
           </a:xfrm>
           <a:prstGeom prst="rect">
             <a:avLst/>
           </a:prstGeom>
-          <a:solidFill>
-            <a:schemeClr val="bg1">
-              <a:lumMod val="85000"/>
-            </a:schemeClr>
-          </a:solidFill>
-          <a:ln w="9525" cap="flat" cmpd="sng" algn="ctr">
-            <a:solidFill>
-              <a:schemeClr val="tx1"/>
-            </a:solidFill>
-            <a:prstDash val="solid"/>
-            <a:round/>
-            <a:headEnd type="none" w="med" len="med"/>
-            <a:tailEnd type="none" w="med" len="med"/>
+          <a:noFill/>
+          <a:ln>
+            <a:noFill/>
           </a:ln>
-          <a:effectLst/>
-          <a:extLst/>
-        </p:spPr>
-        <p:txBody>
-          <a:bodyPr/>
-          <a:lstStyle/>
-          <a:p>
-            <a:pPr>
-              <a:defRPr/>
-            </a:pPr>
-            <a:endParaRPr lang="de-DE"/>
-          </a:p>
-        </p:txBody>
-      </p:sp>
-      <p:sp>
-        <p:nvSpPr>
-          <p:cNvPr id="9219" name="Inhaltsplatzhalter 2"/>
-          <p:cNvSpPr>
-            <a:spLocks noGrp="1"/>
-          </p:cNvSpPr>
-          <p:nvPr>
-            <p:ph idx="1"/>
-          </p:nvPr>
-        </p:nvSpPr>
-        <p:spPr bwMode="auto">
-          <a:xfrm>
-            <a:off x="628650" y="1341438"/>
-            <a:ext cx="7831138" cy="4835525"/>
-          </a:xfrm>
           <a:extLst>
             <a:ext uri="{909E8E84-426E-40DD-AFC4-6F175D3DCCD1}">
               <a14:hiddenFill xmlns:a14="http://schemas.microsoft.com/office/drawing/2010/main">
@@ -6551,252 +6835,9 @@
                 <a:tailEnd/>
               </a14:hiddenLine>
             </a:ext>
-            <a:ext uri="{FAA26D3D-D897-4be2-8F04-BA451C77F1D7}">
-              <ma14:placeholderFlag xmlns:ma14="http://schemas.microsoft.com/office/mac/drawingml/2011/main" val="1"/>
-            </a:ext>
           </a:extLst>
         </p:spPr>
-        <p:txBody>
-          <a:bodyPr vert="horz" wrap="square" lIns="91440" tIns="45720" rIns="91440" bIns="45720" numCol="1" anchor="t" anchorCtr="0" compatLnSpc="1">
-            <a:prstTxWarp prst="textNoShape">
-              <a:avLst/>
-            </a:prstTxWarp>
-          </a:bodyPr>
-          <a:lstStyle/>
-          <a:p>
-            <a:pPr marL="0" indent="0">
-              <a:lnSpc>
-                <a:spcPct val="150000"/>
-              </a:lnSpc>
-              <a:buFontTx/>
-              <a:buNone/>
-            </a:pPr>
-            <a:r>
-              <a:rPr lang="de-DE" altLang="de-DE" sz="2400" dirty="0"/>
-              <a:t>Umsetzung in </a:t>
-            </a:r>
-            <a:r>
-              <a:rPr lang="de-DE" altLang="de-DE" sz="2400" dirty="0" err="1"/>
-              <a:t>MatLab</a:t>
-            </a:r>
-            <a:r>
-              <a:rPr lang="de-DE" altLang="de-DE" sz="2400" dirty="0"/>
-              <a:t>, Vorgehen:</a:t>
-            </a:r>
-          </a:p>
-          <a:p>
-            <a:pPr marL="0" indent="0">
-              <a:lnSpc>
-                <a:spcPct val="150000"/>
-              </a:lnSpc>
-              <a:buFontTx/>
-              <a:buAutoNum type="arabicPeriod" startAt="6"/>
-            </a:pPr>
-            <a:r>
-              <a:rPr lang="de-DE" altLang="de-DE" sz="2400" dirty="0"/>
-              <a:t>Aufruf von </a:t>
-            </a:r>
-            <a:r>
-              <a:rPr lang="de-DE" altLang="de-DE" sz="2400" b="1" dirty="0" err="1"/>
-              <a:t>intlinprog</a:t>
-            </a:r>
-            <a:r>
-              <a:rPr lang="de-DE" altLang="de-DE" sz="2400" dirty="0"/>
-              <a:t>:</a:t>
-            </a:r>
-          </a:p>
-          <a:p>
-            <a:pPr marL="0" indent="0">
-              <a:lnSpc>
-                <a:spcPct val="150000"/>
-              </a:lnSpc>
-              <a:buFontTx/>
-              <a:buNone/>
-            </a:pPr>
-            <a:r>
-              <a:rPr lang="de-DE" altLang="de-DE" sz="1800" dirty="0">
-                <a:solidFill>
-                  <a:srgbClr val="000000"/>
-                </a:solidFill>
-                <a:latin typeface="courier" charset="0"/>
-              </a:rPr>
-              <a:t>[</a:t>
-            </a:r>
-            <a:r>
-              <a:rPr lang="de-DE" altLang="de-DE" sz="1800" dirty="0" err="1">
-                <a:solidFill>
-                  <a:srgbClr val="000000"/>
-                </a:solidFill>
-                <a:latin typeface="courier" charset="0"/>
-              </a:rPr>
-              <a:t>result,unsed,exitflag,output</a:t>
-            </a:r>
-            <a:r>
-              <a:rPr lang="de-DE" altLang="de-DE" sz="1800" dirty="0">
-                <a:solidFill>
-                  <a:srgbClr val="000000"/>
-                </a:solidFill>
-                <a:latin typeface="courier" charset="0"/>
-              </a:rPr>
-              <a:t>] =</a:t>
-            </a:r>
-            <a:br>
-              <a:rPr lang="de-DE" altLang="de-DE" sz="1800" dirty="0">
-                <a:solidFill>
-                  <a:srgbClr val="000000"/>
-                </a:solidFill>
-                <a:latin typeface="courier" charset="0"/>
-              </a:rPr>
-            </a:br>
-            <a:r>
-              <a:rPr lang="de-DE" altLang="de-DE" sz="1800" dirty="0" err="1">
-                <a:solidFill>
-                  <a:srgbClr val="000000"/>
-                </a:solidFill>
-                <a:latin typeface="courier" charset="0"/>
-              </a:rPr>
-              <a:t>intlinprog</a:t>
-            </a:r>
-            <a:r>
-              <a:rPr lang="de-DE" altLang="de-DE" sz="1800" dirty="0">
-                <a:solidFill>
-                  <a:srgbClr val="000000"/>
-                </a:solidFill>
-                <a:latin typeface="courier" charset="0"/>
-              </a:rPr>
-              <a:t>(</a:t>
-            </a:r>
-            <a:r>
-              <a:rPr lang="de-DE" altLang="de-DE" sz="1800" dirty="0" err="1">
-                <a:solidFill>
-                  <a:srgbClr val="000000"/>
-                </a:solidFill>
-                <a:latin typeface="courier" charset="0"/>
-              </a:rPr>
-              <a:t>distances,intcon</a:t>
-            </a:r>
-            <a:r>
-              <a:rPr lang="de-DE" altLang="de-DE" sz="1800" dirty="0">
-                <a:solidFill>
-                  <a:srgbClr val="000000"/>
-                </a:solidFill>
-                <a:latin typeface="courier" charset="0"/>
-              </a:rPr>
-              <a:t>,[],[],</a:t>
-            </a:r>
-            <a:r>
-              <a:rPr lang="de-DE" altLang="de-DE" sz="1800" dirty="0" err="1">
-                <a:solidFill>
-                  <a:srgbClr val="000000"/>
-                </a:solidFill>
-                <a:latin typeface="courier" charset="0"/>
-              </a:rPr>
-              <a:t>Aeq,beq,lb,ub,opts</a:t>
-            </a:r>
-            <a:r>
-              <a:rPr lang="de-DE" altLang="de-DE" sz="1800" dirty="0">
-                <a:solidFill>
-                  <a:srgbClr val="000000"/>
-                </a:solidFill>
-                <a:latin typeface="courier" charset="0"/>
-              </a:rPr>
-              <a:t>);</a:t>
-            </a:r>
-          </a:p>
-          <a:p>
-            <a:pPr lvl="1">
-              <a:lnSpc>
-                <a:spcPct val="150000"/>
-              </a:lnSpc>
-            </a:pPr>
-            <a:endParaRPr lang="de-DE" altLang="de-DE" sz="1800" dirty="0">
-              <a:solidFill>
-                <a:srgbClr val="000000"/>
-              </a:solidFill>
-              <a:latin typeface="courier" charset="0"/>
-            </a:endParaRPr>
-          </a:p>
-          <a:p>
-            <a:pPr marL="0" indent="0">
-              <a:lnSpc>
-                <a:spcPct val="150000"/>
-              </a:lnSpc>
-              <a:buFontTx/>
-              <a:buNone/>
-            </a:pPr>
-            <a:r>
-              <a:rPr lang="de-DE" altLang="de-DE" sz="2400" dirty="0"/>
-              <a:t>Ergebnisvariablen:</a:t>
-            </a:r>
-          </a:p>
-          <a:p>
-            <a:pPr marL="0" indent="0">
-              <a:lnSpc>
-                <a:spcPct val="150000"/>
-              </a:lnSpc>
-              <a:buFont typeface="Symbol" charset="2"/>
-              <a:buChar char="-"/>
-            </a:pPr>
-            <a:r>
-              <a:rPr lang="de-DE" altLang="de-DE" sz="1800" b="1" dirty="0" err="1"/>
-              <a:t>Result</a:t>
-            </a:r>
-            <a:r>
-              <a:rPr lang="de-DE" altLang="de-DE" sz="1800" dirty="0"/>
-              <a:t>: Liste mit Kanten, die in der Lösung enthalten sind</a:t>
-            </a:r>
-          </a:p>
-          <a:p>
-            <a:pPr marL="0" indent="0">
-              <a:lnSpc>
-                <a:spcPct val="150000"/>
-              </a:lnSpc>
-              <a:buFont typeface="Symbol" charset="2"/>
-              <a:buChar char="-"/>
-            </a:pPr>
-            <a:r>
-              <a:rPr lang="de-DE" altLang="de-DE" sz="1800" b="1" dirty="0" err="1"/>
-              <a:t>Exitflag</a:t>
-            </a:r>
-            <a:r>
-              <a:rPr lang="de-DE" altLang="de-DE" sz="1800" dirty="0"/>
-              <a:t>: Gibt an ob der Optimierung konvergiert ist</a:t>
-            </a:r>
-          </a:p>
-          <a:p>
-            <a:pPr marL="0" indent="0">
-              <a:buFont typeface="Symbol" charset="2"/>
-              <a:buChar char="-"/>
-            </a:pPr>
-            <a:r>
-              <a:rPr lang="de-DE" altLang="de-DE" sz="1800" b="1" dirty="0"/>
-              <a:t>Output</a:t>
-            </a:r>
-            <a:r>
-              <a:rPr lang="de-DE" altLang="de-DE" sz="1800" dirty="0"/>
-              <a:t>: Ist </a:t>
-            </a:r>
-            <a:r>
-              <a:rPr lang="de-DE" altLang="de-DE" sz="1800" dirty="0" err="1"/>
-              <a:t>output.absolutegap</a:t>
-            </a:r>
-            <a:r>
-              <a:rPr lang="de-DE" altLang="de-DE" sz="1800" dirty="0"/>
-              <a:t> = 0 ist die gefundene Lösung Optimal </a:t>
-            </a:r>
-          </a:p>
-          <a:p>
-            <a:pPr lvl="1">
-              <a:lnSpc>
-                <a:spcPct val="150000"/>
-              </a:lnSpc>
-              <a:buFontTx/>
-              <a:buNone/>
-            </a:pPr>
-            <a:endParaRPr lang="de-DE" altLang="de-DE" sz="1600" dirty="0"/>
-          </a:p>
-        </p:txBody>
-      </p:sp>
+      </p:pic>
     </p:spTree>
   </p:cSld>
   <p:clrMapOvr>
@@ -6831,7 +6872,7 @@
       </p:grpSpPr>
       <p:sp>
         <p:nvSpPr>
-          <p:cNvPr id="31745" name="Titel 1"/>
+          <p:cNvPr id="32769" name="Titel 1"/>
           <p:cNvSpPr>
             <a:spLocks noGrp="1"/>
           </p:cNvSpPr>
@@ -6846,14 +6887,14 @@
           <a:p>
             <a:r>
               <a:rPr lang="de-DE" altLang="de-DE"/>
-              <a:t>Linear Programming - Beispiel</a:t>
+              <a:t>Linear Programming – Beispiel: optimale Lösung </a:t>
             </a:r>
           </a:p>
         </p:txBody>
       </p:sp>
       <p:pic>
         <p:nvPicPr>
-          <p:cNvPr id="31746" name="Bild 5"/>
+          <p:cNvPr id="32770" name="Bild 1"/>
           <p:cNvPicPr>
             <a:picLocks noChangeAspect="1"/>
           </p:cNvPicPr>
@@ -6939,7 +6980,7 @@
       </p:grpSpPr>
       <p:sp>
         <p:nvSpPr>
-          <p:cNvPr id="32769" name="Titel 1"/>
+          <p:cNvPr id="33793" name="Titel 1"/>
           <p:cNvSpPr>
             <a:spLocks noGrp="1"/>
           </p:cNvSpPr>
@@ -6954,14 +6995,14 @@
           <a:p>
             <a:r>
               <a:rPr lang="de-DE" altLang="de-DE"/>
-              <a:t>Linear Programming – Beispiel: optimale Lösung </a:t>
+              <a:t>Linear Programming – Beispiel: erreichte Lösung</a:t>
             </a:r>
           </a:p>
         </p:txBody>
       </p:sp>
       <p:pic>
         <p:nvPicPr>
-          <p:cNvPr id="32770" name="Bild 1"/>
+          <p:cNvPr id="33794" name="Bild 1"/>
           <p:cNvPicPr>
             <a:picLocks noChangeAspect="1"/>
           </p:cNvPicPr>
@@ -7047,318 +7088,6 @@
       </p:grpSpPr>
       <p:sp>
         <p:nvSpPr>
-          <p:cNvPr id="33793" name="Titel 1"/>
-          <p:cNvSpPr>
-            <a:spLocks noGrp="1"/>
-          </p:cNvSpPr>
-          <p:nvPr>
-            <p:ph type="title"/>
-          </p:nvPr>
-        </p:nvSpPr>
-        <p:spPr/>
-        <p:txBody>
-          <a:bodyPr/>
-          <a:lstStyle/>
-          <a:p>
-            <a:r>
-              <a:rPr lang="de-DE" altLang="de-DE"/>
-              <a:t>Linear Programming – Beispiel: erreichte Lösung</a:t>
-            </a:r>
-          </a:p>
-        </p:txBody>
-      </p:sp>
-      <p:pic>
-        <p:nvPicPr>
-          <p:cNvPr id="33794" name="Bild 1"/>
-          <p:cNvPicPr>
-            <a:picLocks noChangeAspect="1"/>
-          </p:cNvPicPr>
-          <p:nvPr/>
-        </p:nvPicPr>
-        <p:blipFill>
-          <a:blip r:embed="rId2">
-            <a:extLst>
-              <a:ext uri="{28A0092B-C50C-407E-A947-70E740481C1C}">
-                <a14:useLocalDpi xmlns:a14="http://schemas.microsoft.com/office/drawing/2010/main" val="0"/>
-              </a:ext>
-            </a:extLst>
-          </a:blip>
-          <a:srcRect/>
-          <a:stretch>
-            <a:fillRect/>
-          </a:stretch>
-        </p:blipFill>
-        <p:spPr bwMode="auto">
-          <a:xfrm>
-            <a:off x="107950" y="549275"/>
-            <a:ext cx="9144000" cy="6807200"/>
-          </a:xfrm>
-          <a:prstGeom prst="rect">
-            <a:avLst/>
-          </a:prstGeom>
-          <a:noFill/>
-          <a:ln>
-            <a:noFill/>
-          </a:ln>
-          <a:extLst>
-            <a:ext uri="{909E8E84-426E-40DD-AFC4-6F175D3DCCD1}">
-              <a14:hiddenFill xmlns:a14="http://schemas.microsoft.com/office/drawing/2010/main">
-                <a:solidFill>
-                  <a:srgbClr val="FFFFFF"/>
-                </a:solidFill>
-              </a14:hiddenFill>
-            </a:ext>
-            <a:ext uri="{91240B29-F687-4F45-9708-019B960494DF}">
-              <a14:hiddenLine xmlns:a14="http://schemas.microsoft.com/office/drawing/2010/main" w="9525">
-                <a:solidFill>
-                  <a:srgbClr val="000000"/>
-                </a:solidFill>
-                <a:miter lim="800000"/>
-                <a:headEnd/>
-                <a:tailEnd/>
-              </a14:hiddenLine>
-            </a:ext>
-          </a:extLst>
-        </p:spPr>
-      </p:pic>
-    </p:spTree>
-  </p:cSld>
-  <p:clrMapOvr>
-    <a:masterClrMapping/>
-  </p:clrMapOvr>
-  <p:timing>
-    <p:tnLst>
-      <p:par>
-        <p:cTn id="1" dur="indefinite" restart="never" nodeType="tmRoot"/>
-      </p:par>
-    </p:tnLst>
-  </p:timing>
-</p:sld>
-</file>
-
-<file path=ppt/slides/slide2.xml><?xml version="1.0" encoding="utf-8"?>
-<p:sld xmlns:a="http://schemas.openxmlformats.org/drawingml/2006/main" xmlns:r="http://schemas.openxmlformats.org/officeDocument/2006/relationships" xmlns:p="http://schemas.openxmlformats.org/presentationml/2006/main">
-  <p:cSld>
-    <p:spTree>
-      <p:nvGrpSpPr>
-        <p:cNvPr id="1" name=""/>
-        <p:cNvGrpSpPr/>
-        <p:nvPr/>
-      </p:nvGrpSpPr>
-      <p:grpSpPr>
-        <a:xfrm>
-          <a:off x="0" y="0"/>
-          <a:ext cx="0" cy="0"/>
-          <a:chOff x="0" y="0"/>
-          <a:chExt cx="0" cy="0"/>
-        </a:xfrm>
-      </p:grpSpPr>
-      <p:sp>
-        <p:nvSpPr>
-          <p:cNvPr id="16385" name="Titel 1"/>
-          <p:cNvSpPr>
-            <a:spLocks noGrp="1"/>
-          </p:cNvSpPr>
-          <p:nvPr>
-            <p:ph type="title"/>
-          </p:nvPr>
-        </p:nvSpPr>
-        <p:spPr/>
-        <p:txBody>
-          <a:bodyPr/>
-          <a:lstStyle/>
-          <a:p>
-            <a:r>
-              <a:rPr lang="de-DE" altLang="de-DE"/>
-              <a:t>Agenda</a:t>
-            </a:r>
-          </a:p>
-        </p:txBody>
-      </p:sp>
-      <p:sp>
-        <p:nvSpPr>
-          <p:cNvPr id="16386" name="Inhaltsplatzhalter 2"/>
-          <p:cNvSpPr>
-            <a:spLocks noGrp="1"/>
-          </p:cNvSpPr>
-          <p:nvPr>
-            <p:ph idx="1"/>
-          </p:nvPr>
-        </p:nvSpPr>
-        <p:spPr bwMode="auto">
-          <a:xfrm>
-            <a:off x="628650" y="1628775"/>
-            <a:ext cx="7886700" cy="4351338"/>
-          </a:xfrm>
-          <a:noFill/>
-          <a:extLst>
-            <a:ext uri="{909E8E84-426E-40DD-AFC4-6F175D3DCCD1}">
-              <a14:hiddenFill xmlns:a14="http://schemas.microsoft.com/office/drawing/2010/main">
-                <a:solidFill>
-                  <a:srgbClr val="FFFFFF"/>
-                </a:solidFill>
-              </a14:hiddenFill>
-            </a:ext>
-            <a:ext uri="{91240B29-F687-4F45-9708-019B960494DF}">
-              <a14:hiddenLine xmlns:a14="http://schemas.microsoft.com/office/drawing/2010/main" w="9525">
-                <a:solidFill>
-                  <a:srgbClr val="000000"/>
-                </a:solidFill>
-                <a:miter lim="800000"/>
-                <a:headEnd/>
-                <a:tailEnd/>
-              </a14:hiddenLine>
-            </a:ext>
-          </a:extLst>
-        </p:spPr>
-        <p:txBody>
-          <a:bodyPr vert="horz" wrap="square" lIns="91440" tIns="45720" rIns="91440" bIns="45720" numCol="1" anchor="t" anchorCtr="0" compatLnSpc="1">
-            <a:prstTxWarp prst="textNoShape">
-              <a:avLst/>
-            </a:prstTxWarp>
-          </a:bodyPr>
-          <a:lstStyle/>
-          <a:p>
-            <a:r>
-              <a:rPr lang="de-DE" altLang="de-DE" sz="2000" dirty="0"/>
-              <a:t>Das </a:t>
-            </a:r>
-            <a:r>
-              <a:rPr lang="de-DE" altLang="de-DE" sz="2000" dirty="0" err="1"/>
-              <a:t>Traveling</a:t>
-            </a:r>
-            <a:r>
-              <a:rPr lang="de-DE" altLang="de-DE" sz="2000" dirty="0"/>
-              <a:t> </a:t>
-            </a:r>
-            <a:r>
-              <a:rPr lang="de-DE" altLang="de-DE" sz="2000" dirty="0" err="1"/>
-              <a:t>Salesman</a:t>
-            </a:r>
-            <a:r>
-              <a:rPr lang="de-DE" altLang="de-DE" sz="2000" dirty="0"/>
-              <a:t> Problem</a:t>
-            </a:r>
-          </a:p>
-          <a:p>
-            <a:r>
-              <a:rPr lang="de-DE" altLang="de-DE" sz="2000" dirty="0"/>
-              <a:t>Exakte Lösung</a:t>
-            </a:r>
-          </a:p>
-          <a:p>
-            <a:pPr lvl="1"/>
-            <a:r>
-              <a:rPr lang="de-DE" altLang="de-DE" sz="2000" dirty="0" err="1"/>
-              <a:t>Brute</a:t>
-            </a:r>
-            <a:r>
-              <a:rPr lang="de-DE" altLang="de-DE" sz="2000" dirty="0"/>
-              <a:t> Force</a:t>
-            </a:r>
-          </a:p>
-          <a:p>
-            <a:pPr lvl="1"/>
-            <a:r>
-              <a:rPr lang="de-DE" altLang="de-DE" sz="2000" dirty="0"/>
-              <a:t>Linear </a:t>
-            </a:r>
-            <a:r>
-              <a:rPr lang="de-DE" altLang="de-DE" sz="2000" dirty="0" err="1"/>
-              <a:t>Programming</a:t>
-            </a:r>
-            <a:endParaRPr lang="de-DE" altLang="de-DE" sz="2000" dirty="0"/>
-          </a:p>
-          <a:p>
-            <a:r>
-              <a:rPr lang="de-DE" altLang="de-DE" sz="2000" dirty="0"/>
-              <a:t>Heuristiken</a:t>
-            </a:r>
-          </a:p>
-          <a:p>
-            <a:pPr lvl="1"/>
-            <a:r>
-              <a:rPr lang="de-DE" altLang="de-DE" sz="2000" dirty="0"/>
-              <a:t>Eröffnungsverfahren: </a:t>
-            </a:r>
-          </a:p>
-          <a:p>
-            <a:pPr lvl="2"/>
-            <a:r>
-              <a:rPr lang="de-DE" altLang="de-DE" sz="1400" dirty="0"/>
-              <a:t>Bester Nachfolger (Übung)</a:t>
-            </a:r>
-          </a:p>
-          <a:p>
-            <a:pPr lvl="2"/>
-            <a:r>
-              <a:rPr lang="de-DE" altLang="de-DE" sz="1400" dirty="0"/>
-              <a:t>Christofides</a:t>
-            </a:r>
-          </a:p>
-          <a:p>
-            <a:pPr lvl="1"/>
-            <a:r>
-              <a:rPr lang="de-DE" altLang="de-DE" sz="2000" dirty="0"/>
-              <a:t>Verbesserungsverfahren:  </a:t>
-            </a:r>
-            <a:r>
-              <a:rPr lang="de-DE" altLang="de-DE" sz="1800" dirty="0" err="1"/>
-              <a:t>r</a:t>
-            </a:r>
-            <a:r>
-              <a:rPr lang="de-DE" altLang="de-DE" sz="1800" dirty="0"/>
-              <a:t>-optimales Verfahren (2-opt, 3-opt)</a:t>
-            </a:r>
-          </a:p>
-          <a:p>
-            <a:r>
-              <a:rPr lang="de-DE" altLang="de-DE" sz="2000" dirty="0"/>
-              <a:t>Vergleich der Verfahren</a:t>
-            </a:r>
-          </a:p>
-          <a:p>
-            <a:r>
-              <a:rPr lang="de-DE" altLang="de-DE" sz="2000" dirty="0"/>
-              <a:t>Live-Demo</a:t>
-            </a:r>
-          </a:p>
-        </p:txBody>
-      </p:sp>
-    </p:spTree>
-  </p:cSld>
-  <p:clrMapOvr>
-    <a:masterClrMapping/>
-  </p:clrMapOvr>
-  <p:timing>
-    <p:tnLst>
-      <p:par>
-        <p:cTn id="1" dur="indefinite" restart="never" nodeType="tmRoot"/>
-      </p:par>
-    </p:tnLst>
-  </p:timing>
-</p:sld>
-</file>
-
-<file path=ppt/slides/slide20.xml><?xml version="1.0" encoding="utf-8"?>
-<p:sld xmlns:a="http://schemas.openxmlformats.org/drawingml/2006/main" xmlns:r="http://schemas.openxmlformats.org/officeDocument/2006/relationships" xmlns:p="http://schemas.openxmlformats.org/presentationml/2006/main">
-  <p:cSld>
-    <p:spTree>
-      <p:nvGrpSpPr>
-        <p:cNvPr id="1" name=""/>
-        <p:cNvGrpSpPr/>
-        <p:nvPr/>
-      </p:nvGrpSpPr>
-      <p:grpSpPr>
-        <a:xfrm>
-          <a:off x="0" y="0"/>
-          <a:ext cx="0" cy="0"/>
-          <a:chOff x="0" y="0"/>
-          <a:chExt cx="0" cy="0"/>
-        </a:xfrm>
-      </p:grpSpPr>
-      <p:sp>
-        <p:nvSpPr>
           <p:cNvPr id="34817" name="Titel 1"/>
           <p:cNvSpPr>
             <a:spLocks noGrp="1"/>
@@ -7379,8 +7108,8 @@
           </a:p>
         </p:txBody>
       </p:sp>
-      <mc:AlternateContent xmlns:mc="http://schemas.openxmlformats.org/markup-compatibility/2006">
-        <mc:Choice xmlns:a14="http://schemas.microsoft.com/office/drawing/2010/main" Requires="a14">
+      <mc:AlternateContent xmlns:mc="http://schemas.openxmlformats.org/markup-compatibility/2006" xmlns:a14="http://schemas.microsoft.com/office/drawing/2010/main">
+        <mc:Choice Requires="a14">
           <p:sp>
             <p:nvSpPr>
               <p:cNvPr id="3" name="Inhaltsplatzhalter 2"/>
@@ -7638,7 +7367,7 @@
                       <m:sSupPr>
                         <m:ctrlPr>
                           <a:rPr lang="de-DE" sz="2800" b="0" i="1" smtClean="0">
-                            <a:latin typeface="Cambria Math" charset="0"/>
+                            <a:latin typeface="Cambria Math"/>
                           </a:rPr>
                         </m:ctrlPr>
                       </m:sSupPr>
@@ -7705,7 +7434,7 @@
             </p:txBody>
           </p:sp>
         </mc:Choice>
-        <mc:Fallback>
+        <mc:Fallback xmlns="">
           <p:sp>
             <p:nvSpPr>
               <p:cNvPr id="3" name="Inhaltsplatzhalter 2"/>
@@ -7758,7 +7487,211 @@
 </p:sld>
 </file>
 
-<file path=ppt/slides/slide21.xml><?xml version="1.0" encoding="utf-8"?>
+<file path=ppt/slides/slide2.xml><?xml version="1.0" encoding="utf-8"?>
+<p:sld xmlns:a="http://schemas.openxmlformats.org/drawingml/2006/main" xmlns:r="http://schemas.openxmlformats.org/officeDocument/2006/relationships" xmlns:p="http://schemas.openxmlformats.org/presentationml/2006/main">
+  <p:cSld>
+    <p:spTree>
+      <p:nvGrpSpPr>
+        <p:cNvPr id="1" name=""/>
+        <p:cNvGrpSpPr/>
+        <p:nvPr/>
+      </p:nvGrpSpPr>
+      <p:grpSpPr>
+        <a:xfrm>
+          <a:off x="0" y="0"/>
+          <a:ext cx="0" cy="0"/>
+          <a:chOff x="0" y="0"/>
+          <a:chExt cx="0" cy="0"/>
+        </a:xfrm>
+      </p:grpSpPr>
+      <p:sp>
+        <p:nvSpPr>
+          <p:cNvPr id="16385" name="Titel 1"/>
+          <p:cNvSpPr>
+            <a:spLocks noGrp="1"/>
+          </p:cNvSpPr>
+          <p:nvPr>
+            <p:ph type="title"/>
+          </p:nvPr>
+        </p:nvSpPr>
+        <p:spPr/>
+        <p:txBody>
+          <a:bodyPr/>
+          <a:lstStyle/>
+          <a:p>
+            <a:r>
+              <a:rPr lang="de-DE" altLang="de-DE"/>
+              <a:t>Agenda</a:t>
+            </a:r>
+          </a:p>
+        </p:txBody>
+      </p:sp>
+      <p:sp>
+        <p:nvSpPr>
+          <p:cNvPr id="16386" name="Inhaltsplatzhalter 2"/>
+          <p:cNvSpPr>
+            <a:spLocks noGrp="1"/>
+          </p:cNvSpPr>
+          <p:nvPr>
+            <p:ph idx="1"/>
+          </p:nvPr>
+        </p:nvSpPr>
+        <p:spPr bwMode="auto">
+          <a:xfrm>
+            <a:off x="628650" y="1628775"/>
+            <a:ext cx="7886700" cy="4351338"/>
+          </a:xfrm>
+          <a:noFill/>
+          <a:extLst>
+            <a:ext uri="{909E8E84-426E-40DD-AFC4-6F175D3DCCD1}">
+              <a14:hiddenFill xmlns:a14="http://schemas.microsoft.com/office/drawing/2010/main">
+                <a:solidFill>
+                  <a:srgbClr val="FFFFFF"/>
+                </a:solidFill>
+              </a14:hiddenFill>
+            </a:ext>
+            <a:ext uri="{91240B29-F687-4F45-9708-019B960494DF}">
+              <a14:hiddenLine xmlns:a14="http://schemas.microsoft.com/office/drawing/2010/main" w="9525">
+                <a:solidFill>
+                  <a:srgbClr val="000000"/>
+                </a:solidFill>
+                <a:miter lim="800000"/>
+                <a:headEnd/>
+                <a:tailEnd/>
+              </a14:hiddenLine>
+            </a:ext>
+          </a:extLst>
+        </p:spPr>
+        <p:txBody>
+          <a:bodyPr vert="horz" wrap="square" lIns="91440" tIns="45720" rIns="91440" bIns="45720" numCol="1" anchor="t" anchorCtr="0" compatLnSpc="1">
+            <a:prstTxWarp prst="textNoShape">
+              <a:avLst/>
+            </a:prstTxWarp>
+          </a:bodyPr>
+          <a:lstStyle/>
+          <a:p>
+            <a:r>
+              <a:rPr lang="de-DE" altLang="de-DE" sz="2000" dirty="0"/>
+              <a:t>Das </a:t>
+            </a:r>
+            <a:r>
+              <a:rPr lang="de-DE" altLang="de-DE" sz="2000" dirty="0" err="1"/>
+              <a:t>Traveling</a:t>
+            </a:r>
+            <a:r>
+              <a:rPr lang="de-DE" altLang="de-DE" sz="2000" dirty="0"/>
+              <a:t> </a:t>
+            </a:r>
+            <a:r>
+              <a:rPr lang="de-DE" altLang="de-DE" sz="2000" dirty="0" err="1"/>
+              <a:t>Salesman</a:t>
+            </a:r>
+            <a:r>
+              <a:rPr lang="de-DE" altLang="de-DE" sz="2000" dirty="0"/>
+              <a:t> Problem</a:t>
+            </a:r>
+          </a:p>
+          <a:p>
+            <a:r>
+              <a:rPr lang="de-DE" altLang="de-DE" sz="2000" dirty="0"/>
+              <a:t>Exakte Lösung</a:t>
+            </a:r>
+          </a:p>
+          <a:p>
+            <a:pPr lvl="1"/>
+            <a:r>
+              <a:rPr lang="de-DE" altLang="de-DE" sz="2000" dirty="0" err="1"/>
+              <a:t>Brute</a:t>
+            </a:r>
+            <a:r>
+              <a:rPr lang="de-DE" altLang="de-DE" sz="2000" dirty="0"/>
+              <a:t> Force</a:t>
+            </a:r>
+          </a:p>
+          <a:p>
+            <a:pPr lvl="1"/>
+            <a:r>
+              <a:rPr lang="de-DE" altLang="de-DE" sz="2000" dirty="0"/>
+              <a:t>Linear </a:t>
+            </a:r>
+            <a:r>
+              <a:rPr lang="de-DE" altLang="de-DE" sz="2000" dirty="0" err="1"/>
+              <a:t>Programming</a:t>
+            </a:r>
+            <a:endParaRPr lang="de-DE" altLang="de-DE" sz="2000" dirty="0"/>
+          </a:p>
+          <a:p>
+            <a:r>
+              <a:rPr lang="de-DE" altLang="de-DE" sz="2000" dirty="0"/>
+              <a:t>Heuristiken</a:t>
+            </a:r>
+          </a:p>
+          <a:p>
+            <a:pPr lvl="1"/>
+            <a:r>
+              <a:rPr lang="de-DE" altLang="de-DE" sz="2000" dirty="0"/>
+              <a:t>Eröffnungsverfahren: </a:t>
+            </a:r>
+          </a:p>
+          <a:p>
+            <a:pPr lvl="2"/>
+            <a:r>
+              <a:rPr lang="de-DE" altLang="de-DE" sz="1400" dirty="0"/>
+              <a:t>Bester Nachfolger (Übung)</a:t>
+            </a:r>
+          </a:p>
+          <a:p>
+            <a:pPr lvl="2"/>
+            <a:r>
+              <a:rPr lang="de-DE" altLang="de-DE" sz="1400" dirty="0"/>
+              <a:t>Christofides</a:t>
+            </a:r>
+          </a:p>
+          <a:p>
+            <a:pPr lvl="1"/>
+            <a:r>
+              <a:rPr lang="de-DE" altLang="de-DE" sz="2000" dirty="0"/>
+              <a:t>Verbesserungsverfahren:  </a:t>
+            </a:r>
+            <a:r>
+              <a:rPr lang="de-DE" altLang="de-DE" sz="1800" dirty="0" err="1"/>
+              <a:t>r</a:t>
+            </a:r>
+            <a:r>
+              <a:rPr lang="de-DE" altLang="de-DE" sz="1800" dirty="0"/>
+              <a:t>-optimales Verfahren (2-opt, 3-opt)</a:t>
+            </a:r>
+          </a:p>
+          <a:p>
+            <a:r>
+              <a:rPr lang="de-DE" altLang="de-DE" sz="2000" dirty="0"/>
+              <a:t>Vergleich der Verfahren</a:t>
+            </a:r>
+          </a:p>
+          <a:p>
+            <a:r>
+              <a:rPr lang="de-DE" altLang="de-DE" sz="2000" dirty="0"/>
+              <a:t>Live-Demo</a:t>
+            </a:r>
+          </a:p>
+        </p:txBody>
+      </p:sp>
+    </p:spTree>
+  </p:cSld>
+  <p:clrMapOvr>
+    <a:masterClrMapping/>
+  </p:clrMapOvr>
+  <p:timing>
+    <p:tnLst>
+      <p:par>
+        <p:cTn id="1" dur="indefinite" restart="never" nodeType="tmRoot"/>
+      </p:par>
+    </p:tnLst>
+  </p:timing>
+</p:sld>
+</file>
+
+<file path=ppt/slides/slide20.xml><?xml version="1.0" encoding="utf-8"?>
 <p:sld xmlns:a="http://schemas.openxmlformats.org/drawingml/2006/main" xmlns:r="http://schemas.openxmlformats.org/officeDocument/2006/relationships" xmlns:p="http://schemas.openxmlformats.org/presentationml/2006/main">
   <p:cSld>
     <p:spTree>
@@ -7869,7 +7802,7 @@
               </a14:hiddenLine>
             </a:ext>
             <a:ext uri="{FAA26D3D-D897-4be2-8F04-BA451C77F1D7}">
-              <ma14:placeholderFlag xmlns:ma14="http://schemas.microsoft.com/office/mac/drawingml/2011/main" val="1"/>
+              <ma14:placeholderFlag xmlns:ma14="http://schemas.microsoft.com/office/mac/drawingml/2011/main" xmlns="" val="1"/>
             </a:ext>
           </a:extLst>
         </p:spPr>
@@ -8060,7 +7993,7 @@
 </p:sld>
 </file>
 
-<file path=ppt/slides/slide22.xml><?xml version="1.0" encoding="utf-8"?>
+<file path=ppt/slides/slide21.xml><?xml version="1.0" encoding="utf-8"?>
 <p:sld xmlns:a="http://schemas.openxmlformats.org/drawingml/2006/main" xmlns:r="http://schemas.openxmlformats.org/officeDocument/2006/relationships" xmlns:p="http://schemas.openxmlformats.org/presentationml/2006/main">
   <p:cSld>
     <p:spTree>
@@ -8136,7 +8069,7 @@
               </a14:hiddenLine>
             </a:ext>
             <a:ext uri="{FAA26D3D-D897-4be2-8F04-BA451C77F1D7}">
-              <ma14:placeholderFlag xmlns:ma14="http://schemas.microsoft.com/office/mac/drawingml/2011/main" val="1"/>
+              <ma14:placeholderFlag xmlns:ma14="http://schemas.microsoft.com/office/mac/drawingml/2011/main" xmlns="" val="1"/>
             </a:ext>
           </a:extLst>
         </p:spPr>
@@ -8168,7 +8101,7 @@
 </p:sld>
 </file>
 
-<file path=ppt/slides/slide23.xml><?xml version="1.0" encoding="utf-8"?>
+<file path=ppt/slides/slide22.xml><?xml version="1.0" encoding="utf-8"?>
 <p:sld xmlns:a="http://schemas.openxmlformats.org/drawingml/2006/main" xmlns:r="http://schemas.openxmlformats.org/officeDocument/2006/relationships" xmlns:p="http://schemas.openxmlformats.org/presentationml/2006/main">
   <p:cSld>
     <p:spTree>
@@ -8276,7 +8209,7 @@
 </p:sld>
 </file>
 
-<file path=ppt/slides/slide24.xml><?xml version="1.0" encoding="utf-8"?>
+<file path=ppt/slides/slide23.xml><?xml version="1.0" encoding="utf-8"?>
 <p:sld xmlns:a="http://schemas.openxmlformats.org/drawingml/2006/main" xmlns:r="http://schemas.openxmlformats.org/officeDocument/2006/relationships" xmlns:p="http://schemas.openxmlformats.org/presentationml/2006/main">
   <p:cSld>
     <p:spTree>
@@ -8571,7 +8504,7 @@
 </p:sld>
 </file>
 
-<file path=ppt/slides/slide25.xml><?xml version="1.0" encoding="utf-8"?>
+<file path=ppt/slides/slide24.xml><?xml version="1.0" encoding="utf-8"?>
 <p:sld xmlns:a="http://schemas.openxmlformats.org/drawingml/2006/main" xmlns:r="http://schemas.openxmlformats.org/officeDocument/2006/relationships" xmlns:p="http://schemas.openxmlformats.org/presentationml/2006/main">
   <p:cSld>
     <p:spTree>
@@ -8604,14 +8537,14 @@
           <a:lstStyle/>
           <a:p>
             <a:r>
-              <a:rPr lang="de-DE" altLang="de-DE"/>
+              <a:rPr lang="de-DE" altLang="de-DE" dirty="0" smtClean="0"/>
               <a:t>Heuristiken</a:t>
             </a:r>
             <a:br>
-              <a:rPr lang="de-DE" altLang="de-DE"/>
+              <a:rPr lang="de-DE" altLang="de-DE" dirty="0" smtClean="0"/>
             </a:br>
             <a:r>
-              <a:rPr lang="de-DE" altLang="de-DE"/>
+              <a:rPr lang="de-DE" altLang="de-DE" dirty="0" smtClean="0"/>
               <a:t>Eröffnungsverfahren – Christofides</a:t>
             </a:r>
           </a:p>
@@ -8660,171 +8593,146 @@
           </a:bodyPr>
           <a:lstStyle/>
           <a:p>
-            <a:pPr>
-              <a:defRPr/>
-            </a:pPr>
             <a:r>
               <a:rPr lang="de-DE" altLang="de-DE" sz="2400" dirty="0" smtClean="0"/>
               <a:t>Christofides:</a:t>
             </a:r>
           </a:p>
           <a:p>
-            <a:pPr lvl="1">
-              <a:defRPr/>
-            </a:pPr>
+            <a:pPr lvl="1"/>
             <a:r>
               <a:rPr lang="de-DE" altLang="de-DE" sz="2000" dirty="0" smtClean="0"/>
               <a:t>Voraussetzungen:</a:t>
             </a:r>
           </a:p>
           <a:p>
-            <a:pPr lvl="2">
-              <a:defRPr/>
-            </a:pPr>
-            <a:r>
-              <a:rPr lang="de-DE" altLang="de-DE" sz="1600" dirty="0" err="1"/>
+            <a:pPr lvl="2"/>
+            <a:r>
+              <a:rPr lang="de-DE" altLang="de-DE" sz="1600" dirty="0" err="1" smtClean="0"/>
               <a:t>Ungerichteter</a:t>
             </a:r>
             <a:r>
-              <a:rPr lang="de-DE" altLang="de-DE" sz="1600" dirty="0"/>
-              <a:t>, vollständiger, bewerteter Graph </a:t>
-            </a:r>
-            <a:r>
               <a:rPr lang="de-DE" altLang="de-DE" sz="1600" dirty="0" smtClean="0"/>
-              <a:t>G mit n Knoten</a:t>
-            </a:r>
-            <a:endParaRPr lang="de-DE" altLang="de-DE" sz="1600" dirty="0"/>
-          </a:p>
-          <a:p>
-            <a:pPr lvl="2">
-              <a:defRPr/>
-            </a:pPr>
+              <a:t>, vollständiger, bewerteter Graph G mit n Knoten</a:t>
+            </a:r>
+          </a:p>
+          <a:p>
+            <a:pPr lvl="2"/>
             <a:r>
               <a:rPr lang="de-DE" altLang="de-DE" sz="1600" dirty="0" smtClean="0"/>
               <a:t>Metrisches TSP </a:t>
             </a:r>
+            <a:r>
+              <a:rPr lang="de-DE" altLang="de-DE" sz="1600" dirty="0" smtClean="0">
+                <a:sym typeface="Wingdings" pitchFamily="2" charset="2"/>
+              </a:rPr>
+              <a:t> </a:t>
+            </a:r>
+            <a:r>
+              <a:rPr lang="de-DE" altLang="de-DE" sz="1600" dirty="0" smtClean="0"/>
+              <a:t>Erfüllung der Dreiecksungleichung:</a:t>
+            </a:r>
+            <a:endParaRPr lang="de-DE" altLang="de-DE" sz="2000" dirty="0" smtClean="0"/>
+          </a:p>
+          <a:p>
+            <a:pPr lvl="1"/>
+            <a:r>
+              <a:rPr lang="de-DE" altLang="de-DE" sz="2000" dirty="0" smtClean="0"/>
+              <a:t>Vorgehen</a:t>
+            </a:r>
+          </a:p>
+          <a:p>
+            <a:pPr lvl="2"/>
+            <a:r>
+              <a:rPr lang="de-DE" altLang="de-DE" sz="1600" dirty="0" smtClean="0"/>
+              <a:t>1. Schritt: Bestimmung eines minimal aufspannenden Baum T von </a:t>
+            </a:r>
+            <a:r>
+              <a:rPr lang="de-DE" altLang="de-DE" sz="1600" dirty="0" smtClean="0"/>
+              <a:t>G</a:t>
+            </a:r>
+            <a:endParaRPr lang="de-DE" altLang="de-DE" sz="1600" dirty="0"/>
+          </a:p>
+          <a:p>
+            <a:pPr marL="914400" lvl="2" indent="0">
+              <a:buNone/>
+            </a:pPr>
+            <a:endParaRPr lang="de-DE" altLang="de-DE" sz="1600" dirty="0" smtClean="0"/>
+          </a:p>
+          <a:p>
+            <a:pPr marL="914400" lvl="2" indent="0">
+              <a:buNone/>
+            </a:pPr>
+            <a:r>
+              <a:rPr lang="de-DE" altLang="de-DE" sz="1600" dirty="0" smtClean="0"/>
+              <a:t>Prim Algorithmus</a:t>
+            </a:r>
+            <a:r>
+              <a:rPr lang="de-DE" altLang="de-DE" sz="1600" dirty="0"/>
+              <a:t>:</a:t>
+            </a:r>
+            <a:endParaRPr lang="de-DE" altLang="de-DE" sz="1600" dirty="0" smtClean="0"/>
+          </a:p>
+          <a:p>
+            <a:pPr marL="914400" lvl="2" indent="0">
+              <a:buNone/>
+            </a:pPr>
+            <a:endParaRPr lang="de-DE" altLang="de-DE" sz="1600" dirty="0" smtClean="0"/>
+          </a:p>
+          <a:p>
+            <a:pPr marL="914400" lvl="2" indent="0">
+              <a:buNone/>
+            </a:pPr>
             <a:r>
               <a:rPr lang="de-DE" altLang="de-DE" sz="1600" dirty="0" smtClean="0">
                 <a:sym typeface="Wingdings" panose="05000000000000000000" pitchFamily="2" charset="2"/>
               </a:rPr>
-              <a:t> </a:t>
-            </a:r>
-            <a:r>
-              <a:rPr lang="de-DE" altLang="de-DE" sz="1600" dirty="0" smtClean="0"/>
-              <a:t>Erfüllung </a:t>
-            </a:r>
-            <a:r>
-              <a:rPr lang="de-DE" altLang="de-DE" sz="1600" dirty="0"/>
-              <a:t>der </a:t>
-            </a:r>
-            <a:r>
-              <a:rPr lang="de-DE" altLang="de-DE" sz="1600" dirty="0" smtClean="0"/>
-              <a:t>Dreiecksungleichung:</a:t>
-            </a:r>
-            <a:endParaRPr lang="de-DE" altLang="de-DE" sz="2000" dirty="0" smtClean="0"/>
-          </a:p>
-          <a:p>
-            <a:pPr lvl="1">
-              <a:defRPr/>
-            </a:pPr>
-            <a:r>
-              <a:rPr lang="de-DE" altLang="de-DE" sz="2000" dirty="0" smtClean="0"/>
-              <a:t>Vorgehen</a:t>
-            </a:r>
-          </a:p>
-          <a:p>
-            <a:pPr lvl="2">
-              <a:defRPr/>
-            </a:pPr>
-            <a:r>
-              <a:rPr lang="de-DE" altLang="de-DE" sz="1600" dirty="0" smtClean="0"/>
-              <a:t>1. Schritt: Bestimmung eines minimal aufspannenden Baum T von G		    (Prim Algorithmus)</a:t>
-            </a:r>
-          </a:p>
-          <a:p>
-            <a:pPr lvl="2">
-              <a:defRPr/>
-            </a:pPr>
-            <a:r>
-              <a:rPr lang="de-DE" altLang="de-DE" sz="1600" dirty="0" smtClean="0"/>
-              <a:t>2. Schritt: Bilden des vollständigen Graphen G‘ aus allen Knoten von T	    mit ungeradem Knotengrad. </a:t>
+              <a:t>Wähle aus allen noch </a:t>
+            </a:r>
+            <a:r>
+              <a:rPr lang="de-DE" altLang="de-DE" sz="1600" dirty="0" err="1" smtClean="0">
+                <a:sym typeface="Wingdings" panose="05000000000000000000" pitchFamily="2" charset="2"/>
+              </a:rPr>
+              <a:t>unmarkierten</a:t>
+            </a:r>
+            <a:r>
+              <a:rPr lang="de-DE" altLang="de-DE" sz="1600" dirty="0" smtClean="0">
+                <a:sym typeface="Wingdings" panose="05000000000000000000" pitchFamily="2" charset="2"/>
+              </a:rPr>
+              <a:t> Kanten diejenige, </a:t>
             </a:r>
           </a:p>
           <a:p>
             <a:pPr marL="914400" lvl="2" indent="0">
-              <a:buFontTx/>
               <a:buNone/>
-              <a:defRPr/>
-            </a:pPr>
-            <a:r>
-              <a:rPr lang="de-DE" altLang="de-DE" sz="1600" dirty="0" smtClean="0"/>
-              <a:t>	    (Kantengewichte entsprechen denen von G)</a:t>
+            </a:pPr>
+            <a:r>
+              <a:rPr lang="de-DE" altLang="de-DE" sz="1600" dirty="0" smtClean="0">
+                <a:sym typeface="Wingdings" panose="05000000000000000000" pitchFamily="2" charset="2"/>
+              </a:rPr>
+              <a:t>die von einem bereits besuchten Knoten  zu einem noch nicht besuchten Knoten geht</a:t>
             </a:r>
           </a:p>
           <a:p>
             <a:pPr marL="914400" lvl="2" indent="0">
-              <a:buFontTx/>
               <a:buNone/>
-              <a:defRPr/>
-            </a:pPr>
-            <a:r>
-              <a:rPr lang="de-DE" altLang="de-DE" sz="1600" dirty="0"/>
-              <a:t>	</a:t>
-            </a:r>
-            <a:r>
-              <a:rPr lang="de-DE" altLang="de-DE" sz="1600" dirty="0" smtClean="0"/>
-              <a:t>    Minimal-Kosten-</a:t>
-            </a:r>
-            <a:r>
-              <a:rPr lang="de-DE" altLang="de-DE" sz="1600" dirty="0" err="1" smtClean="0"/>
-              <a:t>Matching</a:t>
-            </a:r>
-            <a:r>
-              <a:rPr lang="de-DE" altLang="de-DE" sz="1600" dirty="0" smtClean="0"/>
-              <a:t>: jeweils 2 Knoten des G‘ werden so 	    miteinander verbunden, dass die Summe der </a:t>
-            </a:r>
-            <a:r>
-              <a:rPr lang="de-DE" altLang="de-DE" sz="1600" dirty="0"/>
-              <a:t>G</a:t>
-            </a:r>
-            <a:r>
-              <a:rPr lang="de-DE" altLang="de-DE" sz="1600" dirty="0" smtClean="0"/>
-              <a:t>ewichte der 	    zugefügten Kanten minimal ist.</a:t>
-            </a:r>
-          </a:p>
-          <a:p>
-            <a:pPr lvl="2">
-              <a:defRPr/>
-            </a:pPr>
-            <a:r>
-              <a:rPr lang="de-DE" altLang="de-DE" sz="1600" dirty="0" smtClean="0"/>
-              <a:t>3. Schritt: Bestimmung eines Kreises, der jeden Knoten mind. einmal enthält 	    (Euler Tour)</a:t>
-            </a:r>
-          </a:p>
-          <a:p>
-            <a:pPr marL="914400" lvl="2" indent="0">
-              <a:buFontTx/>
-              <a:buNone/>
-              <a:defRPr/>
-            </a:pPr>
-            <a:r>
-              <a:rPr lang="de-DE" altLang="de-DE" sz="1600" dirty="0" smtClean="0"/>
-              <a:t>	    Entfernen der bereits besuchten Knoten, Direktverbindungen 	    können aufgrund der Dreiecksungleichung die Rundreise nicht 	    verlängern (Rundreise)</a:t>
-            </a:r>
+            </a:pPr>
+            <a:r>
+              <a:rPr lang="de-DE" altLang="de-DE" sz="1600" dirty="0" smtClean="0">
+                <a:sym typeface="Wingdings" panose="05000000000000000000" pitchFamily="2" charset="2"/>
+              </a:rPr>
+              <a:t>und mit dem geringsten Gewicht hat</a:t>
+            </a:r>
+            <a:endParaRPr lang="de-DE" altLang="de-DE" sz="1600" dirty="0" smtClean="0"/>
           </a:p>
           <a:p>
             <a:pPr marL="1371600" lvl="3" indent="0">
               <a:buFontTx/>
               <a:buNone/>
-              <a:defRPr/>
-            </a:pPr>
-            <a:r>
-              <a:rPr lang="de-DE" altLang="de-DE" sz="1200" dirty="0"/>
-              <a:t>	</a:t>
-            </a:r>
+            </a:pPr>
             <a:r>
               <a:rPr lang="de-DE" altLang="de-DE" sz="1200" dirty="0" smtClean="0"/>
-              <a:t>   </a:t>
+              <a:t>	   </a:t>
             </a:r>
           </a:p>
         </p:txBody>
@@ -8884,6 +8792,11 @@
         </p:spPr>
       </p:pic>
     </p:spTree>
+    <p:extLst>
+      <p:ext uri="{BB962C8B-B14F-4D97-AF65-F5344CB8AC3E}">
+        <p14:creationId xmlns:p14="http://schemas.microsoft.com/office/powerpoint/2010/main" val="2605494100"/>
+      </p:ext>
+    </p:extLst>
   </p:cSld>
   <p:clrMapOvr>
     <a:masterClrMapping/>
@@ -8898,7 +8811,1210 @@
 </p:sld>
 </file>
 
+<file path=ppt/slides/slide25.xml><?xml version="1.0" encoding="utf-8"?>
+<p:sld xmlns:a="http://schemas.openxmlformats.org/drawingml/2006/main" xmlns:r="http://schemas.openxmlformats.org/officeDocument/2006/relationships" xmlns:p="http://schemas.openxmlformats.org/presentationml/2006/main">
+  <p:cSld>
+    <p:spTree>
+      <p:nvGrpSpPr>
+        <p:cNvPr id="1" name=""/>
+        <p:cNvGrpSpPr/>
+        <p:nvPr/>
+      </p:nvGrpSpPr>
+      <p:grpSpPr>
+        <a:xfrm>
+          <a:off x="0" y="0"/>
+          <a:ext cx="0" cy="0"/>
+          <a:chOff x="0" y="0"/>
+          <a:chExt cx="0" cy="0"/>
+        </a:xfrm>
+      </p:grpSpPr>
+      <p:pic>
+        <p:nvPicPr>
+          <p:cNvPr id="56325" name="Picture 5"/>
+          <p:cNvPicPr>
+            <a:picLocks noChangeAspect="1" noChangeArrowheads="1"/>
+          </p:cNvPicPr>
+          <p:nvPr/>
+        </p:nvPicPr>
+        <p:blipFill>
+          <a:blip r:embed="rId2">
+            <a:extLst>
+              <a:ext uri="{28A0092B-C50C-407E-A947-70E740481C1C}">
+                <a14:useLocalDpi xmlns:a14="http://schemas.microsoft.com/office/drawing/2010/main" val="0"/>
+              </a:ext>
+            </a:extLst>
+          </a:blip>
+          <a:srcRect/>
+          <a:stretch>
+            <a:fillRect/>
+          </a:stretch>
+        </p:blipFill>
+        <p:spPr bwMode="auto">
+          <a:xfrm>
+            <a:off x="395536" y="1628800"/>
+            <a:ext cx="7472291" cy="4489698"/>
+          </a:xfrm>
+          <a:prstGeom prst="rect">
+            <a:avLst/>
+          </a:prstGeom>
+          <a:noFill/>
+          <a:ln>
+            <a:noFill/>
+          </a:ln>
+          <a:extLst>
+            <a:ext uri="{909E8E84-426E-40DD-AFC4-6F175D3DCCD1}">
+              <a14:hiddenFill xmlns:a14="http://schemas.microsoft.com/office/drawing/2010/main">
+                <a:solidFill>
+                  <a:schemeClr val="accent1"/>
+                </a:solidFill>
+              </a14:hiddenFill>
+            </a:ext>
+            <a:ext uri="{91240B29-F687-4F45-9708-019B960494DF}">
+              <a14:hiddenLine xmlns:a14="http://schemas.microsoft.com/office/drawing/2010/main" w="9525">
+                <a:solidFill>
+                  <a:schemeClr val="tx1"/>
+                </a:solidFill>
+                <a:miter lim="800000"/>
+                <a:headEnd/>
+                <a:tailEnd/>
+              </a14:hiddenLine>
+            </a:ext>
+          </a:extLst>
+        </p:spPr>
+      </p:pic>
+      <p:sp>
+        <p:nvSpPr>
+          <p:cNvPr id="8" name="Titel 1"/>
+          <p:cNvSpPr>
+            <a:spLocks noGrp="1"/>
+          </p:cNvSpPr>
+          <p:nvPr>
+            <p:ph type="title"/>
+          </p:nvPr>
+        </p:nvSpPr>
+        <p:spPr>
+          <a:xfrm>
+            <a:off x="1371600" y="304800"/>
+            <a:ext cx="5257800" cy="685800"/>
+          </a:xfrm>
+        </p:spPr>
+        <p:txBody>
+          <a:bodyPr/>
+          <a:lstStyle/>
+          <a:p>
+            <a:r>
+              <a:rPr lang="de-DE" altLang="de-DE" dirty="0" smtClean="0"/>
+              <a:t>Heuristiken</a:t>
+            </a:r>
+            <a:br>
+              <a:rPr lang="de-DE" altLang="de-DE" dirty="0" smtClean="0"/>
+            </a:br>
+            <a:r>
+              <a:rPr lang="de-DE" altLang="de-DE" dirty="0" smtClean="0"/>
+              <a:t>Eröffnungsverfahren – Christofides</a:t>
+            </a:r>
+          </a:p>
+        </p:txBody>
+      </p:sp>
+      <p:sp>
+        <p:nvSpPr>
+          <p:cNvPr id="5" name="Textfeld 4"/>
+          <p:cNvSpPr txBox="1"/>
+          <p:nvPr/>
+        </p:nvSpPr>
+        <p:spPr>
+          <a:xfrm>
+            <a:off x="1187624" y="1278643"/>
+            <a:ext cx="4032448" cy="400110"/>
+          </a:xfrm>
+          <a:prstGeom prst="rect">
+            <a:avLst/>
+          </a:prstGeom>
+          <a:noFill/>
+        </p:spPr>
+        <p:txBody>
+          <a:bodyPr wrap="square" rtlCol="0">
+            <a:spAutoFit/>
+          </a:bodyPr>
+          <a:lstStyle/>
+          <a:p>
+            <a:r>
+              <a:rPr lang="de-DE" sz="2000" dirty="0" smtClean="0"/>
+              <a:t>Prim Algorithmus:</a:t>
+            </a:r>
+            <a:endParaRPr lang="de-DE" sz="2000" dirty="0"/>
+          </a:p>
+        </p:txBody>
+      </p:sp>
+      <p:pic>
+        <p:nvPicPr>
+          <p:cNvPr id="56324" name="Picture 4"/>
+          <p:cNvPicPr>
+            <a:picLocks noChangeAspect="1" noChangeArrowheads="1"/>
+          </p:cNvPicPr>
+          <p:nvPr/>
+        </p:nvPicPr>
+        <p:blipFill>
+          <a:blip r:embed="rId3">
+            <a:extLst>
+              <a:ext uri="{28A0092B-C50C-407E-A947-70E740481C1C}">
+                <a14:useLocalDpi xmlns:a14="http://schemas.microsoft.com/office/drawing/2010/main" val="0"/>
+              </a:ext>
+            </a:extLst>
+          </a:blip>
+          <a:srcRect/>
+          <a:stretch>
+            <a:fillRect/>
+          </a:stretch>
+        </p:blipFill>
+        <p:spPr bwMode="auto">
+          <a:xfrm>
+            <a:off x="7740352" y="4509120"/>
+            <a:ext cx="942975" cy="2085975"/>
+          </a:xfrm>
+          <a:prstGeom prst="rect">
+            <a:avLst/>
+          </a:prstGeom>
+          <a:noFill/>
+          <a:ln>
+            <a:noFill/>
+          </a:ln>
+          <a:extLst>
+            <a:ext uri="{909E8E84-426E-40DD-AFC4-6F175D3DCCD1}">
+              <a14:hiddenFill xmlns:a14="http://schemas.microsoft.com/office/drawing/2010/main">
+                <a:solidFill>
+                  <a:schemeClr val="accent1"/>
+                </a:solidFill>
+              </a14:hiddenFill>
+            </a:ext>
+            <a:ext uri="{91240B29-F687-4F45-9708-019B960494DF}">
+              <a14:hiddenLine xmlns:a14="http://schemas.microsoft.com/office/drawing/2010/main" w="9525">
+                <a:solidFill>
+                  <a:schemeClr val="tx1"/>
+                </a:solidFill>
+                <a:miter lim="800000"/>
+                <a:headEnd/>
+                <a:tailEnd/>
+              </a14:hiddenLine>
+            </a:ext>
+          </a:extLst>
+        </p:spPr>
+      </p:pic>
+    </p:spTree>
+    <p:extLst>
+      <p:ext uri="{BB962C8B-B14F-4D97-AF65-F5344CB8AC3E}">
+        <p14:creationId xmlns:p14="http://schemas.microsoft.com/office/powerpoint/2010/main" val="1283332952"/>
+      </p:ext>
+    </p:extLst>
+  </p:cSld>
+  <p:clrMapOvr>
+    <a:masterClrMapping/>
+  </p:clrMapOvr>
+</p:sld>
+</file>
+
 <file path=ppt/slides/slide26.xml><?xml version="1.0" encoding="utf-8"?>
+<p:sld xmlns:a="http://schemas.openxmlformats.org/drawingml/2006/main" xmlns:r="http://schemas.openxmlformats.org/officeDocument/2006/relationships" xmlns:p="http://schemas.openxmlformats.org/presentationml/2006/main">
+  <p:cSld>
+    <p:spTree>
+      <p:nvGrpSpPr>
+        <p:cNvPr id="1" name=""/>
+        <p:cNvGrpSpPr/>
+        <p:nvPr/>
+      </p:nvGrpSpPr>
+      <p:grpSpPr>
+        <a:xfrm>
+          <a:off x="0" y="0"/>
+          <a:ext cx="0" cy="0"/>
+          <a:chOff x="0" y="0"/>
+          <a:chExt cx="0" cy="0"/>
+        </a:xfrm>
+      </p:grpSpPr>
+      <p:sp>
+        <p:nvSpPr>
+          <p:cNvPr id="39937" name="Titel 1"/>
+          <p:cNvSpPr>
+            <a:spLocks noGrp="1"/>
+          </p:cNvSpPr>
+          <p:nvPr>
+            <p:ph type="title"/>
+          </p:nvPr>
+        </p:nvSpPr>
+        <p:spPr/>
+        <p:txBody>
+          <a:bodyPr/>
+          <a:lstStyle/>
+          <a:p>
+            <a:r>
+              <a:rPr lang="de-DE" altLang="de-DE" smtClean="0"/>
+              <a:t>Heuristiken</a:t>
+            </a:r>
+            <a:br>
+              <a:rPr lang="de-DE" altLang="de-DE" smtClean="0"/>
+            </a:br>
+            <a:r>
+              <a:rPr lang="de-DE" altLang="de-DE" smtClean="0"/>
+              <a:t>Eröffnungsverfahren – Christofides</a:t>
+            </a:r>
+          </a:p>
+        </p:txBody>
+      </p:sp>
+      <p:sp>
+        <p:nvSpPr>
+          <p:cNvPr id="8195" name="Inhaltsplatzhalter 2"/>
+          <p:cNvSpPr>
+            <a:spLocks noGrp="1"/>
+          </p:cNvSpPr>
+          <p:nvPr>
+            <p:ph idx="1"/>
+          </p:nvPr>
+        </p:nvSpPr>
+        <p:spPr bwMode="auto">
+          <a:xfrm>
+            <a:off x="628650" y="1341438"/>
+            <a:ext cx="8191500" cy="5183187"/>
+          </a:xfrm>
+          <a:extLst>
+            <a:ext uri="{909E8E84-426E-40DD-AFC4-6F175D3DCCD1}">
+              <a14:hiddenFill xmlns:a14="http://schemas.microsoft.com/office/drawing/2010/main">
+                <a:solidFill>
+                  <a:srgbClr val="FFFFFF"/>
+                </a:solidFill>
+              </a14:hiddenFill>
+            </a:ext>
+            <a:ext uri="{91240B29-F687-4F45-9708-019B960494DF}">
+              <a14:hiddenLine xmlns:a14="http://schemas.microsoft.com/office/drawing/2010/main" w="9525">
+                <a:solidFill>
+                  <a:srgbClr val="000000"/>
+                </a:solidFill>
+                <a:miter lim="800000"/>
+                <a:headEnd/>
+                <a:tailEnd/>
+              </a14:hiddenLine>
+            </a:ext>
+          </a:extLst>
+        </p:spPr>
+        <p:txBody>
+          <a:bodyPr vert="horz" wrap="square" lIns="91440" tIns="45720" rIns="91440" bIns="45720" numCol="1" anchor="t" anchorCtr="0" compatLnSpc="1">
+            <a:prstTxWarp prst="textNoShape">
+              <a:avLst/>
+            </a:prstTxWarp>
+          </a:bodyPr>
+          <a:lstStyle/>
+          <a:p>
+            <a:r>
+              <a:rPr lang="de-DE" altLang="de-DE" sz="2400" dirty="0" smtClean="0"/>
+              <a:t>Christofides:</a:t>
+            </a:r>
+          </a:p>
+          <a:p>
+            <a:pPr lvl="1"/>
+            <a:r>
+              <a:rPr lang="de-DE" altLang="de-DE" sz="2000" dirty="0" smtClean="0"/>
+              <a:t>Vorgehen</a:t>
+            </a:r>
+            <a:endParaRPr lang="de-DE" altLang="de-DE" sz="2000" dirty="0" smtClean="0"/>
+          </a:p>
+          <a:p>
+            <a:pPr lvl="2"/>
+            <a:r>
+              <a:rPr lang="de-DE" altLang="de-DE" sz="1600" dirty="0" smtClean="0"/>
+              <a:t>2</a:t>
+            </a:r>
+            <a:r>
+              <a:rPr lang="de-DE" altLang="de-DE" sz="1600" dirty="0" smtClean="0"/>
+              <a:t>. Schritt: Bilden des vollständigen Graphen G‘ aus allen Knoten von T	    mit ungeradem Knotengrad. </a:t>
+            </a:r>
+          </a:p>
+          <a:p>
+            <a:pPr lvl="2">
+              <a:buFontTx/>
+              <a:buNone/>
+            </a:pPr>
+            <a:r>
+              <a:rPr lang="de-DE" altLang="de-DE" sz="1600" dirty="0" smtClean="0"/>
+              <a:t>	 </a:t>
+            </a:r>
+            <a:r>
+              <a:rPr lang="de-DE" altLang="de-DE" sz="1600" dirty="0" smtClean="0"/>
+              <a:t>(</a:t>
+            </a:r>
+            <a:r>
+              <a:rPr lang="de-DE" altLang="de-DE" sz="1600" dirty="0" smtClean="0"/>
+              <a:t>Kantengewichte entsprechen denen von G)</a:t>
+            </a:r>
+          </a:p>
+          <a:p>
+            <a:pPr lvl="2">
+              <a:buFontTx/>
+              <a:buNone/>
+            </a:pPr>
+            <a:r>
+              <a:rPr lang="de-DE" altLang="de-DE" sz="1600" dirty="0" smtClean="0"/>
+              <a:t>	</a:t>
+            </a:r>
+            <a:r>
+              <a:rPr lang="de-DE" altLang="de-DE" sz="1600" dirty="0" smtClean="0"/>
+              <a:t>Minimal-Kosten-</a:t>
+            </a:r>
+            <a:r>
+              <a:rPr lang="de-DE" altLang="de-DE" sz="1600" dirty="0" err="1" smtClean="0"/>
+              <a:t>Matching</a:t>
+            </a:r>
+            <a:r>
+              <a:rPr lang="de-DE" altLang="de-DE" sz="1600" dirty="0" smtClean="0"/>
+              <a:t>: jeweils 2 Knoten des G‘ werden so </a:t>
+            </a:r>
+            <a:r>
+              <a:rPr lang="de-DE" altLang="de-DE" sz="1600" dirty="0" smtClean="0"/>
+              <a:t>miteinander 		verbunden</a:t>
+            </a:r>
+            <a:r>
+              <a:rPr lang="de-DE" altLang="de-DE" sz="1600" dirty="0" smtClean="0"/>
+              <a:t>, dass die Summe der Gewichte </a:t>
+            </a:r>
+            <a:r>
+              <a:rPr lang="de-DE" altLang="de-DE" sz="1600" dirty="0" smtClean="0"/>
+              <a:t>der </a:t>
+            </a:r>
+            <a:r>
+              <a:rPr lang="de-DE" altLang="de-DE" sz="1600" dirty="0" smtClean="0"/>
+              <a:t>zugefügten </a:t>
+            </a:r>
+            <a:r>
+              <a:rPr lang="de-DE" altLang="de-DE" sz="1600" dirty="0" smtClean="0"/>
+              <a:t>		Kanten </a:t>
+            </a:r>
+            <a:r>
+              <a:rPr lang="de-DE" altLang="de-DE" sz="1600" dirty="0" smtClean="0"/>
+              <a:t>minimal ist.</a:t>
+            </a:r>
+          </a:p>
+          <a:p>
+            <a:pPr marL="1371600" lvl="3" indent="0">
+              <a:buFontTx/>
+              <a:buNone/>
+            </a:pPr>
+            <a:r>
+              <a:rPr lang="de-DE" altLang="de-DE" sz="1200" dirty="0" smtClean="0"/>
+              <a:t>	   </a:t>
+            </a:r>
+          </a:p>
+        </p:txBody>
+      </p:sp>
+      <p:pic>
+        <p:nvPicPr>
+          <p:cNvPr id="57347" name="Picture 3"/>
+          <p:cNvPicPr>
+            <a:picLocks noChangeAspect="1" noChangeArrowheads="1"/>
+          </p:cNvPicPr>
+          <p:nvPr/>
+        </p:nvPicPr>
+        <p:blipFill>
+          <a:blip r:embed="rId2">
+            <a:extLst>
+              <a:ext uri="{28A0092B-C50C-407E-A947-70E740481C1C}">
+                <a14:useLocalDpi xmlns:a14="http://schemas.microsoft.com/office/drawing/2010/main" val="0"/>
+              </a:ext>
+            </a:extLst>
+          </a:blip>
+          <a:srcRect/>
+          <a:stretch>
+            <a:fillRect/>
+          </a:stretch>
+        </p:blipFill>
+        <p:spPr bwMode="auto">
+          <a:xfrm>
+            <a:off x="3487663" y="4293096"/>
+            <a:ext cx="1876425" cy="1724025"/>
+          </a:xfrm>
+          <a:prstGeom prst="rect">
+            <a:avLst/>
+          </a:prstGeom>
+          <a:noFill/>
+          <a:ln>
+            <a:noFill/>
+          </a:ln>
+          <a:extLst>
+            <a:ext uri="{909E8E84-426E-40DD-AFC4-6F175D3DCCD1}">
+              <a14:hiddenFill xmlns:a14="http://schemas.microsoft.com/office/drawing/2010/main">
+                <a:solidFill>
+                  <a:schemeClr val="accent1"/>
+                </a:solidFill>
+              </a14:hiddenFill>
+            </a:ext>
+            <a:ext uri="{91240B29-F687-4F45-9708-019B960494DF}">
+              <a14:hiddenLine xmlns:a14="http://schemas.microsoft.com/office/drawing/2010/main" w="9525">
+                <a:solidFill>
+                  <a:schemeClr val="tx1"/>
+                </a:solidFill>
+                <a:miter lim="800000"/>
+                <a:headEnd/>
+                <a:tailEnd/>
+              </a14:hiddenLine>
+            </a:ext>
+          </a:extLst>
+        </p:spPr>
+      </p:pic>
+      <p:sp>
+        <p:nvSpPr>
+          <p:cNvPr id="17" name="Textfeld 16"/>
+          <p:cNvSpPr txBox="1"/>
+          <p:nvPr/>
+        </p:nvSpPr>
+        <p:spPr>
+          <a:xfrm>
+            <a:off x="4223441" y="4314582"/>
+            <a:ext cx="288032" cy="338554"/>
+          </a:xfrm>
+          <a:prstGeom prst="rect">
+            <a:avLst/>
+          </a:prstGeom>
+          <a:noFill/>
+        </p:spPr>
+        <p:txBody>
+          <a:bodyPr wrap="square" rtlCol="0">
+            <a:spAutoFit/>
+          </a:bodyPr>
+          <a:lstStyle/>
+          <a:p>
+            <a:r>
+              <a:rPr lang="de-DE" sz="1600" dirty="0" smtClean="0"/>
+              <a:t>7</a:t>
+            </a:r>
+            <a:endParaRPr lang="de-DE" sz="1600" dirty="0"/>
+          </a:p>
+        </p:txBody>
+      </p:sp>
+      <p:sp>
+        <p:nvSpPr>
+          <p:cNvPr id="24" name="Textfeld 23"/>
+          <p:cNvSpPr txBox="1"/>
+          <p:nvPr/>
+        </p:nvSpPr>
+        <p:spPr>
+          <a:xfrm>
+            <a:off x="3563888" y="4941168"/>
+            <a:ext cx="288032" cy="338554"/>
+          </a:xfrm>
+          <a:prstGeom prst="rect">
+            <a:avLst/>
+          </a:prstGeom>
+          <a:noFill/>
+        </p:spPr>
+        <p:txBody>
+          <a:bodyPr wrap="square" rtlCol="0">
+            <a:spAutoFit/>
+          </a:bodyPr>
+          <a:lstStyle/>
+          <a:p>
+            <a:r>
+              <a:rPr lang="de-DE" sz="1600" dirty="0"/>
+              <a:t>6</a:t>
+            </a:r>
+          </a:p>
+        </p:txBody>
+      </p:sp>
+      <p:sp>
+        <p:nvSpPr>
+          <p:cNvPr id="25" name="Textfeld 24"/>
+          <p:cNvSpPr txBox="1"/>
+          <p:nvPr/>
+        </p:nvSpPr>
+        <p:spPr>
+          <a:xfrm>
+            <a:off x="4211960" y="5610726"/>
+            <a:ext cx="288032" cy="338554"/>
+          </a:xfrm>
+          <a:prstGeom prst="rect">
+            <a:avLst/>
+          </a:prstGeom>
+          <a:noFill/>
+        </p:spPr>
+        <p:txBody>
+          <a:bodyPr wrap="square" rtlCol="0">
+            <a:spAutoFit/>
+          </a:bodyPr>
+          <a:lstStyle/>
+          <a:p>
+            <a:r>
+              <a:rPr lang="de-DE" sz="1600" dirty="0"/>
+              <a:t>2</a:t>
+            </a:r>
+            <a:endParaRPr lang="de-DE" sz="1600" dirty="0"/>
+          </a:p>
+        </p:txBody>
+      </p:sp>
+      <p:sp>
+        <p:nvSpPr>
+          <p:cNvPr id="26" name="Textfeld 25"/>
+          <p:cNvSpPr txBox="1"/>
+          <p:nvPr/>
+        </p:nvSpPr>
+        <p:spPr>
+          <a:xfrm>
+            <a:off x="4932040" y="5013176"/>
+            <a:ext cx="504056" cy="338554"/>
+          </a:xfrm>
+          <a:prstGeom prst="rect">
+            <a:avLst/>
+          </a:prstGeom>
+          <a:noFill/>
+        </p:spPr>
+        <p:txBody>
+          <a:bodyPr wrap="square" rtlCol="0">
+            <a:spAutoFit/>
+          </a:bodyPr>
+          <a:lstStyle/>
+          <a:p>
+            <a:r>
+              <a:rPr lang="de-DE" sz="1600" dirty="0" smtClean="0"/>
+              <a:t>14</a:t>
+            </a:r>
+            <a:endParaRPr lang="de-DE" sz="1600" dirty="0"/>
+          </a:p>
+        </p:txBody>
+      </p:sp>
+      <p:sp>
+        <p:nvSpPr>
+          <p:cNvPr id="27" name="Textfeld 26"/>
+          <p:cNvSpPr txBox="1"/>
+          <p:nvPr/>
+        </p:nvSpPr>
+        <p:spPr>
+          <a:xfrm>
+            <a:off x="4129446" y="4725144"/>
+            <a:ext cx="288032" cy="338554"/>
+          </a:xfrm>
+          <a:prstGeom prst="rect">
+            <a:avLst/>
+          </a:prstGeom>
+          <a:noFill/>
+        </p:spPr>
+        <p:txBody>
+          <a:bodyPr wrap="square" rtlCol="0">
+            <a:spAutoFit/>
+          </a:bodyPr>
+          <a:lstStyle/>
+          <a:p>
+            <a:r>
+              <a:rPr lang="de-DE" sz="1600" dirty="0" smtClean="0"/>
+              <a:t>8</a:t>
+            </a:r>
+            <a:endParaRPr lang="de-DE" sz="1600" dirty="0"/>
+          </a:p>
+        </p:txBody>
+      </p:sp>
+      <p:sp>
+        <p:nvSpPr>
+          <p:cNvPr id="28" name="Textfeld 27"/>
+          <p:cNvSpPr txBox="1"/>
+          <p:nvPr/>
+        </p:nvSpPr>
+        <p:spPr>
+          <a:xfrm>
+            <a:off x="4128471" y="5157192"/>
+            <a:ext cx="515537" cy="338554"/>
+          </a:xfrm>
+          <a:prstGeom prst="rect">
+            <a:avLst/>
+          </a:prstGeom>
+          <a:noFill/>
+        </p:spPr>
+        <p:txBody>
+          <a:bodyPr wrap="square" rtlCol="0">
+            <a:spAutoFit/>
+          </a:bodyPr>
+          <a:lstStyle/>
+          <a:p>
+            <a:r>
+              <a:rPr lang="de-DE" sz="1600" dirty="0" smtClean="0"/>
+              <a:t>13</a:t>
+            </a:r>
+            <a:endParaRPr lang="de-DE" sz="1600" dirty="0"/>
+          </a:p>
+        </p:txBody>
+      </p:sp>
+      <p:pic>
+        <p:nvPicPr>
+          <p:cNvPr id="57349" name="Picture 5"/>
+          <p:cNvPicPr>
+            <a:picLocks noChangeAspect="1" noChangeArrowheads="1"/>
+          </p:cNvPicPr>
+          <p:nvPr/>
+        </p:nvPicPr>
+        <p:blipFill>
+          <a:blip r:embed="rId3">
+            <a:extLst>
+              <a:ext uri="{28A0092B-C50C-407E-A947-70E740481C1C}">
+                <a14:useLocalDpi xmlns:a14="http://schemas.microsoft.com/office/drawing/2010/main" val="0"/>
+              </a:ext>
+            </a:extLst>
+          </a:blip>
+          <a:srcRect/>
+          <a:stretch>
+            <a:fillRect/>
+          </a:stretch>
+        </p:blipFill>
+        <p:spPr bwMode="auto">
+          <a:xfrm>
+            <a:off x="5940152" y="3605495"/>
+            <a:ext cx="2047875" cy="3009900"/>
+          </a:xfrm>
+          <a:prstGeom prst="rect">
+            <a:avLst/>
+          </a:prstGeom>
+          <a:noFill/>
+          <a:ln w="9525">
+            <a:solidFill>
+              <a:schemeClr val="tx1"/>
+            </a:solidFill>
+            <a:miter lim="800000"/>
+            <a:headEnd/>
+            <a:tailEnd/>
+          </a:ln>
+          <a:extLst>
+            <a:ext uri="{909E8E84-426E-40DD-AFC4-6F175D3DCCD1}">
+              <a14:hiddenFill xmlns:a14="http://schemas.microsoft.com/office/drawing/2010/main">
+                <a:solidFill>
+                  <a:schemeClr val="accent1"/>
+                </a:solidFill>
+              </a14:hiddenFill>
+            </a:ext>
+          </a:extLst>
+        </p:spPr>
+      </p:pic>
+      <p:sp>
+        <p:nvSpPr>
+          <p:cNvPr id="30" name="Rechteck 29"/>
+          <p:cNvSpPr/>
+          <p:nvPr/>
+        </p:nvSpPr>
+        <p:spPr bwMode="auto">
+          <a:xfrm>
+            <a:off x="5940152" y="5831892"/>
+            <a:ext cx="2047875" cy="648072"/>
+          </a:xfrm>
+          <a:prstGeom prst="rect">
+            <a:avLst/>
+          </a:prstGeom>
+          <a:noFill/>
+          <a:ln w="15875" cap="flat" cmpd="sng" algn="ctr">
+            <a:solidFill>
+              <a:srgbClr val="FF0000"/>
+            </a:solidFill>
+            <a:prstDash val="solid"/>
+            <a:round/>
+            <a:headEnd type="none" w="med" len="med"/>
+            <a:tailEnd type="none" w="med" len="med"/>
+          </a:ln>
+          <a:effectLst/>
+          <a:extLst/>
+        </p:spPr>
+        <p:txBody>
+          <a:bodyPr vert="horz" wrap="square" lIns="91440" tIns="45720" rIns="91440" bIns="45720" numCol="1" rtlCol="0" anchor="t" anchorCtr="0" compatLnSpc="1">
+            <a:prstTxWarp prst="textNoShape">
+              <a:avLst/>
+            </a:prstTxWarp>
+          </a:bodyPr>
+          <a:lstStyle/>
+          <a:p>
+            <a:pPr marL="0" marR="0" indent="0" algn="l" defTabSz="914400" rtl="0" eaLnBrk="0" fontAlgn="base" latinLnBrk="0" hangingPunct="0">
+              <a:lnSpc>
+                <a:spcPct val="100000"/>
+              </a:lnSpc>
+              <a:spcBef>
+                <a:spcPct val="0"/>
+              </a:spcBef>
+              <a:spcAft>
+                <a:spcPct val="0"/>
+              </a:spcAft>
+              <a:buClrTx/>
+              <a:buSzTx/>
+              <a:buFontTx/>
+              <a:buNone/>
+              <a:tabLst/>
+            </a:pPr>
+            <a:endParaRPr kumimoji="0" lang="de-DE" sz="2400" b="0" i="0" u="none" strike="noStrike" cap="none" normalizeH="0" baseline="0">
+              <a:ln>
+                <a:noFill/>
+              </a:ln>
+              <a:solidFill>
+                <a:schemeClr val="tx1"/>
+              </a:solidFill>
+              <a:effectLst/>
+              <a:latin typeface="Arial" charset="0"/>
+              <a:ea typeface="ＭＳ Ｐゴシック" charset="-128"/>
+            </a:endParaRPr>
+          </a:p>
+        </p:txBody>
+      </p:sp>
+      <p:cxnSp>
+        <p:nvCxnSpPr>
+          <p:cNvPr id="21" name="Gerade Verbindung 20"/>
+          <p:cNvCxnSpPr/>
+          <p:nvPr/>
+        </p:nvCxnSpPr>
+        <p:spPr bwMode="auto">
+          <a:xfrm>
+            <a:off x="4200479" y="5610726"/>
+            <a:ext cx="515537" cy="0"/>
+          </a:xfrm>
+          <a:prstGeom prst="line">
+            <a:avLst/>
+          </a:prstGeom>
+          <a:solidFill>
+            <a:schemeClr val="accent1"/>
+          </a:solidFill>
+          <a:ln w="25400" cap="flat" cmpd="sng" algn="ctr">
+            <a:solidFill>
+              <a:srgbClr val="FF0000"/>
+            </a:solidFill>
+            <a:prstDash val="solid"/>
+            <a:round/>
+            <a:headEnd type="none" w="med" len="med"/>
+            <a:tailEnd type="none" w="med" len="med"/>
+          </a:ln>
+          <a:effectLst/>
+          <a:extLst>
+            <a:ext uri="{AF507438-7753-43E0-B8FC-AC1667EBCBE1}">
+              <a14:hiddenEffects xmlns:a14="http://schemas.microsoft.com/office/drawing/2010/main">
+                <a:effectLst>
+                  <a:outerShdw blurRad="63500" dist="38099" dir="2700000" algn="ctr" rotWithShape="0">
+                    <a:schemeClr val="bg2">
+                      <a:alpha val="74998"/>
+                    </a:schemeClr>
+                  </a:outerShdw>
+                </a:effectLst>
+              </a14:hiddenEffects>
+            </a:ext>
+          </a:extLst>
+        </p:spPr>
+      </p:cxnSp>
+      <p:cxnSp>
+        <p:nvCxnSpPr>
+          <p:cNvPr id="35" name="Gerade Verbindung 34"/>
+          <p:cNvCxnSpPr/>
+          <p:nvPr/>
+        </p:nvCxnSpPr>
+        <p:spPr bwMode="auto">
+          <a:xfrm>
+            <a:off x="4147241" y="4621749"/>
+            <a:ext cx="515537" cy="0"/>
+          </a:xfrm>
+          <a:prstGeom prst="line">
+            <a:avLst/>
+          </a:prstGeom>
+          <a:solidFill>
+            <a:schemeClr val="accent1"/>
+          </a:solidFill>
+          <a:ln w="25400" cap="flat" cmpd="sng" algn="ctr">
+            <a:solidFill>
+              <a:srgbClr val="FF0000"/>
+            </a:solidFill>
+            <a:prstDash val="solid"/>
+            <a:round/>
+            <a:headEnd type="none" w="med" len="med"/>
+            <a:tailEnd type="none" w="med" len="med"/>
+          </a:ln>
+          <a:effectLst/>
+          <a:extLst>
+            <a:ext uri="{AF507438-7753-43E0-B8FC-AC1667EBCBE1}">
+              <a14:hiddenEffects xmlns:a14="http://schemas.microsoft.com/office/drawing/2010/main">
+                <a:effectLst>
+                  <a:outerShdw blurRad="63500" dist="38099" dir="2700000" algn="ctr" rotWithShape="0">
+                    <a:schemeClr val="bg2">
+                      <a:alpha val="74998"/>
+                    </a:schemeClr>
+                  </a:outerShdw>
+                </a:effectLst>
+              </a14:hiddenEffects>
+            </a:ext>
+          </a:extLst>
+        </p:spPr>
+      </p:cxnSp>
+    </p:spTree>
+    <p:extLst>
+      <p:ext uri="{BB962C8B-B14F-4D97-AF65-F5344CB8AC3E}">
+        <p14:creationId xmlns:p14="http://schemas.microsoft.com/office/powerpoint/2010/main" val="3704951057"/>
+      </p:ext>
+    </p:extLst>
+  </p:cSld>
+  <p:clrMapOvr>
+    <a:masterClrMapping/>
+  </p:clrMapOvr>
+  <p:timing>
+    <p:tnLst>
+      <p:par>
+        <p:cTn id="1" dur="indefinite" restart="never" nodeType="tmRoot"/>
+      </p:par>
+    </p:tnLst>
+  </p:timing>
+</p:sld>
+</file>
+
+<file path=ppt/slides/slide27.xml><?xml version="1.0" encoding="utf-8"?>
+<p:sld xmlns:a="http://schemas.openxmlformats.org/drawingml/2006/main" xmlns:r="http://schemas.openxmlformats.org/officeDocument/2006/relationships" xmlns:p="http://schemas.openxmlformats.org/presentationml/2006/main">
+  <p:cSld>
+    <p:spTree>
+      <p:nvGrpSpPr>
+        <p:cNvPr id="1" name=""/>
+        <p:cNvGrpSpPr/>
+        <p:nvPr/>
+      </p:nvGrpSpPr>
+      <p:grpSpPr>
+        <a:xfrm>
+          <a:off x="0" y="0"/>
+          <a:ext cx="0" cy="0"/>
+          <a:chOff x="0" y="0"/>
+          <a:chExt cx="0" cy="0"/>
+        </a:xfrm>
+      </p:grpSpPr>
+      <p:sp>
+        <p:nvSpPr>
+          <p:cNvPr id="39937" name="Titel 1"/>
+          <p:cNvSpPr>
+            <a:spLocks noGrp="1"/>
+          </p:cNvSpPr>
+          <p:nvPr>
+            <p:ph type="title"/>
+          </p:nvPr>
+        </p:nvSpPr>
+        <p:spPr/>
+        <p:txBody>
+          <a:bodyPr/>
+          <a:lstStyle/>
+          <a:p>
+            <a:r>
+              <a:rPr lang="de-DE" altLang="de-DE" smtClean="0"/>
+              <a:t>Heuristiken</a:t>
+            </a:r>
+            <a:br>
+              <a:rPr lang="de-DE" altLang="de-DE" smtClean="0"/>
+            </a:br>
+            <a:r>
+              <a:rPr lang="de-DE" altLang="de-DE" smtClean="0"/>
+              <a:t>Eröffnungsverfahren – Christofides</a:t>
+            </a:r>
+          </a:p>
+        </p:txBody>
+      </p:sp>
+      <p:sp>
+        <p:nvSpPr>
+          <p:cNvPr id="8195" name="Inhaltsplatzhalter 2"/>
+          <p:cNvSpPr>
+            <a:spLocks noGrp="1"/>
+          </p:cNvSpPr>
+          <p:nvPr>
+            <p:ph idx="1"/>
+          </p:nvPr>
+        </p:nvSpPr>
+        <p:spPr bwMode="auto">
+          <a:xfrm>
+            <a:off x="628650" y="1341438"/>
+            <a:ext cx="8191500" cy="5183187"/>
+          </a:xfrm>
+          <a:extLst>
+            <a:ext uri="{909E8E84-426E-40DD-AFC4-6F175D3DCCD1}">
+              <a14:hiddenFill xmlns:a14="http://schemas.microsoft.com/office/drawing/2010/main">
+                <a:solidFill>
+                  <a:srgbClr val="FFFFFF"/>
+                </a:solidFill>
+              </a14:hiddenFill>
+            </a:ext>
+            <a:ext uri="{91240B29-F687-4F45-9708-019B960494DF}">
+              <a14:hiddenLine xmlns:a14="http://schemas.microsoft.com/office/drawing/2010/main" w="9525">
+                <a:solidFill>
+                  <a:srgbClr val="000000"/>
+                </a:solidFill>
+                <a:miter lim="800000"/>
+                <a:headEnd/>
+                <a:tailEnd/>
+              </a14:hiddenLine>
+            </a:ext>
+          </a:extLst>
+        </p:spPr>
+        <p:txBody>
+          <a:bodyPr vert="horz" wrap="square" lIns="91440" tIns="45720" rIns="91440" bIns="45720" numCol="1" anchor="t" anchorCtr="0" compatLnSpc="1">
+            <a:prstTxWarp prst="textNoShape">
+              <a:avLst/>
+            </a:prstTxWarp>
+          </a:bodyPr>
+          <a:lstStyle/>
+          <a:p>
+            <a:r>
+              <a:rPr lang="de-DE" altLang="de-DE" sz="2400" dirty="0" smtClean="0"/>
+              <a:t>Christofides:</a:t>
+            </a:r>
+          </a:p>
+          <a:p>
+            <a:pPr lvl="1"/>
+            <a:r>
+              <a:rPr lang="de-DE" altLang="de-DE" sz="2000" dirty="0" smtClean="0"/>
+              <a:t>Vorgehen</a:t>
+            </a:r>
+            <a:endParaRPr lang="de-DE" altLang="de-DE" sz="2000" dirty="0" smtClean="0"/>
+          </a:p>
+          <a:p>
+            <a:pPr lvl="2"/>
+            <a:r>
+              <a:rPr lang="de-DE" altLang="de-DE" sz="1600" dirty="0" smtClean="0"/>
+              <a:t>3</a:t>
+            </a:r>
+            <a:r>
+              <a:rPr lang="de-DE" altLang="de-DE" sz="1600" dirty="0" smtClean="0"/>
+              <a:t>. Schritt: Bestimmung eines Kreises, der jeden Knoten mind. einmal enthält 	    (Euler Tour)</a:t>
+            </a:r>
+          </a:p>
+          <a:p>
+            <a:pPr lvl="2">
+              <a:buFontTx/>
+              <a:buNone/>
+            </a:pPr>
+            <a:r>
+              <a:rPr lang="de-DE" altLang="de-DE" sz="1600" dirty="0" smtClean="0"/>
+              <a:t>	</a:t>
+            </a:r>
+            <a:r>
+              <a:rPr lang="de-DE" altLang="de-DE" sz="1600" dirty="0" smtClean="0"/>
+              <a:t>Entfernen </a:t>
+            </a:r>
+            <a:r>
+              <a:rPr lang="de-DE" altLang="de-DE" sz="1600" dirty="0" smtClean="0"/>
+              <a:t>der bereits besuchten Knoten, Direktverbindungen 	    können aufgrund der Dreiecksungleichung die Rundreise nicht 	    verlängern (Rundreise)</a:t>
+            </a:r>
+          </a:p>
+          <a:p>
+            <a:pPr marL="1371600" lvl="3" indent="0">
+              <a:buFontTx/>
+              <a:buNone/>
+            </a:pPr>
+            <a:r>
+              <a:rPr lang="de-DE" altLang="de-DE" sz="1200" dirty="0" smtClean="0"/>
+              <a:t>	   </a:t>
+            </a:r>
+          </a:p>
+        </p:txBody>
+      </p:sp>
+      <p:pic>
+        <p:nvPicPr>
+          <p:cNvPr id="6" name="Picture 5"/>
+          <p:cNvPicPr>
+            <a:picLocks noChangeAspect="1" noChangeArrowheads="1"/>
+          </p:cNvPicPr>
+          <p:nvPr/>
+        </p:nvPicPr>
+        <p:blipFill>
+          <a:blip r:embed="rId2">
+            <a:extLst>
+              <a:ext uri="{28A0092B-C50C-407E-A947-70E740481C1C}">
+                <a14:useLocalDpi xmlns:a14="http://schemas.microsoft.com/office/drawing/2010/main" val="0"/>
+              </a:ext>
+            </a:extLst>
+          </a:blip>
+          <a:srcRect/>
+          <a:stretch>
+            <a:fillRect/>
+          </a:stretch>
+        </p:blipFill>
+        <p:spPr bwMode="auto">
+          <a:xfrm>
+            <a:off x="35496" y="3573016"/>
+            <a:ext cx="5184576" cy="3115133"/>
+          </a:xfrm>
+          <a:prstGeom prst="rect">
+            <a:avLst/>
+          </a:prstGeom>
+          <a:noFill/>
+          <a:ln>
+            <a:noFill/>
+          </a:ln>
+          <a:extLst>
+            <a:ext uri="{909E8E84-426E-40DD-AFC4-6F175D3DCCD1}">
+              <a14:hiddenFill xmlns:a14="http://schemas.microsoft.com/office/drawing/2010/main">
+                <a:solidFill>
+                  <a:schemeClr val="accent1"/>
+                </a:solidFill>
+              </a14:hiddenFill>
+            </a:ext>
+            <a:ext uri="{91240B29-F687-4F45-9708-019B960494DF}">
+              <a14:hiddenLine xmlns:a14="http://schemas.microsoft.com/office/drawing/2010/main" w="9525">
+                <a:solidFill>
+                  <a:schemeClr val="tx1"/>
+                </a:solidFill>
+                <a:miter lim="800000"/>
+                <a:headEnd/>
+                <a:tailEnd/>
+              </a14:hiddenLine>
+            </a:ext>
+          </a:extLst>
+        </p:spPr>
+      </p:pic>
+      <p:cxnSp>
+        <p:nvCxnSpPr>
+          <p:cNvPr id="3" name="Gerade Verbindung 2"/>
+          <p:cNvCxnSpPr/>
+          <p:nvPr/>
+        </p:nvCxnSpPr>
+        <p:spPr bwMode="auto">
+          <a:xfrm flipV="1">
+            <a:off x="2339752" y="4005064"/>
+            <a:ext cx="1368152" cy="144016"/>
+          </a:xfrm>
+          <a:prstGeom prst="line">
+            <a:avLst/>
+          </a:prstGeom>
+          <a:solidFill>
+            <a:schemeClr val="accent1"/>
+          </a:solidFill>
+          <a:ln w="25400" cap="flat" cmpd="sng" algn="ctr">
+            <a:solidFill>
+              <a:schemeClr val="accent2">
+                <a:lumMod val="60000"/>
+                <a:lumOff val="40000"/>
+              </a:schemeClr>
+            </a:solidFill>
+            <a:prstDash val="solid"/>
+            <a:round/>
+            <a:headEnd type="none" w="med" len="med"/>
+            <a:tailEnd type="none" w="med" len="med"/>
+          </a:ln>
+          <a:effectLst/>
+          <a:extLst>
+            <a:ext uri="{AF507438-7753-43E0-B8FC-AC1667EBCBE1}">
+              <a14:hiddenEffects xmlns:a14="http://schemas.microsoft.com/office/drawing/2010/main">
+                <a:effectLst>
+                  <a:outerShdw blurRad="63500" dist="38099" dir="2700000" algn="ctr" rotWithShape="0">
+                    <a:schemeClr val="bg2">
+                      <a:alpha val="74998"/>
+                    </a:schemeClr>
+                  </a:outerShdw>
+                </a:effectLst>
+              </a14:hiddenEffects>
+            </a:ext>
+          </a:extLst>
+        </p:spPr>
+      </p:cxnSp>
+      <p:cxnSp>
+        <p:nvCxnSpPr>
+          <p:cNvPr id="10" name="Gerade Verbindung 9"/>
+          <p:cNvCxnSpPr/>
+          <p:nvPr/>
+        </p:nvCxnSpPr>
+        <p:spPr bwMode="auto">
+          <a:xfrm flipV="1">
+            <a:off x="611560" y="5027442"/>
+            <a:ext cx="864096" cy="25592"/>
+          </a:xfrm>
+          <a:prstGeom prst="line">
+            <a:avLst/>
+          </a:prstGeom>
+          <a:solidFill>
+            <a:schemeClr val="accent1"/>
+          </a:solidFill>
+          <a:ln w="25400" cap="flat" cmpd="sng" algn="ctr">
+            <a:solidFill>
+              <a:schemeClr val="accent2">
+                <a:lumMod val="60000"/>
+                <a:lumOff val="40000"/>
+              </a:schemeClr>
+            </a:solidFill>
+            <a:prstDash val="solid"/>
+            <a:round/>
+            <a:headEnd type="none" w="med" len="med"/>
+            <a:tailEnd type="none" w="med" len="med"/>
+          </a:ln>
+          <a:effectLst/>
+          <a:extLst>
+            <a:ext uri="{AF507438-7753-43E0-B8FC-AC1667EBCBE1}">
+              <a14:hiddenEffects xmlns:a14="http://schemas.microsoft.com/office/drawing/2010/main">
+                <a:effectLst>
+                  <a:outerShdw blurRad="63500" dist="38099" dir="2700000" algn="ctr" rotWithShape="0">
+                    <a:schemeClr val="bg2">
+                      <a:alpha val="74998"/>
+                    </a:schemeClr>
+                  </a:outerShdw>
+                </a:effectLst>
+              </a14:hiddenEffects>
+            </a:ext>
+          </a:extLst>
+        </p:spPr>
+      </p:cxnSp>
+      <p:pic>
+        <p:nvPicPr>
+          <p:cNvPr id="58371" name="Picture 3"/>
+          <p:cNvPicPr>
+            <a:picLocks noChangeAspect="1" noChangeArrowheads="1"/>
+          </p:cNvPicPr>
+          <p:nvPr/>
+        </p:nvPicPr>
+        <p:blipFill>
+          <a:blip r:embed="rId3">
+            <a:extLst>
+              <a:ext uri="{28A0092B-C50C-407E-A947-70E740481C1C}">
+                <a14:useLocalDpi xmlns:a14="http://schemas.microsoft.com/office/drawing/2010/main" val="0"/>
+              </a:ext>
+            </a:extLst>
+          </a:blip>
+          <a:srcRect/>
+          <a:stretch>
+            <a:fillRect/>
+          </a:stretch>
+        </p:blipFill>
+        <p:spPr bwMode="auto">
+          <a:xfrm>
+            <a:off x="5868144" y="3529542"/>
+            <a:ext cx="3063426" cy="2995801"/>
+          </a:xfrm>
+          <a:prstGeom prst="rect">
+            <a:avLst/>
+          </a:prstGeom>
+          <a:noFill/>
+          <a:ln>
+            <a:noFill/>
+          </a:ln>
+          <a:extLst>
+            <a:ext uri="{909E8E84-426E-40DD-AFC4-6F175D3DCCD1}">
+              <a14:hiddenFill xmlns:a14="http://schemas.microsoft.com/office/drawing/2010/main">
+                <a:solidFill>
+                  <a:schemeClr val="accent1"/>
+                </a:solidFill>
+              </a14:hiddenFill>
+            </a:ext>
+            <a:ext uri="{91240B29-F687-4F45-9708-019B960494DF}">
+              <a14:hiddenLine xmlns:a14="http://schemas.microsoft.com/office/drawing/2010/main" w="9525">
+                <a:solidFill>
+                  <a:schemeClr val="tx1"/>
+                </a:solidFill>
+                <a:miter lim="800000"/>
+                <a:headEnd/>
+                <a:tailEnd/>
+              </a14:hiddenLine>
+            </a:ext>
+          </a:extLst>
+        </p:spPr>
+      </p:pic>
+    </p:spTree>
+    <p:extLst>
+      <p:ext uri="{BB962C8B-B14F-4D97-AF65-F5344CB8AC3E}">
+        <p14:creationId xmlns:p14="http://schemas.microsoft.com/office/powerpoint/2010/main" val="1422430290"/>
+      </p:ext>
+    </p:extLst>
+  </p:cSld>
+  <p:clrMapOvr>
+    <a:masterClrMapping/>
+  </p:clrMapOvr>
+  <p:timing>
+    <p:tnLst>
+      <p:par>
+        <p:cTn id="1" dur="indefinite" restart="never" nodeType="tmRoot"/>
+      </p:par>
+    </p:tnLst>
+  </p:timing>
+</p:sld>
+</file>
+
+<file path=ppt/slides/slide28.xml><?xml version="1.0" encoding="utf-8"?>
 <p:sld xmlns:a="http://schemas.openxmlformats.org/drawingml/2006/main" xmlns:r="http://schemas.openxmlformats.org/officeDocument/2006/relationships" xmlns:p="http://schemas.openxmlformats.org/presentationml/2006/main">
   <p:cSld>
     <p:spTree>
@@ -9117,7 +10233,7 @@
 </p:sld>
 </file>
 
-<file path=ppt/slides/slide27.xml><?xml version="1.0" encoding="utf-8"?>
+<file path=ppt/slides/slide29.xml><?xml version="1.0" encoding="utf-8"?>
 <p:sld xmlns:a="http://schemas.openxmlformats.org/drawingml/2006/main" xmlns:r="http://schemas.openxmlformats.org/officeDocument/2006/relationships" xmlns:p="http://schemas.openxmlformats.org/presentationml/2006/main">
   <p:cSld>
     <p:spTree>
@@ -9678,6 +10794,76 @@
           </a:p>
         </p:txBody>
       </p:sp>
+      <p:sp>
+        <p:nvSpPr>
+          <p:cNvPr id="4" name="Rechteck 3"/>
+          <p:cNvSpPr/>
+          <p:nvPr/>
+        </p:nvSpPr>
+        <p:spPr bwMode="auto">
+          <a:xfrm>
+            <a:off x="1115616" y="2996952"/>
+            <a:ext cx="7488832" cy="2664296"/>
+          </a:xfrm>
+          <a:prstGeom prst="rect">
+            <a:avLst/>
+          </a:prstGeom>
+          <a:solidFill>
+            <a:schemeClr val="accent3">
+              <a:lumMod val="95000"/>
+              <a:alpha val="51000"/>
+            </a:schemeClr>
+          </a:solidFill>
+          <a:ln w="9525" cap="flat" cmpd="sng" algn="ctr">
+            <a:solidFill>
+              <a:schemeClr val="tx1"/>
+            </a:solidFill>
+            <a:prstDash val="solid"/>
+            <a:round/>
+            <a:headEnd type="none" w="med" len="med"/>
+            <a:tailEnd type="none" w="med" len="med"/>
+          </a:ln>
+          <a:effectLst/>
+          <a:extLst/>
+        </p:spPr>
+        <p:txBody>
+          <a:bodyPr vert="horz" wrap="square" lIns="91440" tIns="45720" rIns="91440" bIns="45720" numCol="1" rtlCol="0" anchor="t" anchorCtr="0" compatLnSpc="1">
+            <a:prstTxWarp prst="textNoShape">
+              <a:avLst/>
+            </a:prstTxWarp>
+          </a:bodyPr>
+          <a:lstStyle/>
+          <a:p>
+            <a:pPr marL="0" marR="0" indent="0" algn="l" defTabSz="914400" rtl="0" eaLnBrk="0" fontAlgn="base" latinLnBrk="0" hangingPunct="0">
+              <a:lnSpc>
+                <a:spcPct val="100000"/>
+              </a:lnSpc>
+              <a:spcBef>
+                <a:spcPct val="0"/>
+              </a:spcBef>
+              <a:spcAft>
+                <a:spcPct val="0"/>
+              </a:spcAft>
+              <a:buClrTx/>
+              <a:buSzTx/>
+              <a:buFontTx/>
+              <a:buNone/>
+              <a:tabLst/>
+            </a:pPr>
+            <a:endParaRPr kumimoji="0" lang="de-DE" sz="2400" b="0" i="0" u="none" strike="noStrike" cap="none" normalizeH="0" baseline="0">
+              <a:ln>
+                <a:noFill/>
+              </a:ln>
+              <a:solidFill>
+                <a:schemeClr val="tx1"/>
+              </a:solidFill>
+              <a:effectLst/>
+              <a:latin typeface="Arial" charset="0"/>
+              <a:ea typeface="ＭＳ Ｐゴシック" charset="-128"/>
+            </a:endParaRPr>
+          </a:p>
+        </p:txBody>
+      </p:sp>
     </p:spTree>
   </p:cSld>
   <p:clrMapOvr>
@@ -9693,7 +10879,356 @@
 </p:sld>
 </file>
 
-<file path=ppt/slides/slide28.xml><?xml version="1.0" encoding="utf-8"?>
+<file path=ppt/slides/slide3.xml><?xml version="1.0" encoding="utf-8"?>
+<p:sld xmlns:a="http://schemas.openxmlformats.org/drawingml/2006/main" xmlns:r="http://schemas.openxmlformats.org/officeDocument/2006/relationships" xmlns:p="http://schemas.openxmlformats.org/presentationml/2006/main">
+  <p:cSld>
+    <p:spTree>
+      <p:nvGrpSpPr>
+        <p:cNvPr id="1" name=""/>
+        <p:cNvGrpSpPr/>
+        <p:nvPr/>
+      </p:nvGrpSpPr>
+      <p:grpSpPr>
+        <a:xfrm>
+          <a:off x="0" y="0"/>
+          <a:ext cx="0" cy="0"/>
+          <a:chOff x="0" y="0"/>
+          <a:chExt cx="0" cy="0"/>
+        </a:xfrm>
+      </p:grpSpPr>
+      <p:sp>
+        <p:nvSpPr>
+          <p:cNvPr id="17409" name="Titel 1"/>
+          <p:cNvSpPr>
+            <a:spLocks noGrp="1"/>
+          </p:cNvSpPr>
+          <p:nvPr>
+            <p:ph type="title"/>
+          </p:nvPr>
+        </p:nvSpPr>
+        <p:spPr/>
+        <p:txBody>
+          <a:bodyPr/>
+          <a:lstStyle/>
+          <a:p>
+            <a:r>
+              <a:rPr lang="de-DE" altLang="de-DE"/>
+              <a:t>Das Traveling Salesman Problem</a:t>
+            </a:r>
+          </a:p>
+        </p:txBody>
+      </p:sp>
+      <p:sp>
+        <p:nvSpPr>
+          <p:cNvPr id="4099" name="Inhaltsplatzhalter 2"/>
+          <p:cNvSpPr>
+            <a:spLocks noGrp="1" noRot="1" noChangeAspect="1" noMove="1" noResize="1" noEditPoints="1" noAdjustHandles="1" noChangeArrowheads="1" noChangeShapeType="1" noTextEdit="1"/>
+          </p:cNvSpPr>
+          <p:nvPr>
+            <p:ph idx="1"/>
+          </p:nvPr>
+        </p:nvSpPr>
+        <p:spPr bwMode="auto">
+          <a:xfrm>
+            <a:off x="628650" y="1597942"/>
+            <a:ext cx="7886700" cy="4351338"/>
+          </a:xfrm>
+          <a:blipFill rotWithShape="1">
+            <a:blip r:embed="rId2"/>
+            <a:stretch>
+              <a:fillRect l="-618" t="-560" r="-386" b="-12745"/>
+            </a:stretch>
+          </a:blipFill>
+          <a:extLst>
+            <a:ext uri="{91240B29-F687-4F45-9708-019B960494DF}">
+              <a14:hiddenLine xmlns:a14="http://schemas.microsoft.com/office/drawing/2010/main" w="9525">
+                <a:solidFill>
+                  <a:srgbClr val="000000"/>
+                </a:solidFill>
+                <a:miter lim="800000"/>
+                <a:headEnd/>
+                <a:tailEnd/>
+              </a14:hiddenLine>
+            </a:ext>
+          </a:extLst>
+        </p:spPr>
+        <p:txBody>
+          <a:bodyPr/>
+          <a:lstStyle/>
+          <a:p>
+            <a:pPr>
+              <a:defRPr/>
+            </a:pPr>
+            <a:r>
+              <a:rPr lang="de-DE">
+                <a:noFill/>
+              </a:rPr>
+              <a:t> </a:t>
+            </a:r>
+          </a:p>
+        </p:txBody>
+      </p:sp>
+      <p:sp>
+        <p:nvSpPr>
+          <p:cNvPr id="4" name="Inhaltsplatzhalter 2"/>
+          <p:cNvSpPr txBox="1">
+            <a:spLocks/>
+          </p:cNvSpPr>
+          <p:nvPr/>
+        </p:nvSpPr>
+        <p:spPr bwMode="auto">
+          <a:xfrm>
+            <a:off x="645740" y="5919093"/>
+            <a:ext cx="7886700" cy="894283"/>
+          </a:xfrm>
+          <a:prstGeom prst="rect">
+            <a:avLst/>
+          </a:prstGeom>
+          <a:extLst>
+            <a:ext uri="{909E8E84-426E-40DD-AFC4-6F175D3DCCD1}">
+              <a14:hiddenFill xmlns:a14="http://schemas.microsoft.com/office/drawing/2010/main">
+                <a:solidFill>
+                  <a:srgbClr val="FFFFFF"/>
+                </a:solidFill>
+              </a14:hiddenFill>
+            </a:ext>
+            <a:ext uri="{91240B29-F687-4F45-9708-019B960494DF}">
+              <a14:hiddenLine xmlns:a14="http://schemas.microsoft.com/office/drawing/2010/main" w="9525">
+                <a:solidFill>
+                  <a:srgbClr val="000000"/>
+                </a:solidFill>
+                <a:miter lim="800000"/>
+                <a:headEnd/>
+                <a:tailEnd/>
+              </a14:hiddenLine>
+            </a:ext>
+          </a:extLst>
+        </p:spPr>
+        <p:txBody>
+          <a:bodyPr vert="horz" wrap="square" lIns="91440" tIns="45720" rIns="91440" bIns="45720" numCol="1" anchor="t" anchorCtr="0" compatLnSpc="1">
+            <a:prstTxWarp prst="textNoShape">
+              <a:avLst/>
+            </a:prstTxWarp>
+          </a:bodyPr>
+          <a:lstStyle>
+            <a:lvl1pPr marL="342900" indent="-342900" algn="l" rtl="0" eaLnBrk="0" fontAlgn="base" hangingPunct="0">
+              <a:spcBef>
+                <a:spcPct val="20000"/>
+              </a:spcBef>
+              <a:spcAft>
+                <a:spcPct val="0"/>
+              </a:spcAft>
+              <a:buChar char="•"/>
+              <a:defRPr sz="3200" kern="1200">
+                <a:solidFill>
+                  <a:schemeClr val="tx1"/>
+                </a:solidFill>
+                <a:latin typeface="+mn-lt"/>
+                <a:ea typeface="+mn-ea"/>
+                <a:cs typeface="+mn-cs"/>
+              </a:defRPr>
+            </a:lvl1pPr>
+            <a:lvl2pPr marL="742950" indent="-285750" algn="l" rtl="0" eaLnBrk="0" fontAlgn="base" hangingPunct="0">
+              <a:spcBef>
+                <a:spcPct val="20000"/>
+              </a:spcBef>
+              <a:spcAft>
+                <a:spcPct val="0"/>
+              </a:spcAft>
+              <a:buChar char="–"/>
+              <a:defRPr sz="2800" kern="1200">
+                <a:solidFill>
+                  <a:schemeClr val="tx1"/>
+                </a:solidFill>
+                <a:latin typeface="+mn-lt"/>
+                <a:ea typeface="+mn-ea"/>
+                <a:cs typeface="+mn-cs"/>
+              </a:defRPr>
+            </a:lvl2pPr>
+            <a:lvl3pPr marL="1143000" indent="-228600" algn="l" rtl="0" eaLnBrk="0" fontAlgn="base" hangingPunct="0">
+              <a:spcBef>
+                <a:spcPct val="20000"/>
+              </a:spcBef>
+              <a:spcAft>
+                <a:spcPct val="0"/>
+              </a:spcAft>
+              <a:buChar char="•"/>
+              <a:defRPr sz="2400" kern="1200">
+                <a:solidFill>
+                  <a:schemeClr val="tx1"/>
+                </a:solidFill>
+                <a:latin typeface="+mn-lt"/>
+                <a:ea typeface="+mn-ea"/>
+                <a:cs typeface="+mn-cs"/>
+              </a:defRPr>
+            </a:lvl3pPr>
+            <a:lvl4pPr marL="1600200" indent="-228600" algn="l" rtl="0" eaLnBrk="0" fontAlgn="base" hangingPunct="0">
+              <a:spcBef>
+                <a:spcPct val="20000"/>
+              </a:spcBef>
+              <a:spcAft>
+                <a:spcPct val="0"/>
+              </a:spcAft>
+              <a:buChar char="–"/>
+              <a:defRPr sz="2000" kern="1200">
+                <a:solidFill>
+                  <a:schemeClr val="tx1"/>
+                </a:solidFill>
+                <a:latin typeface="+mn-lt"/>
+                <a:ea typeface="+mn-ea"/>
+                <a:cs typeface="+mn-cs"/>
+              </a:defRPr>
+            </a:lvl4pPr>
+            <a:lvl5pPr marL="2057400" indent="-228600" algn="l" rtl="0" eaLnBrk="0" fontAlgn="base" hangingPunct="0">
+              <a:spcBef>
+                <a:spcPct val="20000"/>
+              </a:spcBef>
+              <a:spcAft>
+                <a:spcPct val="0"/>
+              </a:spcAft>
+              <a:buChar char="»"/>
+              <a:defRPr sz="2000" kern="1200">
+                <a:solidFill>
+                  <a:schemeClr val="tx1"/>
+                </a:solidFill>
+                <a:latin typeface="+mn-lt"/>
+                <a:ea typeface="+mn-ea"/>
+                <a:cs typeface="+mn-cs"/>
+              </a:defRPr>
+            </a:lvl5pPr>
+            <a:lvl6pPr marL="2514600" indent="-228600" algn="l" defTabSz="914400" rtl="0" eaLnBrk="1" latinLnBrk="0" hangingPunct="1">
+              <a:lnSpc>
+                <a:spcPct val="90000"/>
+              </a:lnSpc>
+              <a:spcBef>
+                <a:spcPts val="500"/>
+              </a:spcBef>
+              <a:buFont typeface="Arial"/>
+              <a:buChar char="•"/>
+              <a:defRPr sz="1800" kern="1200">
+                <a:solidFill>
+                  <a:schemeClr val="tx1"/>
+                </a:solidFill>
+                <a:latin typeface="+mn-lt"/>
+                <a:ea typeface="+mn-ea"/>
+                <a:cs typeface="+mn-cs"/>
+              </a:defRPr>
+            </a:lvl6pPr>
+            <a:lvl7pPr marL="2971800" indent="-228600" algn="l" defTabSz="914400" rtl="0" eaLnBrk="1" latinLnBrk="0" hangingPunct="1">
+              <a:lnSpc>
+                <a:spcPct val="90000"/>
+              </a:lnSpc>
+              <a:spcBef>
+                <a:spcPts val="500"/>
+              </a:spcBef>
+              <a:buFont typeface="Arial"/>
+              <a:buChar char="•"/>
+              <a:defRPr sz="1800" kern="1200">
+                <a:solidFill>
+                  <a:schemeClr val="tx1"/>
+                </a:solidFill>
+                <a:latin typeface="+mn-lt"/>
+                <a:ea typeface="+mn-ea"/>
+                <a:cs typeface="+mn-cs"/>
+              </a:defRPr>
+            </a:lvl7pPr>
+            <a:lvl8pPr marL="3429000" indent="-228600" algn="l" defTabSz="914400" rtl="0" eaLnBrk="1" latinLnBrk="0" hangingPunct="1">
+              <a:lnSpc>
+                <a:spcPct val="90000"/>
+              </a:lnSpc>
+              <a:spcBef>
+                <a:spcPts val="500"/>
+              </a:spcBef>
+              <a:buFont typeface="Arial"/>
+              <a:buChar char="•"/>
+              <a:defRPr sz="1800" kern="1200">
+                <a:solidFill>
+                  <a:schemeClr val="tx1"/>
+                </a:solidFill>
+                <a:latin typeface="+mn-lt"/>
+                <a:ea typeface="+mn-ea"/>
+                <a:cs typeface="+mn-cs"/>
+              </a:defRPr>
+            </a:lvl8pPr>
+            <a:lvl9pPr marL="3886200" indent="-228600" algn="l" defTabSz="914400" rtl="0" eaLnBrk="1" latinLnBrk="0" hangingPunct="1">
+              <a:lnSpc>
+                <a:spcPct val="90000"/>
+              </a:lnSpc>
+              <a:spcBef>
+                <a:spcPts val="500"/>
+              </a:spcBef>
+              <a:buFont typeface="Arial"/>
+              <a:buChar char="•"/>
+              <a:defRPr sz="1800" kern="1200">
+                <a:solidFill>
+                  <a:schemeClr val="tx1"/>
+                </a:solidFill>
+                <a:latin typeface="+mn-lt"/>
+                <a:ea typeface="+mn-ea"/>
+                <a:cs typeface="+mn-cs"/>
+              </a:defRPr>
+            </a:lvl9pPr>
+          </a:lstStyle>
+          <a:p>
+            <a:pPr>
+              <a:defRPr/>
+            </a:pPr>
+            <a:r>
+              <a:rPr lang="de-DE" altLang="de-DE" sz="2000" dirty="0" smtClean="0"/>
+              <a:t>NP-schweres Problem: </a:t>
+            </a:r>
+          </a:p>
+          <a:p>
+            <a:pPr marL="457200" lvl="1" indent="0">
+              <a:buFontTx/>
+              <a:buNone/>
+              <a:defRPr/>
+            </a:pPr>
+            <a:r>
+              <a:rPr lang="de-DE" altLang="de-DE" sz="1600" dirty="0" smtClean="0"/>
+              <a:t>Es gibt keinen Algorithmus, der in </a:t>
+            </a:r>
+            <a:r>
+              <a:rPr lang="de-DE" altLang="de-DE" sz="1600" dirty="0" err="1" smtClean="0"/>
+              <a:t>polynomialer</a:t>
+            </a:r>
+            <a:r>
+              <a:rPr lang="de-DE" altLang="de-DE" sz="1600" dirty="0" smtClean="0"/>
+              <a:t> Zeit überprüfen kann, ob eine gefundene Lösung optimal ist.</a:t>
+            </a:r>
+          </a:p>
+          <a:p>
+            <a:pPr lvl="1">
+              <a:defRPr/>
+            </a:pPr>
+            <a:endParaRPr lang="de-DE" altLang="de-DE" sz="1600" dirty="0" smtClean="0">
+              <a:sym typeface="Wingdings" panose="05000000000000000000" pitchFamily="2" charset="2"/>
+            </a:endParaRPr>
+          </a:p>
+          <a:p>
+            <a:pPr lvl="1">
+              <a:defRPr/>
+            </a:pPr>
+            <a:endParaRPr lang="de-DE" altLang="de-DE" sz="1600" dirty="0" smtClean="0"/>
+          </a:p>
+        </p:txBody>
+      </p:sp>
+    </p:spTree>
+  </p:cSld>
+  <p:clrMapOvr>
+    <a:masterClrMapping/>
+  </p:clrMapOvr>
+  <p:timing>
+    <p:tnLst>
+      <p:par>
+        <p:cTn id="1" dur="indefinite" restart="never" nodeType="tmRoot"/>
+      </p:par>
+    </p:tnLst>
+  </p:timing>
+</p:sld>
+</file>
+
+<file path=ppt/slides/slide30.xml><?xml version="1.0" encoding="utf-8"?>
 <p:sld xmlns:a="http://schemas.openxmlformats.org/drawingml/2006/main" xmlns:r="http://schemas.openxmlformats.org/officeDocument/2006/relationships" xmlns:p="http://schemas.openxmlformats.org/presentationml/2006/main">
   <p:cSld>
     <p:spTree>
@@ -10886,7 +12421,7 @@
 </p:sld>
 </file>
 
-<file path=ppt/slides/slide29.xml><?xml version="1.0" encoding="utf-8"?>
+<file path=ppt/slides/slide31.xml><?xml version="1.0" encoding="utf-8"?>
 <p:sld xmlns:a="http://schemas.openxmlformats.org/drawingml/2006/main" xmlns:r="http://schemas.openxmlformats.org/officeDocument/2006/relationships" xmlns:p="http://schemas.openxmlformats.org/presentationml/2006/main">
   <p:cSld>
     <p:spTree>
@@ -12017,111 +13552,7 @@
 </p:sld>
 </file>
 
-<file path=ppt/slides/slide3.xml><?xml version="1.0" encoding="utf-8"?>
-<p:sld xmlns:a="http://schemas.openxmlformats.org/drawingml/2006/main" xmlns:r="http://schemas.openxmlformats.org/officeDocument/2006/relationships" xmlns:p="http://schemas.openxmlformats.org/presentationml/2006/main">
-  <p:cSld>
-    <p:spTree>
-      <p:nvGrpSpPr>
-        <p:cNvPr id="1" name=""/>
-        <p:cNvGrpSpPr/>
-        <p:nvPr/>
-      </p:nvGrpSpPr>
-      <p:grpSpPr>
-        <a:xfrm>
-          <a:off x="0" y="0"/>
-          <a:ext cx="0" cy="0"/>
-          <a:chOff x="0" y="0"/>
-          <a:chExt cx="0" cy="0"/>
-        </a:xfrm>
-      </p:grpSpPr>
-      <p:sp>
-        <p:nvSpPr>
-          <p:cNvPr id="17409" name="Titel 1"/>
-          <p:cNvSpPr>
-            <a:spLocks noGrp="1"/>
-          </p:cNvSpPr>
-          <p:nvPr>
-            <p:ph type="title"/>
-          </p:nvPr>
-        </p:nvSpPr>
-        <p:spPr/>
-        <p:txBody>
-          <a:bodyPr/>
-          <a:lstStyle/>
-          <a:p>
-            <a:r>
-              <a:rPr lang="de-DE" altLang="de-DE"/>
-              <a:t>Das Traveling Salesman Problem</a:t>
-            </a:r>
-          </a:p>
-        </p:txBody>
-      </p:sp>
-      <p:sp>
-        <p:nvSpPr>
-          <p:cNvPr id="4099" name="Inhaltsplatzhalter 2"/>
-          <p:cNvSpPr>
-            <a:spLocks noGrp="1" noRot="1" noChangeAspect="1" noMove="1" noResize="1" noEditPoints="1" noAdjustHandles="1" noChangeArrowheads="1" noChangeShapeType="1" noTextEdit="1"/>
-          </p:cNvSpPr>
-          <p:nvPr>
-            <p:ph idx="1"/>
-          </p:nvPr>
-        </p:nvSpPr>
-        <p:spPr bwMode="auto">
-          <a:xfrm>
-            <a:off x="628650" y="1597942"/>
-            <a:ext cx="7886700" cy="4351338"/>
-          </a:xfrm>
-          <a:blipFill rotWithShape="1">
-            <a:blip r:embed="rId2"/>
-            <a:stretch>
-              <a:fillRect l="-618" t="-560" r="-386" b="-12745"/>
-            </a:stretch>
-          </a:blipFill>
-          <a:extLst>
-            <a:ext uri="{91240B29-F687-4F45-9708-019B960494DF}">
-              <a14:hiddenLine xmlns:a14="http://schemas.microsoft.com/office/drawing/2010/main" w="9525">
-                <a:solidFill>
-                  <a:srgbClr val="000000"/>
-                </a:solidFill>
-                <a:miter lim="800000"/>
-                <a:headEnd/>
-                <a:tailEnd/>
-              </a14:hiddenLine>
-            </a:ext>
-          </a:extLst>
-        </p:spPr>
-        <p:txBody>
-          <a:bodyPr/>
-          <a:lstStyle/>
-          <a:p>
-            <a:pPr>
-              <a:defRPr/>
-            </a:pPr>
-            <a:r>
-              <a:rPr lang="de-DE">
-                <a:noFill/>
-              </a:rPr>
-              <a:t> </a:t>
-            </a:r>
-          </a:p>
-        </p:txBody>
-      </p:sp>
-    </p:spTree>
-  </p:cSld>
-  <p:clrMapOvr>
-    <a:masterClrMapping/>
-  </p:clrMapOvr>
-  <p:timing>
-    <p:tnLst>
-      <p:par>
-        <p:cTn id="1" dur="indefinite" restart="never" nodeType="tmRoot"/>
-      </p:par>
-    </p:tnLst>
-  </p:timing>
-</p:sld>
-</file>
-
-<file path=ppt/slides/slide30.xml><?xml version="1.0" encoding="utf-8"?>
+<file path=ppt/slides/slide32.xml><?xml version="1.0" encoding="utf-8"?>
 <p:sld xmlns:a="http://schemas.openxmlformats.org/drawingml/2006/main" xmlns:r="http://schemas.openxmlformats.org/officeDocument/2006/relationships" xmlns:p="http://schemas.openxmlformats.org/presentationml/2006/main">
   <p:cSld>
     <p:spTree>
@@ -15955,7 +17386,7 @@
 </p:sld>
 </file>
 
-<file path=ppt/slides/slide31.xml><?xml version="1.0" encoding="utf-8"?>
+<file path=ppt/slides/slide33.xml><?xml version="1.0" encoding="utf-8"?>
 <p:sld xmlns:a="http://schemas.openxmlformats.org/drawingml/2006/main" xmlns:r="http://schemas.openxmlformats.org/officeDocument/2006/relationships" xmlns:p="http://schemas.openxmlformats.org/presentationml/2006/main">
   <p:cSld>
     <p:spTree>
@@ -15974,7 +17405,7 @@
       </p:grpSpPr>
       <p:sp>
         <p:nvSpPr>
-          <p:cNvPr id="46081" name="Titel 1"/>
+          <p:cNvPr id="14338" name="Titel 1"/>
           <p:cNvSpPr>
             <a:spLocks noGrp="1"/>
           </p:cNvSpPr>
@@ -15988,16 +17419,24 @@
           <a:lstStyle/>
           <a:p>
             <a:r>
-              <a:rPr lang="de-DE" altLang="de-DE"/>
+              <a:rPr lang="de-DE" altLang="de-DE" dirty="0" smtClean="0"/>
               <a:t>Heuristiken</a:t>
             </a:r>
             <a:br>
-              <a:rPr lang="de-DE" altLang="de-DE"/>
+              <a:rPr lang="de-DE" altLang="de-DE" dirty="0" smtClean="0"/>
             </a:br>
             <a:r>
-              <a:rPr lang="de-DE" altLang="de-DE"/>
-              <a:t>Verbesserungsverfahren – r-optimal</a:t>
-            </a:r>
+              <a:rPr lang="de-DE" altLang="de-DE" dirty="0" smtClean="0"/>
+              <a:t>Verbesserungsverfahren – </a:t>
+            </a:r>
+            <a:r>
+              <a:rPr lang="de-DE" altLang="de-DE" dirty="0" smtClean="0"/>
+              <a:t>3-opt</a:t>
+            </a:r>
+            <a:br>
+              <a:rPr lang="de-DE" altLang="de-DE" dirty="0" smtClean="0"/>
+            </a:br>
+            <a:endParaRPr lang="de-DE" altLang="de-DE" dirty="0" smtClean="0"/>
           </a:p>
         </p:txBody>
       </p:sp>
@@ -16013,9 +17452,10 @@
         </p:nvSpPr>
         <p:spPr bwMode="auto">
           <a:xfrm>
-            <a:off x="628650" y="1268413"/>
-            <a:ext cx="8335963" cy="5113337"/>
+            <a:off x="628650" y="1268760"/>
+            <a:ext cx="8335838" cy="5112568"/>
           </a:xfrm>
+          <a:noFill/>
           <a:extLst>
             <a:ext uri="{909E8E84-426E-40DD-AFC4-6F175D3DCCD1}">
               <a14:hiddenFill xmlns:a14="http://schemas.microsoft.com/office/drawing/2010/main">
@@ -16044,9 +17484,6 @@
           </a:bodyPr>
           <a:lstStyle/>
           <a:p>
-            <a:pPr>
-              <a:defRPr/>
-            </a:pPr>
             <a:r>
               <a:rPr lang="de-DE" altLang="de-DE" sz="2400" dirty="0"/>
               <a:t>3</a:t>
@@ -16057,9 +17494,7 @@
             </a:r>
           </a:p>
           <a:p>
-            <a:pPr lvl="1">
-              <a:defRPr/>
-            </a:pPr>
+            <a:pPr lvl="1"/>
             <a:r>
               <a:rPr lang="de-DE" altLang="de-DE" sz="2000" dirty="0" smtClean="0"/>
               <a:t>Veranschaulichung:</a:t>
@@ -16067,151 +17502,305 @@
           </a:p>
           <a:p>
             <a:pPr marL="457200" lvl="1" indent="0">
+              <a:buNone/>
+            </a:pPr>
+            <a:r>
+              <a:rPr lang="de-DE" altLang="de-DE" sz="1200" dirty="0"/>
+              <a:t>	 </a:t>
+            </a:r>
+            <a:r>
+              <a:rPr lang="de-DE" altLang="de-DE" sz="1200" dirty="0" smtClean="0"/>
+              <a:t>        </a:t>
+            </a:r>
+          </a:p>
+          <a:p>
+            <a:pPr marL="457200" lvl="1" indent="0">
+              <a:buNone/>
+            </a:pPr>
+            <a:r>
+              <a:rPr lang="de-DE" altLang="de-DE" sz="1400" dirty="0" smtClean="0"/>
+              <a:t>z := 1 … n;</a:t>
+            </a:r>
+          </a:p>
+          <a:p>
+            <a:pPr marL="457200" lvl="1" indent="0">
+              <a:buNone/>
+            </a:pPr>
+            <a:endParaRPr lang="de-DE" altLang="de-DE" sz="1400" dirty="0"/>
+          </a:p>
+          <a:p>
+            <a:pPr marL="457200" lvl="1" indent="0">
+              <a:buNone/>
+            </a:pPr>
+            <a:r>
+              <a:rPr lang="de-DE" altLang="de-DE" sz="1400" dirty="0" smtClean="0"/>
+              <a:t>Rotation:</a:t>
+            </a:r>
+            <a:r>
+              <a:rPr lang="de-DE" altLang="de-DE" sz="1400" dirty="0" smtClean="0"/>
+              <a:t> [</a:t>
+            </a:r>
+            <a:r>
+              <a:rPr lang="de-DE" sz="1400" dirty="0" smtClean="0"/>
+              <a:t>v</a:t>
+            </a:r>
+            <a:r>
+              <a:rPr lang="de-DE" sz="1400" baseline="-25000" dirty="0" smtClean="0"/>
+              <a:t>1</a:t>
+            </a:r>
+            <a:r>
+              <a:rPr lang="de-DE" sz="1400" dirty="0" smtClean="0"/>
+              <a:t>,…, </a:t>
+            </a:r>
+            <a:r>
+              <a:rPr lang="de-DE" sz="1400" dirty="0" err="1" smtClean="0"/>
+              <a:t>v</a:t>
+            </a:r>
+            <a:r>
+              <a:rPr lang="de-DE" sz="1400" baseline="-25000" dirty="0" err="1" smtClean="0"/>
+              <a:t>n</a:t>
+            </a:r>
+            <a:r>
+              <a:rPr lang="de-DE" sz="1400" dirty="0" smtClean="0"/>
+              <a:t>,</a:t>
+            </a:r>
+            <a:r>
+              <a:rPr lang="de-DE" sz="1400" baseline="-25000" dirty="0" smtClean="0"/>
+              <a:t> </a:t>
+            </a:r>
+            <a:r>
+              <a:rPr lang="de-DE" sz="1400" dirty="0" smtClean="0"/>
+              <a:t>v</a:t>
+            </a:r>
+            <a:r>
+              <a:rPr lang="de-DE" sz="1400" baseline="-25000" dirty="0" smtClean="0"/>
+              <a:t>1</a:t>
+            </a:r>
+            <a:r>
+              <a:rPr lang="de-DE" altLang="de-DE" sz="1400" dirty="0" smtClean="0"/>
+              <a:t>] := [</a:t>
+            </a:r>
+            <a:r>
+              <a:rPr lang="de-DE" sz="1400" dirty="0" err="1" smtClean="0"/>
+              <a:t>v</a:t>
+            </a:r>
+            <a:r>
+              <a:rPr lang="de-DE" sz="1400" baseline="-25000" dirty="0" err="1" smtClean="0"/>
+              <a:t>n</a:t>
+            </a:r>
+            <a:r>
+              <a:rPr lang="de-DE" sz="1400" baseline="-25000" dirty="0" smtClean="0"/>
+              <a:t> , </a:t>
+            </a:r>
+            <a:r>
+              <a:rPr lang="de-DE" sz="1400" dirty="0" smtClean="0"/>
+              <a:t>v</a:t>
+            </a:r>
+            <a:r>
+              <a:rPr lang="de-DE" sz="1400" baseline="-25000" dirty="0" smtClean="0"/>
+              <a:t>1</a:t>
+            </a:r>
+            <a:r>
+              <a:rPr lang="de-DE" sz="1400" dirty="0" smtClean="0"/>
+              <a:t>,…, v</a:t>
+            </a:r>
+            <a:r>
+              <a:rPr lang="de-DE" sz="1400" baseline="-25000" dirty="0" smtClean="0"/>
+              <a:t>n-1</a:t>
+            </a:r>
+            <a:r>
+              <a:rPr lang="de-DE" sz="1400" dirty="0" smtClean="0"/>
+              <a:t>,</a:t>
+            </a:r>
+            <a:r>
+              <a:rPr lang="de-DE" sz="1400" baseline="-25000" dirty="0" smtClean="0"/>
+              <a:t> </a:t>
+            </a:r>
+            <a:r>
+              <a:rPr lang="de-DE" sz="1400" dirty="0" err="1" smtClean="0"/>
+              <a:t>v</a:t>
+            </a:r>
+            <a:r>
+              <a:rPr lang="de-DE" sz="1400" baseline="-25000" dirty="0" err="1" smtClean="0"/>
+              <a:t>n</a:t>
+            </a:r>
+            <a:r>
+              <a:rPr lang="de-DE" altLang="de-DE" sz="1400" dirty="0" smtClean="0"/>
+              <a:t>];</a:t>
+            </a:r>
+          </a:p>
+          <a:p>
+            <a:pPr marL="457200" lvl="1" indent="0">
+              <a:buNone/>
+            </a:pPr>
+            <a:endParaRPr lang="de-DE" altLang="de-DE" sz="1400" dirty="0"/>
+          </a:p>
+          <a:p>
+            <a:pPr marL="457200" lvl="1" indent="0">
+              <a:buNone/>
+            </a:pPr>
+            <a:r>
+              <a:rPr lang="de-DE" altLang="de-DE" sz="1400" dirty="0" smtClean="0"/>
+              <a:t>Rotation der Rundreise um eine Position gegen den Uhrzeigersinn. </a:t>
+            </a:r>
+          </a:p>
+          <a:p>
+            <a:pPr marL="457200" lvl="1" indent="0">
+              <a:buNone/>
+            </a:pPr>
+            <a:r>
+              <a:rPr lang="de-DE" altLang="de-DE" sz="1400" dirty="0" smtClean="0">
+                <a:sym typeface="Wingdings" panose="05000000000000000000" pitchFamily="2" charset="2"/>
+              </a:rPr>
+              <a:t> Zähler um eins erhöhen</a:t>
+            </a:r>
+            <a:endParaRPr lang="de-DE" altLang="de-DE" sz="1400" dirty="0" smtClean="0"/>
+          </a:p>
+          <a:p>
+            <a:pPr marL="457200" lvl="1" indent="0">
+              <a:buNone/>
+            </a:pPr>
+            <a:endParaRPr lang="de-DE" altLang="de-DE" sz="2000" dirty="0"/>
+          </a:p>
+          <a:p>
+            <a:pPr marL="457200" lvl="1" indent="0">
+              <a:buNone/>
+            </a:pPr>
+            <a:r>
+              <a:rPr lang="de-DE" altLang="de-DE" sz="1400" dirty="0" smtClean="0"/>
+              <a:t>Wurden alle möglichen Knoten als Start- und Endknoten geprüft und bei keiner gibt es eine verbesserte Lösung so ist das Ergebnis 3-optimal!</a:t>
+            </a:r>
+            <a:endParaRPr lang="de-DE" altLang="de-DE" sz="1400" dirty="0" smtClean="0"/>
+          </a:p>
+        </p:txBody>
+      </p:sp>
+      <p:sp>
+        <p:nvSpPr>
+          <p:cNvPr id="28" name="Nach rechts gekrümmter Pfeil 27"/>
+          <p:cNvSpPr/>
+          <p:nvPr/>
+        </p:nvSpPr>
+        <p:spPr bwMode="auto">
+          <a:xfrm rot="5400000">
+            <a:off x="2195736" y="2483160"/>
+            <a:ext cx="144016" cy="576064"/>
+          </a:xfrm>
+          <a:prstGeom prst="curvedRightArrow">
+            <a:avLst/>
+          </a:prstGeom>
+          <a:solidFill>
+            <a:schemeClr val="accent1"/>
+          </a:solidFill>
+          <a:ln w="9525" cap="flat" cmpd="sng" algn="ctr">
+            <a:solidFill>
+              <a:schemeClr val="tx1"/>
+            </a:solidFill>
+            <a:prstDash val="solid"/>
+            <a:round/>
+            <a:headEnd type="none" w="med" len="med"/>
+            <a:tailEnd type="none" w="med" len="med"/>
+          </a:ln>
+          <a:effectLst/>
+          <a:extLst>
+            <a:ext uri="{AF507438-7753-43E0-B8FC-AC1667EBCBE1}">
+              <a14:hiddenEffects xmlns:a14="http://schemas.microsoft.com/office/drawing/2010/main">
+                <a:effectLst>
+                  <a:outerShdw blurRad="63500" dist="38099" dir="2700000" algn="ctr" rotWithShape="0">
+                    <a:schemeClr val="bg2">
+                      <a:alpha val="74998"/>
+                    </a:schemeClr>
+                  </a:outerShdw>
+                </a:effectLst>
+              </a14:hiddenEffects>
+            </a:ext>
+          </a:extLst>
+        </p:spPr>
+        <p:txBody>
+          <a:bodyPr vert="horz" wrap="square" lIns="91440" tIns="45720" rIns="91440" bIns="45720" numCol="1" rtlCol="0" anchor="t" anchorCtr="0" compatLnSpc="1">
+            <a:prstTxWarp prst="textNoShape">
+              <a:avLst/>
+            </a:prstTxWarp>
+          </a:bodyPr>
+          <a:lstStyle/>
+          <a:p>
+            <a:pPr marL="0" marR="0" indent="0" algn="l" defTabSz="914400" rtl="0" eaLnBrk="0" fontAlgn="base" latinLnBrk="0" hangingPunct="0">
+              <a:lnSpc>
+                <a:spcPct val="100000"/>
+              </a:lnSpc>
+              <a:spcBef>
+                <a:spcPct val="0"/>
+              </a:spcBef>
+              <a:spcAft>
+                <a:spcPct val="0"/>
+              </a:spcAft>
+              <a:buClrTx/>
+              <a:buSzTx/>
               <a:buFontTx/>
               <a:buNone/>
-              <a:defRPr/>
-            </a:pPr>
-            <a:r>
-              <a:rPr lang="de-DE" altLang="de-DE" sz="1200" dirty="0"/>
-              <a:t>	 </a:t>
-            </a:r>
-            <a:r>
-              <a:rPr lang="de-DE" altLang="de-DE" sz="1200" dirty="0" smtClean="0"/>
-              <a:t>        </a:t>
-            </a:r>
-          </a:p>
-          <a:p>
-            <a:pPr marL="457200" lvl="1" indent="0">
-              <a:buFontTx/>
-              <a:buNone/>
-              <a:defRPr/>
-            </a:pPr>
-            <a:r>
-              <a:rPr lang="de-DE" altLang="de-DE" sz="1200" dirty="0" smtClean="0"/>
-              <a:t>z := 1 … n;</a:t>
-            </a:r>
-          </a:p>
-          <a:p>
-            <a:pPr marL="457200" lvl="1" indent="0">
-              <a:buFontTx/>
-              <a:buNone/>
-              <a:defRPr/>
-            </a:pPr>
-            <a:endParaRPr lang="de-DE" altLang="de-DE" sz="1200" dirty="0"/>
-          </a:p>
-          <a:p>
-            <a:pPr marL="457200" lvl="1" indent="0">
-              <a:buFontTx/>
-              <a:buNone/>
-              <a:defRPr/>
-            </a:pPr>
-            <a:r>
-              <a:rPr lang="de-DE" altLang="de-DE" sz="1200" dirty="0" smtClean="0"/>
-              <a:t>Rotation: [</a:t>
-            </a:r>
-            <a:r>
-              <a:rPr lang="de-DE" sz="1200" dirty="0" smtClean="0"/>
-              <a:t>v</a:t>
-            </a:r>
-            <a:r>
-              <a:rPr lang="de-DE" sz="1200" baseline="-25000" dirty="0" smtClean="0"/>
-              <a:t>1</a:t>
-            </a:r>
-            <a:r>
-              <a:rPr lang="de-DE" sz="1200" dirty="0" smtClean="0"/>
-              <a:t>,…, </a:t>
-            </a:r>
-            <a:r>
-              <a:rPr lang="de-DE" sz="1200" dirty="0" err="1" smtClean="0"/>
-              <a:t>v</a:t>
-            </a:r>
-            <a:r>
-              <a:rPr lang="de-DE" sz="1200" baseline="-25000" dirty="0" err="1" smtClean="0"/>
-              <a:t>n</a:t>
-            </a:r>
-            <a:r>
-              <a:rPr lang="de-DE" sz="1200" dirty="0" smtClean="0"/>
-              <a:t>,</a:t>
-            </a:r>
-            <a:r>
-              <a:rPr lang="de-DE" sz="1200" baseline="-25000" dirty="0" smtClean="0"/>
-              <a:t> </a:t>
-            </a:r>
-            <a:r>
-              <a:rPr lang="de-DE" sz="1200" dirty="0" smtClean="0"/>
-              <a:t>v</a:t>
-            </a:r>
-            <a:r>
-              <a:rPr lang="de-DE" sz="1200" baseline="-25000" dirty="0" smtClean="0"/>
-              <a:t>1</a:t>
-            </a:r>
-            <a:r>
-              <a:rPr lang="de-DE" altLang="de-DE" sz="1200" dirty="0" smtClean="0"/>
-              <a:t>] := [</a:t>
-            </a:r>
-            <a:r>
-              <a:rPr lang="de-DE" sz="1200" dirty="0" err="1" smtClean="0"/>
-              <a:t>v</a:t>
-            </a:r>
-            <a:r>
-              <a:rPr lang="de-DE" sz="1200" baseline="-25000" dirty="0" err="1" smtClean="0"/>
-              <a:t>n</a:t>
-            </a:r>
-            <a:r>
-              <a:rPr lang="de-DE" sz="1200" baseline="-25000" dirty="0" smtClean="0"/>
-              <a:t> , </a:t>
-            </a:r>
-            <a:r>
-              <a:rPr lang="de-DE" sz="1200" dirty="0" smtClean="0"/>
-              <a:t>v</a:t>
-            </a:r>
-            <a:r>
-              <a:rPr lang="de-DE" sz="1200" baseline="-25000" dirty="0" smtClean="0"/>
-              <a:t>1</a:t>
-            </a:r>
-            <a:r>
-              <a:rPr lang="de-DE" sz="1200" dirty="0" smtClean="0"/>
-              <a:t>,…, v</a:t>
-            </a:r>
-            <a:r>
-              <a:rPr lang="de-DE" sz="1200" baseline="-25000" dirty="0" smtClean="0"/>
-              <a:t>n-1</a:t>
-            </a:r>
-            <a:r>
-              <a:rPr lang="de-DE" sz="1200" dirty="0" smtClean="0"/>
-              <a:t>,</a:t>
-            </a:r>
-            <a:r>
-              <a:rPr lang="de-DE" sz="1200" baseline="-25000" dirty="0" smtClean="0"/>
-              <a:t> </a:t>
-            </a:r>
-            <a:r>
-              <a:rPr lang="de-DE" sz="1200" dirty="0" err="1" smtClean="0"/>
-              <a:t>v</a:t>
-            </a:r>
-            <a:r>
-              <a:rPr lang="de-DE" sz="1200" baseline="-25000" dirty="0" err="1" smtClean="0"/>
-              <a:t>n</a:t>
-            </a:r>
-            <a:r>
-              <a:rPr lang="de-DE" altLang="de-DE" sz="1200" dirty="0" smtClean="0"/>
-              <a:t>];</a:t>
-            </a:r>
-          </a:p>
-          <a:p>
-            <a:pPr marL="457200" lvl="1" indent="0">
-              <a:buFontTx/>
-              <a:buNone/>
-              <a:defRPr/>
-            </a:pPr>
-            <a:r>
-              <a:rPr lang="de-DE" altLang="de-DE" sz="2000" dirty="0" smtClean="0"/>
-              <a:t>    </a:t>
-            </a:r>
+              <a:tabLst/>
+            </a:pPr>
+            <a:endParaRPr kumimoji="0" lang="de-DE" sz="2400" b="0" i="0" u="none" strike="noStrike" cap="none" normalizeH="0" baseline="0">
+              <a:ln>
+                <a:noFill/>
+              </a:ln>
+              <a:solidFill>
+                <a:schemeClr val="tx1"/>
+              </a:solidFill>
+              <a:effectLst/>
+              <a:latin typeface="Arial" charset="0"/>
+              <a:ea typeface="ＭＳ Ｐゴシック" charset="-128"/>
+            </a:endParaRPr>
           </a:p>
         </p:txBody>
       </p:sp>
+      <p:cxnSp>
+        <p:nvCxnSpPr>
+          <p:cNvPr id="30" name="Gerade Verbindung 29"/>
+          <p:cNvCxnSpPr/>
+          <p:nvPr/>
+        </p:nvCxnSpPr>
+        <p:spPr bwMode="auto">
+          <a:xfrm flipH="1" flipV="1">
+            <a:off x="2699792" y="2806283"/>
+            <a:ext cx="144016" cy="275050"/>
+          </a:xfrm>
+          <a:prstGeom prst="line">
+            <a:avLst/>
+          </a:prstGeom>
+          <a:solidFill>
+            <a:schemeClr val="accent1"/>
+          </a:solidFill>
+          <a:ln w="9525" cap="flat" cmpd="sng" algn="ctr">
+            <a:solidFill>
+              <a:srgbClr val="FF0000"/>
+            </a:solidFill>
+            <a:prstDash val="solid"/>
+            <a:round/>
+            <a:headEnd type="none" w="med" len="med"/>
+            <a:tailEnd type="none" w="med" len="med"/>
+          </a:ln>
+          <a:effectLst/>
+          <a:extLst>
+            <a:ext uri="{AF507438-7753-43E0-B8FC-AC1667EBCBE1}">
+              <a14:hiddenEffects xmlns:a14="http://schemas.microsoft.com/office/drawing/2010/main">
+                <a:effectLst>
+                  <a:outerShdw blurRad="63500" dist="38099" dir="2700000" algn="ctr" rotWithShape="0">
+                    <a:schemeClr val="bg2">
+                      <a:alpha val="74998"/>
+                    </a:schemeClr>
+                  </a:outerShdw>
+                </a:effectLst>
+              </a14:hiddenEffects>
+            </a:ext>
+          </a:extLst>
+        </p:spPr>
+      </p:cxnSp>
     </p:spTree>
+    <p:extLst>
+      <p:ext uri="{BB962C8B-B14F-4D97-AF65-F5344CB8AC3E}">
+        <p14:creationId xmlns:p14="http://schemas.microsoft.com/office/powerpoint/2010/main" val="3623324933"/>
+      </p:ext>
+    </p:extLst>
   </p:cSld>
   <p:clrMapOvr>
     <a:masterClrMapping/>
@@ -16226,7 +17815,619 @@
 </p:sld>
 </file>
 
-<file path=ppt/slides/slide32.xml><?xml version="1.0" encoding="utf-8"?>
+<file path=ppt/slides/slide34.xml><?xml version="1.0" encoding="utf-8"?>
+<p:sld xmlns:a="http://schemas.openxmlformats.org/drawingml/2006/main" xmlns:r="http://schemas.openxmlformats.org/officeDocument/2006/relationships" xmlns:p="http://schemas.openxmlformats.org/presentationml/2006/main">
+  <p:cSld>
+    <p:spTree>
+      <p:nvGrpSpPr>
+        <p:cNvPr id="1" name=""/>
+        <p:cNvGrpSpPr/>
+        <p:nvPr/>
+      </p:nvGrpSpPr>
+      <p:grpSpPr>
+        <a:xfrm>
+          <a:off x="0" y="0"/>
+          <a:ext cx="0" cy="0"/>
+          <a:chOff x="0" y="0"/>
+          <a:chExt cx="0" cy="0"/>
+        </a:xfrm>
+      </p:grpSpPr>
+      <p:sp>
+        <p:nvSpPr>
+          <p:cNvPr id="2" name="Titel 1"/>
+          <p:cNvSpPr>
+            <a:spLocks noGrp="1"/>
+          </p:cNvSpPr>
+          <p:nvPr>
+            <p:ph type="title"/>
+          </p:nvPr>
+        </p:nvSpPr>
+        <p:spPr/>
+        <p:txBody>
+          <a:bodyPr/>
+          <a:lstStyle/>
+          <a:p>
+            <a:r>
+              <a:rPr lang="de-DE" altLang="de-DE" dirty="0" smtClean="0"/>
+              <a:t>Heuristiken</a:t>
+            </a:r>
+            <a:br>
+              <a:rPr lang="de-DE" altLang="de-DE" dirty="0" smtClean="0"/>
+            </a:br>
+            <a:r>
+              <a:rPr lang="de-DE" altLang="de-DE" dirty="0" smtClean="0"/>
+              <a:t>Vergleich Best </a:t>
+            </a:r>
+            <a:r>
+              <a:rPr lang="de-DE" altLang="de-DE" dirty="0" err="1" smtClean="0"/>
+              <a:t>Successor</a:t>
+            </a:r>
+            <a:r>
+              <a:rPr lang="de-DE" altLang="de-DE" dirty="0" smtClean="0"/>
+              <a:t> (Start) &amp; 2-Opt</a:t>
+            </a:r>
+            <a:endParaRPr lang="de-DE" dirty="0"/>
+          </a:p>
+        </p:txBody>
+      </p:sp>
+      <p:pic>
+        <p:nvPicPr>
+          <p:cNvPr id="4" name="Picture 3"/>
+          <p:cNvPicPr>
+            <a:picLocks noChangeAspect="1" noChangeArrowheads="1"/>
+          </p:cNvPicPr>
+          <p:nvPr/>
+        </p:nvPicPr>
+        <p:blipFill>
+          <a:blip r:embed="rId2">
+            <a:extLst>
+              <a:ext uri="{28A0092B-C50C-407E-A947-70E740481C1C}">
+                <a14:useLocalDpi xmlns:a14="http://schemas.microsoft.com/office/drawing/2010/main" val="0"/>
+              </a:ext>
+            </a:extLst>
+          </a:blip>
+          <a:srcRect/>
+          <a:stretch>
+            <a:fillRect/>
+          </a:stretch>
+        </p:blipFill>
+        <p:spPr bwMode="auto">
+          <a:xfrm>
+            <a:off x="611560" y="1135755"/>
+            <a:ext cx="3816424" cy="5605613"/>
+          </a:xfrm>
+          <a:prstGeom prst="rect">
+            <a:avLst/>
+          </a:prstGeom>
+          <a:noFill/>
+          <a:ln>
+            <a:noFill/>
+          </a:ln>
+          <a:extLst>
+            <a:ext uri="{909E8E84-426E-40DD-AFC4-6F175D3DCCD1}">
+              <a14:hiddenFill xmlns:a14="http://schemas.microsoft.com/office/drawing/2010/main">
+                <a:solidFill>
+                  <a:schemeClr val="accent1"/>
+                </a:solidFill>
+              </a14:hiddenFill>
+            </a:ext>
+            <a:ext uri="{91240B29-F687-4F45-9708-019B960494DF}">
+              <a14:hiddenLine xmlns:a14="http://schemas.microsoft.com/office/drawing/2010/main" w="9525">
+                <a:solidFill>
+                  <a:schemeClr val="tx1"/>
+                </a:solidFill>
+                <a:miter lim="800000"/>
+                <a:headEnd/>
+                <a:tailEnd/>
+              </a14:hiddenLine>
+            </a:ext>
+          </a:extLst>
+        </p:spPr>
+      </p:pic>
+      <p:pic>
+        <p:nvPicPr>
+          <p:cNvPr id="55298" name="Picture 2"/>
+          <p:cNvPicPr>
+            <a:picLocks noChangeAspect="1" noChangeArrowheads="1"/>
+          </p:cNvPicPr>
+          <p:nvPr/>
+        </p:nvPicPr>
+        <p:blipFill>
+          <a:blip r:embed="rId3">
+            <a:extLst>
+              <a:ext uri="{28A0092B-C50C-407E-A947-70E740481C1C}">
+                <a14:useLocalDpi xmlns:a14="http://schemas.microsoft.com/office/drawing/2010/main" val="0"/>
+              </a:ext>
+            </a:extLst>
+          </a:blip>
+          <a:srcRect/>
+          <a:stretch>
+            <a:fillRect/>
+          </a:stretch>
+        </p:blipFill>
+        <p:spPr bwMode="auto">
+          <a:xfrm>
+            <a:off x="4860032" y="1133320"/>
+            <a:ext cx="3816424" cy="5682571"/>
+          </a:xfrm>
+          <a:prstGeom prst="rect">
+            <a:avLst/>
+          </a:prstGeom>
+          <a:noFill/>
+          <a:ln>
+            <a:noFill/>
+          </a:ln>
+          <a:extLst>
+            <a:ext uri="{909E8E84-426E-40DD-AFC4-6F175D3DCCD1}">
+              <a14:hiddenFill xmlns:a14="http://schemas.microsoft.com/office/drawing/2010/main">
+                <a:solidFill>
+                  <a:schemeClr val="accent1"/>
+                </a:solidFill>
+              </a14:hiddenFill>
+            </a:ext>
+            <a:ext uri="{91240B29-F687-4F45-9708-019B960494DF}">
+              <a14:hiddenLine xmlns:a14="http://schemas.microsoft.com/office/drawing/2010/main" w="9525">
+                <a:solidFill>
+                  <a:schemeClr val="tx1"/>
+                </a:solidFill>
+                <a:miter lim="800000"/>
+                <a:headEnd/>
+                <a:tailEnd/>
+              </a14:hiddenLine>
+            </a:ext>
+          </a:extLst>
+        </p:spPr>
+      </p:pic>
+      <p:sp>
+        <p:nvSpPr>
+          <p:cNvPr id="6" name="Rechteck 5"/>
+          <p:cNvSpPr/>
+          <p:nvPr/>
+        </p:nvSpPr>
+        <p:spPr bwMode="auto">
+          <a:xfrm>
+            <a:off x="5508104" y="5877272"/>
+            <a:ext cx="2808312" cy="648072"/>
+          </a:xfrm>
+          <a:prstGeom prst="rect">
+            <a:avLst/>
+          </a:prstGeom>
+          <a:noFill/>
+          <a:ln w="15875" cap="flat" cmpd="sng" algn="ctr">
+            <a:solidFill>
+              <a:srgbClr val="FF0000"/>
+            </a:solidFill>
+            <a:prstDash val="solid"/>
+            <a:round/>
+            <a:headEnd type="none" w="med" len="med"/>
+            <a:tailEnd type="none" w="med" len="med"/>
+          </a:ln>
+          <a:effectLst/>
+          <a:extLst/>
+        </p:spPr>
+        <p:txBody>
+          <a:bodyPr vert="horz" wrap="square" lIns="91440" tIns="45720" rIns="91440" bIns="45720" numCol="1" rtlCol="0" anchor="t" anchorCtr="0" compatLnSpc="1">
+            <a:prstTxWarp prst="textNoShape">
+              <a:avLst/>
+            </a:prstTxWarp>
+          </a:bodyPr>
+          <a:lstStyle/>
+          <a:p>
+            <a:pPr marL="0" marR="0" indent="0" algn="l" defTabSz="914400" rtl="0" eaLnBrk="0" fontAlgn="base" latinLnBrk="0" hangingPunct="0">
+              <a:lnSpc>
+                <a:spcPct val="100000"/>
+              </a:lnSpc>
+              <a:spcBef>
+                <a:spcPct val="0"/>
+              </a:spcBef>
+              <a:spcAft>
+                <a:spcPct val="0"/>
+              </a:spcAft>
+              <a:buClrTx/>
+              <a:buSzTx/>
+              <a:buFontTx/>
+              <a:buNone/>
+              <a:tabLst/>
+            </a:pPr>
+            <a:endParaRPr kumimoji="0" lang="de-DE" sz="2400" b="0" i="0" u="none" strike="noStrike" cap="none" normalizeH="0" baseline="0">
+              <a:ln>
+                <a:noFill/>
+              </a:ln>
+              <a:solidFill>
+                <a:schemeClr val="tx1"/>
+              </a:solidFill>
+              <a:effectLst/>
+              <a:latin typeface="Arial" charset="0"/>
+              <a:ea typeface="ＭＳ Ｐゴシック" charset="-128"/>
+            </a:endParaRPr>
+          </a:p>
+        </p:txBody>
+      </p:sp>
+      <p:sp>
+        <p:nvSpPr>
+          <p:cNvPr id="7" name="Rechteck 6"/>
+          <p:cNvSpPr/>
+          <p:nvPr/>
+        </p:nvSpPr>
+        <p:spPr bwMode="auto">
+          <a:xfrm>
+            <a:off x="1259632" y="5877272"/>
+            <a:ext cx="2880320" cy="648072"/>
+          </a:xfrm>
+          <a:prstGeom prst="rect">
+            <a:avLst/>
+          </a:prstGeom>
+          <a:noFill/>
+          <a:ln w="15875" cap="flat" cmpd="sng" algn="ctr">
+            <a:solidFill>
+              <a:srgbClr val="FF0000"/>
+            </a:solidFill>
+            <a:prstDash val="solid"/>
+            <a:round/>
+            <a:headEnd type="none" w="med" len="med"/>
+            <a:tailEnd type="none" w="med" len="med"/>
+          </a:ln>
+          <a:effectLst/>
+          <a:extLst/>
+        </p:spPr>
+        <p:txBody>
+          <a:bodyPr vert="horz" wrap="square" lIns="91440" tIns="45720" rIns="91440" bIns="45720" numCol="1" rtlCol="0" anchor="t" anchorCtr="0" compatLnSpc="1">
+            <a:prstTxWarp prst="textNoShape">
+              <a:avLst/>
+            </a:prstTxWarp>
+          </a:bodyPr>
+          <a:lstStyle/>
+          <a:p>
+            <a:pPr marL="0" marR="0" indent="0" algn="l" defTabSz="914400" rtl="0" eaLnBrk="0" fontAlgn="base" latinLnBrk="0" hangingPunct="0">
+              <a:lnSpc>
+                <a:spcPct val="100000"/>
+              </a:lnSpc>
+              <a:spcBef>
+                <a:spcPct val="0"/>
+              </a:spcBef>
+              <a:spcAft>
+                <a:spcPct val="0"/>
+              </a:spcAft>
+              <a:buClrTx/>
+              <a:buSzTx/>
+              <a:buFontTx/>
+              <a:buNone/>
+              <a:tabLst/>
+            </a:pPr>
+            <a:endParaRPr kumimoji="0" lang="de-DE" sz="2400" b="0" i="0" u="none" strike="noStrike" cap="none" normalizeH="0" baseline="0">
+              <a:ln>
+                <a:noFill/>
+              </a:ln>
+              <a:solidFill>
+                <a:schemeClr val="tx1"/>
+              </a:solidFill>
+              <a:effectLst/>
+              <a:latin typeface="Arial" charset="0"/>
+              <a:ea typeface="ＭＳ Ｐゴシック" charset="-128"/>
+            </a:endParaRPr>
+          </a:p>
+        </p:txBody>
+      </p:sp>
+    </p:spTree>
+    <p:extLst>
+      <p:ext uri="{BB962C8B-B14F-4D97-AF65-F5344CB8AC3E}">
+        <p14:creationId xmlns:p14="http://schemas.microsoft.com/office/powerpoint/2010/main" val="148746003"/>
+      </p:ext>
+    </p:extLst>
+  </p:cSld>
+  <p:clrMapOvr>
+    <a:masterClrMapping/>
+  </p:clrMapOvr>
+</p:sld>
+</file>
+
+<file path=ppt/slides/slide35.xml><?xml version="1.0" encoding="utf-8"?>
+<p:sld xmlns:a="http://schemas.openxmlformats.org/drawingml/2006/main" xmlns:r="http://schemas.openxmlformats.org/officeDocument/2006/relationships" xmlns:p="http://schemas.openxmlformats.org/presentationml/2006/main">
+  <p:cSld>
+    <p:spTree>
+      <p:nvGrpSpPr>
+        <p:cNvPr id="1" name=""/>
+        <p:cNvGrpSpPr/>
+        <p:nvPr/>
+      </p:nvGrpSpPr>
+      <p:grpSpPr>
+        <a:xfrm>
+          <a:off x="0" y="0"/>
+          <a:ext cx="0" cy="0"/>
+          <a:chOff x="0" y="0"/>
+          <a:chExt cx="0" cy="0"/>
+        </a:xfrm>
+      </p:grpSpPr>
+      <p:sp>
+        <p:nvSpPr>
+          <p:cNvPr id="2" name="Titel 1"/>
+          <p:cNvSpPr>
+            <a:spLocks noGrp="1"/>
+          </p:cNvSpPr>
+          <p:nvPr>
+            <p:ph type="title"/>
+          </p:nvPr>
+        </p:nvSpPr>
+        <p:spPr/>
+        <p:txBody>
+          <a:bodyPr/>
+          <a:lstStyle/>
+          <a:p>
+            <a:r>
+              <a:rPr lang="de-DE" altLang="de-DE" dirty="0" smtClean="0"/>
+              <a:t>Heuristiken</a:t>
+            </a:r>
+            <a:br>
+              <a:rPr lang="de-DE" altLang="de-DE" dirty="0" smtClean="0"/>
+            </a:br>
+            <a:r>
+              <a:rPr lang="de-DE" altLang="de-DE" dirty="0" smtClean="0"/>
+              <a:t>Vergleich Best </a:t>
+            </a:r>
+            <a:r>
+              <a:rPr lang="de-DE" altLang="de-DE" dirty="0" err="1" smtClean="0"/>
+              <a:t>Successor</a:t>
+            </a:r>
+            <a:r>
+              <a:rPr lang="de-DE" altLang="de-DE" dirty="0" smtClean="0"/>
+              <a:t> (Start) &amp; 3-Opt</a:t>
+            </a:r>
+            <a:endParaRPr lang="de-DE" dirty="0"/>
+          </a:p>
+        </p:txBody>
+      </p:sp>
+      <p:pic>
+        <p:nvPicPr>
+          <p:cNvPr id="54274" name="Picture 2"/>
+          <p:cNvPicPr>
+            <a:picLocks noChangeAspect="1" noChangeArrowheads="1"/>
+          </p:cNvPicPr>
+          <p:nvPr/>
+        </p:nvPicPr>
+        <p:blipFill>
+          <a:blip r:embed="rId2">
+            <a:extLst>
+              <a:ext uri="{28A0092B-C50C-407E-A947-70E740481C1C}">
+                <a14:useLocalDpi xmlns:a14="http://schemas.microsoft.com/office/drawing/2010/main" val="0"/>
+              </a:ext>
+            </a:extLst>
+          </a:blip>
+          <a:srcRect/>
+          <a:stretch>
+            <a:fillRect/>
+          </a:stretch>
+        </p:blipFill>
+        <p:spPr bwMode="auto">
+          <a:xfrm>
+            <a:off x="4788024" y="1091871"/>
+            <a:ext cx="3910596" cy="5649497"/>
+          </a:xfrm>
+          <a:prstGeom prst="rect">
+            <a:avLst/>
+          </a:prstGeom>
+          <a:noFill/>
+          <a:ln>
+            <a:noFill/>
+          </a:ln>
+          <a:extLst>
+            <a:ext uri="{909E8E84-426E-40DD-AFC4-6F175D3DCCD1}">
+              <a14:hiddenFill xmlns:a14="http://schemas.microsoft.com/office/drawing/2010/main">
+                <a:solidFill>
+                  <a:schemeClr val="accent1"/>
+                </a:solidFill>
+              </a14:hiddenFill>
+            </a:ext>
+            <a:ext uri="{91240B29-F687-4F45-9708-019B960494DF}">
+              <a14:hiddenLine xmlns:a14="http://schemas.microsoft.com/office/drawing/2010/main" w="9525">
+                <a:solidFill>
+                  <a:schemeClr val="tx1"/>
+                </a:solidFill>
+                <a:miter lim="800000"/>
+                <a:headEnd/>
+                <a:tailEnd/>
+              </a14:hiddenLine>
+            </a:ext>
+          </a:extLst>
+        </p:spPr>
+      </p:pic>
+      <p:pic>
+        <p:nvPicPr>
+          <p:cNvPr id="54275" name="Picture 3"/>
+          <p:cNvPicPr>
+            <a:picLocks noChangeAspect="1" noChangeArrowheads="1"/>
+          </p:cNvPicPr>
+          <p:nvPr/>
+        </p:nvPicPr>
+        <p:blipFill>
+          <a:blip r:embed="rId3">
+            <a:extLst>
+              <a:ext uri="{28A0092B-C50C-407E-A947-70E740481C1C}">
+                <a14:useLocalDpi xmlns:a14="http://schemas.microsoft.com/office/drawing/2010/main" val="0"/>
+              </a:ext>
+            </a:extLst>
+          </a:blip>
+          <a:srcRect/>
+          <a:stretch>
+            <a:fillRect/>
+          </a:stretch>
+        </p:blipFill>
+        <p:spPr bwMode="auto">
+          <a:xfrm>
+            <a:off x="539552" y="1135755"/>
+            <a:ext cx="3816424" cy="5605613"/>
+          </a:xfrm>
+          <a:prstGeom prst="rect">
+            <a:avLst/>
+          </a:prstGeom>
+          <a:noFill/>
+          <a:ln>
+            <a:noFill/>
+          </a:ln>
+          <a:extLst>
+            <a:ext uri="{909E8E84-426E-40DD-AFC4-6F175D3DCCD1}">
+              <a14:hiddenFill xmlns:a14="http://schemas.microsoft.com/office/drawing/2010/main">
+                <a:solidFill>
+                  <a:schemeClr val="accent1"/>
+                </a:solidFill>
+              </a14:hiddenFill>
+            </a:ext>
+            <a:ext uri="{91240B29-F687-4F45-9708-019B960494DF}">
+              <a14:hiddenLine xmlns:a14="http://schemas.microsoft.com/office/drawing/2010/main" w="9525">
+                <a:solidFill>
+                  <a:schemeClr val="tx1"/>
+                </a:solidFill>
+                <a:miter lim="800000"/>
+                <a:headEnd/>
+                <a:tailEnd/>
+              </a14:hiddenLine>
+            </a:ext>
+          </a:extLst>
+        </p:spPr>
+      </p:pic>
+      <p:sp>
+        <p:nvSpPr>
+          <p:cNvPr id="3" name="Rechteck 2"/>
+          <p:cNvSpPr/>
+          <p:nvPr/>
+        </p:nvSpPr>
+        <p:spPr bwMode="auto">
+          <a:xfrm>
+            <a:off x="5508104" y="5877272"/>
+            <a:ext cx="2808312" cy="648072"/>
+          </a:xfrm>
+          <a:prstGeom prst="rect">
+            <a:avLst/>
+          </a:prstGeom>
+          <a:noFill/>
+          <a:ln w="15875" cap="flat" cmpd="sng" algn="ctr">
+            <a:solidFill>
+              <a:srgbClr val="FF0000"/>
+            </a:solidFill>
+            <a:prstDash val="solid"/>
+            <a:round/>
+            <a:headEnd type="none" w="med" len="med"/>
+            <a:tailEnd type="none" w="med" len="med"/>
+          </a:ln>
+          <a:effectLst/>
+          <a:extLst/>
+        </p:spPr>
+        <p:txBody>
+          <a:bodyPr vert="horz" wrap="square" lIns="91440" tIns="45720" rIns="91440" bIns="45720" numCol="1" rtlCol="0" anchor="t" anchorCtr="0" compatLnSpc="1">
+            <a:prstTxWarp prst="textNoShape">
+              <a:avLst/>
+            </a:prstTxWarp>
+          </a:bodyPr>
+          <a:lstStyle/>
+          <a:p>
+            <a:pPr marL="0" marR="0" indent="0" algn="l" defTabSz="914400" rtl="0" eaLnBrk="0" fontAlgn="base" latinLnBrk="0" hangingPunct="0">
+              <a:lnSpc>
+                <a:spcPct val="100000"/>
+              </a:lnSpc>
+              <a:spcBef>
+                <a:spcPct val="0"/>
+              </a:spcBef>
+              <a:spcAft>
+                <a:spcPct val="0"/>
+              </a:spcAft>
+              <a:buClrTx/>
+              <a:buSzTx/>
+              <a:buFontTx/>
+              <a:buNone/>
+              <a:tabLst/>
+            </a:pPr>
+            <a:endParaRPr kumimoji="0" lang="de-DE" sz="2400" b="0" i="0" u="none" strike="noStrike" cap="none" normalizeH="0" baseline="0">
+              <a:ln>
+                <a:noFill/>
+              </a:ln>
+              <a:solidFill>
+                <a:schemeClr val="tx1"/>
+              </a:solidFill>
+              <a:effectLst/>
+              <a:latin typeface="Arial" charset="0"/>
+              <a:ea typeface="ＭＳ Ｐゴシック" charset="-128"/>
+            </a:endParaRPr>
+          </a:p>
+        </p:txBody>
+      </p:sp>
+      <p:sp>
+        <p:nvSpPr>
+          <p:cNvPr id="6" name="Rechteck 5"/>
+          <p:cNvSpPr/>
+          <p:nvPr/>
+        </p:nvSpPr>
+        <p:spPr bwMode="auto">
+          <a:xfrm>
+            <a:off x="1187624" y="5820241"/>
+            <a:ext cx="2952328" cy="648072"/>
+          </a:xfrm>
+          <a:prstGeom prst="rect">
+            <a:avLst/>
+          </a:prstGeom>
+          <a:noFill/>
+          <a:ln w="15875" cap="flat" cmpd="sng" algn="ctr">
+            <a:solidFill>
+              <a:srgbClr val="FF0000"/>
+            </a:solidFill>
+            <a:prstDash val="solid"/>
+            <a:round/>
+            <a:headEnd type="none" w="med" len="med"/>
+            <a:tailEnd type="none" w="med" len="med"/>
+          </a:ln>
+          <a:effectLst/>
+          <a:extLst/>
+        </p:spPr>
+        <p:txBody>
+          <a:bodyPr vert="horz" wrap="square" lIns="91440" tIns="45720" rIns="91440" bIns="45720" numCol="1" rtlCol="0" anchor="t" anchorCtr="0" compatLnSpc="1">
+            <a:prstTxWarp prst="textNoShape">
+              <a:avLst/>
+            </a:prstTxWarp>
+          </a:bodyPr>
+          <a:lstStyle/>
+          <a:p>
+            <a:pPr marL="0" marR="0" indent="0" algn="l" defTabSz="914400" rtl="0" eaLnBrk="0" fontAlgn="base" latinLnBrk="0" hangingPunct="0">
+              <a:lnSpc>
+                <a:spcPct val="100000"/>
+              </a:lnSpc>
+              <a:spcBef>
+                <a:spcPct val="0"/>
+              </a:spcBef>
+              <a:spcAft>
+                <a:spcPct val="0"/>
+              </a:spcAft>
+              <a:buClrTx/>
+              <a:buSzTx/>
+              <a:buFontTx/>
+              <a:buNone/>
+              <a:tabLst/>
+            </a:pPr>
+            <a:endParaRPr kumimoji="0" lang="de-DE" sz="2400" b="0" i="0" u="none" strike="noStrike" cap="none" normalizeH="0" baseline="0">
+              <a:ln>
+                <a:noFill/>
+              </a:ln>
+              <a:solidFill>
+                <a:schemeClr val="tx1"/>
+              </a:solidFill>
+              <a:effectLst/>
+              <a:latin typeface="Arial" charset="0"/>
+              <a:ea typeface="ＭＳ Ｐゴシック" charset="-128"/>
+            </a:endParaRPr>
+          </a:p>
+        </p:txBody>
+      </p:sp>
+    </p:spTree>
+    <p:extLst>
+      <p:ext uri="{BB962C8B-B14F-4D97-AF65-F5344CB8AC3E}">
+        <p14:creationId xmlns:p14="http://schemas.microsoft.com/office/powerpoint/2010/main" val="12274945"/>
+      </p:ext>
+    </p:extLst>
+  </p:cSld>
+  <p:clrMapOvr>
+    <a:masterClrMapping/>
+  </p:clrMapOvr>
+</p:sld>
+</file>
+
+<file path=ppt/slides/slide36.xml><?xml version="1.0" encoding="utf-8"?>
 <p:sld xmlns:a="http://schemas.openxmlformats.org/drawingml/2006/main" xmlns:r="http://schemas.openxmlformats.org/officeDocument/2006/relationships" xmlns:p="http://schemas.openxmlformats.org/presentationml/2006/main">
   <p:cSld>
     <p:spTree>
@@ -16735,7 +18936,7 @@
 </p:sld>
 </file>
 
-<file path=ppt/slides/slide33.xml><?xml version="1.0" encoding="utf-8"?>
+<file path=ppt/slides/slide37.xml><?xml version="1.0" encoding="utf-8"?>
 <p:sld xmlns:a="http://schemas.openxmlformats.org/drawingml/2006/main" xmlns:r="http://schemas.openxmlformats.org/officeDocument/2006/relationships" xmlns:p="http://schemas.openxmlformats.org/presentationml/2006/main">
   <p:cSld>
     <p:spTree>
@@ -16836,6 +19037,60 @@
           </a:p>
         </p:txBody>
       </p:sp>
+      <p:pic>
+        <p:nvPicPr>
+          <p:cNvPr id="4" name="Picture 3"/>
+          <p:cNvPicPr>
+            <a:picLocks noChangeAspect="1" noChangeArrowheads="1"/>
+          </p:cNvPicPr>
+          <p:nvPr/>
+        </p:nvPicPr>
+        <p:blipFill>
+          <a:blip r:embed="rId2">
+            <a:extLst>
+              <a:ext uri="{28A0092B-C50C-407E-A947-70E740481C1C}">
+                <a14:useLocalDpi xmlns:a14="http://schemas.microsoft.com/office/drawing/2010/main" val="0"/>
+              </a:ext>
+            </a:extLst>
+          </a:blip>
+          <a:srcRect/>
+          <a:stretch>
+            <a:fillRect/>
+          </a:stretch>
+        </p:blipFill>
+        <p:spPr bwMode="auto">
+          <a:xfrm>
+            <a:off x="1619672" y="1330423"/>
+            <a:ext cx="5918200" cy="5092700"/>
+          </a:xfrm>
+          <a:prstGeom prst="rect">
+            <a:avLst/>
+          </a:prstGeom>
+          <a:noFill/>
+          <a:ln>
+            <a:noFill/>
+          </a:ln>
+          <a:extLst>
+            <a:ext uri="{909E8E84-426E-40DD-AFC4-6F175D3DCCD1}">
+              <a14:hiddenFill xmlns:a14="http://schemas.microsoft.com/office/drawing/2010/main">
+                <a:solidFill>
+                  <a:schemeClr val="accent1"/>
+                </a:solidFill>
+              </a14:hiddenFill>
+            </a:ext>
+            <a:ext uri="{91240B29-F687-4F45-9708-019B960494DF}">
+              <a14:hiddenLine xmlns:a14="http://schemas.microsoft.com/office/drawing/2010/main" w="9525">
+                <a:solidFill>
+                  <a:schemeClr val="tx1"/>
+                </a:solidFill>
+                <a:miter lim="800000"/>
+                <a:headEnd/>
+                <a:tailEnd/>
+              </a14:hiddenLine>
+            </a:ext>
+          </a:extLst>
+        </p:spPr>
+      </p:pic>
     </p:spTree>
   </p:cSld>
   <p:clrMapOvr>
@@ -16851,114 +19106,7 @@
 </p:sld>
 </file>
 
-<file path=ppt/slides/slide34.xml><?xml version="1.0" encoding="utf-8"?>
-<p:sld xmlns:a="http://schemas.openxmlformats.org/drawingml/2006/main" xmlns:r="http://schemas.openxmlformats.org/officeDocument/2006/relationships" xmlns:p="http://schemas.openxmlformats.org/presentationml/2006/main">
-  <p:cSld>
-    <p:spTree>
-      <p:nvGrpSpPr>
-        <p:cNvPr id="1" name=""/>
-        <p:cNvGrpSpPr/>
-        <p:nvPr/>
-      </p:nvGrpSpPr>
-      <p:grpSpPr>
-        <a:xfrm>
-          <a:off x="0" y="0"/>
-          <a:ext cx="0" cy="0"/>
-          <a:chOff x="0" y="0"/>
-          <a:chExt cx="0" cy="0"/>
-        </a:xfrm>
-      </p:grpSpPr>
-      <p:sp>
-        <p:nvSpPr>
-          <p:cNvPr id="49153" name="Titel 1"/>
-          <p:cNvSpPr>
-            <a:spLocks noGrp="1"/>
-          </p:cNvSpPr>
-          <p:nvPr>
-            <p:ph type="title"/>
-          </p:nvPr>
-        </p:nvSpPr>
-        <p:spPr/>
-        <p:txBody>
-          <a:bodyPr/>
-          <a:lstStyle/>
-          <a:p>
-            <a:r>
-              <a:rPr lang="de-DE" altLang="de-DE"/>
-              <a:t>Quellen</a:t>
-            </a:r>
-          </a:p>
-        </p:txBody>
-      </p:sp>
-      <p:sp>
-        <p:nvSpPr>
-          <p:cNvPr id="49154" name="Inhaltsplatzhalter 2"/>
-          <p:cNvSpPr>
-            <a:spLocks noGrp="1"/>
-          </p:cNvSpPr>
-          <p:nvPr>
-            <p:ph idx="1"/>
-          </p:nvPr>
-        </p:nvSpPr>
-        <p:spPr bwMode="auto">
-          <a:noFill/>
-          <a:extLst>
-            <a:ext uri="{909E8E84-426E-40DD-AFC4-6F175D3DCCD1}">
-              <a14:hiddenFill xmlns:a14="http://schemas.microsoft.com/office/drawing/2010/main">
-                <a:solidFill>
-                  <a:srgbClr val="FFFFFF"/>
-                </a:solidFill>
-              </a14:hiddenFill>
-            </a:ext>
-            <a:ext uri="{91240B29-F687-4F45-9708-019B960494DF}">
-              <a14:hiddenLine xmlns:a14="http://schemas.microsoft.com/office/drawing/2010/main" w="9525">
-                <a:solidFill>
-                  <a:srgbClr val="000000"/>
-                </a:solidFill>
-                <a:miter lim="800000"/>
-                <a:headEnd/>
-                <a:tailEnd/>
-              </a14:hiddenLine>
-            </a:ext>
-          </a:extLst>
-        </p:spPr>
-        <p:txBody>
-          <a:bodyPr vert="horz" wrap="square" lIns="91440" tIns="45720" rIns="91440" bIns="45720" numCol="1" anchor="t" anchorCtr="0" compatLnSpc="1">
-            <a:prstTxWarp prst="textNoShape">
-              <a:avLst/>
-            </a:prstTxWarp>
-          </a:bodyPr>
-          <a:lstStyle/>
-          <a:p>
-            <a:r>
-              <a:rPr lang="de-DE" altLang="de-DE"/>
-              <a:t>Buch</a:t>
-            </a:r>
-          </a:p>
-          <a:p>
-            <a:r>
-              <a:rPr lang="de-DE" altLang="de-DE"/>
-              <a:t>PDFs</a:t>
-            </a:r>
-          </a:p>
-        </p:txBody>
-      </p:sp>
-    </p:spTree>
-  </p:cSld>
-  <p:clrMapOvr>
-    <a:masterClrMapping/>
-  </p:clrMapOvr>
-  <p:timing>
-    <p:tnLst>
-      <p:par>
-        <p:cTn id="1" dur="indefinite" restart="never" nodeType="tmRoot"/>
-      </p:par>
-    </p:tnLst>
-  </p:timing>
-</p:sld>
-</file>
-
-<file path=ppt/slides/slide35.xml><?xml version="1.0" encoding="utf-8"?>
+<file path=ppt/slides/slide38.xml><?xml version="1.0" encoding="utf-8"?>
 <p:sld xmlns:a="http://schemas.openxmlformats.org/drawingml/2006/main" xmlns:r="http://schemas.openxmlformats.org/officeDocument/2006/relationships" xmlns:p="http://schemas.openxmlformats.org/presentationml/2006/main">
   <p:cSld>
     <p:spTree>
@@ -17065,340 +19213,6 @@
             <a:r>
               <a:rPr lang="de-DE" altLang="de-DE"/>
               <a:t>	Vielen Dank für Ihre Aufmerksamkeit</a:t>
-            </a:r>
-          </a:p>
-        </p:txBody>
-      </p:sp>
-    </p:spTree>
-  </p:cSld>
-  <p:clrMapOvr>
-    <a:masterClrMapping/>
-  </p:clrMapOvr>
-  <p:timing>
-    <p:tnLst>
-      <p:par>
-        <p:cTn id="1" dur="indefinite" restart="never" nodeType="tmRoot"/>
-      </p:par>
-    </p:tnLst>
-  </p:timing>
-</p:sld>
-</file>
-
-<file path=ppt/slides/slide36.xml><?xml version="1.0" encoding="utf-8"?>
-<p:sld xmlns:a="http://schemas.openxmlformats.org/drawingml/2006/main" xmlns:r="http://schemas.openxmlformats.org/officeDocument/2006/relationships" xmlns:p="http://schemas.openxmlformats.org/presentationml/2006/main">
-  <p:cSld>
-    <p:spTree>
-      <p:nvGrpSpPr>
-        <p:cNvPr id="1" name=""/>
-        <p:cNvGrpSpPr/>
-        <p:nvPr/>
-      </p:nvGrpSpPr>
-      <p:grpSpPr>
-        <a:xfrm>
-          <a:off x="0" y="0"/>
-          <a:ext cx="0" cy="0"/>
-          <a:chOff x="0" y="0"/>
-          <a:chExt cx="0" cy="0"/>
-        </a:xfrm>
-      </p:grpSpPr>
-      <p:sp>
-        <p:nvSpPr>
-          <p:cNvPr id="51201" name="Titel 1"/>
-          <p:cNvSpPr>
-            <a:spLocks noGrp="1"/>
-          </p:cNvSpPr>
-          <p:nvPr>
-            <p:ph type="title"/>
-          </p:nvPr>
-        </p:nvSpPr>
-        <p:spPr/>
-        <p:txBody>
-          <a:bodyPr/>
-          <a:lstStyle/>
-          <a:p>
-            <a:r>
-              <a:rPr lang="de-DE" altLang="de-DE"/>
-              <a:t>Heuristiken</a:t>
-            </a:r>
-            <a:br>
-              <a:rPr lang="de-DE" altLang="de-DE"/>
-            </a:br>
-            <a:r>
-              <a:rPr lang="de-DE" altLang="de-DE"/>
-              <a:t>Eröffnungsverfahren - Christofides</a:t>
-            </a:r>
-          </a:p>
-        </p:txBody>
-      </p:sp>
-      <p:sp>
-        <p:nvSpPr>
-          <p:cNvPr id="8195" name="Inhaltsplatzhalter 2"/>
-          <p:cNvSpPr>
-            <a:spLocks noGrp="1" noRot="1" noChangeAspect="1" noMove="1" noResize="1" noEditPoints="1" noAdjustHandles="1" noChangeArrowheads="1" noChangeShapeType="1" noTextEdit="1"/>
-          </p:cNvSpPr>
-          <p:nvPr>
-            <p:ph idx="1"/>
-          </p:nvPr>
-        </p:nvSpPr>
-        <p:spPr bwMode="auto">
-          <a:xfrm>
-            <a:off x="628650" y="1825625"/>
-            <a:ext cx="8191822" cy="4351338"/>
-          </a:xfrm>
-          <a:blipFill rotWithShape="1">
-            <a:blip r:embed="rId2"/>
-            <a:stretch>
-              <a:fillRect l="-967" t="-980" r="-372"/>
-            </a:stretch>
-          </a:blipFill>
-          <a:extLst>
-            <a:ext uri="{91240B29-F687-4F45-9708-019B960494DF}">
-              <a14:hiddenLine xmlns:a14="http://schemas.microsoft.com/office/drawing/2010/main" w="9525">
-                <a:solidFill>
-                  <a:srgbClr val="000000"/>
-                </a:solidFill>
-                <a:miter lim="800000"/>
-                <a:headEnd/>
-                <a:tailEnd/>
-              </a14:hiddenLine>
-            </a:ext>
-          </a:extLst>
-        </p:spPr>
-        <p:txBody>
-          <a:bodyPr/>
-          <a:lstStyle/>
-          <a:p>
-            <a:pPr>
-              <a:defRPr/>
-            </a:pPr>
-            <a:r>
-              <a:rPr lang="de-DE" dirty="0">
-                <a:noFill/>
-              </a:rPr>
-              <a:t> </a:t>
-            </a:r>
-          </a:p>
-        </p:txBody>
-      </p:sp>
-    </p:spTree>
-  </p:cSld>
-  <p:clrMapOvr>
-    <a:masterClrMapping/>
-  </p:clrMapOvr>
-  <p:timing>
-    <p:tnLst>
-      <p:par>
-        <p:cTn id="1" dur="indefinite" restart="never" nodeType="tmRoot"/>
-      </p:par>
-    </p:tnLst>
-  </p:timing>
-</p:sld>
-</file>
-
-<file path=ppt/slides/slide37.xml><?xml version="1.0" encoding="utf-8"?>
-<p:sld xmlns:a="http://schemas.openxmlformats.org/drawingml/2006/main" xmlns:r="http://schemas.openxmlformats.org/officeDocument/2006/relationships" xmlns:p="http://schemas.openxmlformats.org/presentationml/2006/main">
-  <p:cSld>
-    <p:spTree>
-      <p:nvGrpSpPr>
-        <p:cNvPr id="1" name=""/>
-        <p:cNvGrpSpPr/>
-        <p:nvPr/>
-      </p:nvGrpSpPr>
-      <p:grpSpPr>
-        <a:xfrm>
-          <a:off x="0" y="0"/>
-          <a:ext cx="0" cy="0"/>
-          <a:chOff x="0" y="0"/>
-          <a:chExt cx="0" cy="0"/>
-        </a:xfrm>
-      </p:grpSpPr>
-      <p:sp>
-        <p:nvSpPr>
-          <p:cNvPr id="52225" name="Titel 1"/>
-          <p:cNvSpPr>
-            <a:spLocks noGrp="1"/>
-          </p:cNvSpPr>
-          <p:nvPr>
-            <p:ph type="title"/>
-          </p:nvPr>
-        </p:nvSpPr>
-        <p:spPr/>
-        <p:txBody>
-          <a:bodyPr/>
-          <a:lstStyle/>
-          <a:p>
-            <a:r>
-              <a:rPr lang="de-DE" altLang="de-DE"/>
-              <a:t>Heuristiken</a:t>
-            </a:r>
-            <a:br>
-              <a:rPr lang="de-DE" altLang="de-DE"/>
-            </a:br>
-            <a:r>
-              <a:rPr lang="de-DE" altLang="de-DE"/>
-              <a:t>Eröffnungsverfahren – Bester Nachfolger</a:t>
-            </a:r>
-          </a:p>
-        </p:txBody>
-      </p:sp>
-      <p:sp>
-        <p:nvSpPr>
-          <p:cNvPr id="8195" name="Inhaltsplatzhalter 2"/>
-          <p:cNvSpPr>
-            <a:spLocks noGrp="1"/>
-          </p:cNvSpPr>
-          <p:nvPr>
-            <p:ph idx="1"/>
-          </p:nvPr>
-        </p:nvSpPr>
-        <p:spPr bwMode="auto">
-          <a:xfrm>
-            <a:off x="628650" y="1484313"/>
-            <a:ext cx="7886700" cy="4351337"/>
-          </a:xfrm>
-          <a:extLst>
-            <a:ext uri="{909E8E84-426E-40DD-AFC4-6F175D3DCCD1}">
-              <a14:hiddenFill xmlns:a14="http://schemas.microsoft.com/office/drawing/2010/main">
-                <a:solidFill>
-                  <a:srgbClr val="FFFFFF"/>
-                </a:solidFill>
-              </a14:hiddenFill>
-            </a:ext>
-            <a:ext uri="{91240B29-F687-4F45-9708-019B960494DF}">
-              <a14:hiddenLine xmlns:a14="http://schemas.microsoft.com/office/drawing/2010/main" w="9525">
-                <a:solidFill>
-                  <a:srgbClr val="000000"/>
-                </a:solidFill>
-                <a:miter lim="800000"/>
-                <a:headEnd/>
-                <a:tailEnd/>
-              </a14:hiddenLine>
-            </a:ext>
-          </a:extLst>
-        </p:spPr>
-        <p:txBody>
-          <a:bodyPr vert="horz" wrap="square" lIns="91440" tIns="45720" rIns="91440" bIns="45720" numCol="1" anchor="t" anchorCtr="0" compatLnSpc="1">
-            <a:prstTxWarp prst="textNoShape">
-              <a:avLst/>
-            </a:prstTxWarp>
-          </a:bodyPr>
-          <a:lstStyle/>
-          <a:p>
-            <a:pPr>
-              <a:defRPr/>
-            </a:pPr>
-            <a:r>
-              <a:rPr lang="de-DE" altLang="de-DE" sz="2400" dirty="0" smtClean="0"/>
-              <a:t>Eröffnungsverfahren:</a:t>
-            </a:r>
-          </a:p>
-          <a:p>
-            <a:pPr marL="742950" lvl="2" indent="-342900">
-              <a:defRPr/>
-            </a:pPr>
-            <a:r>
-              <a:rPr lang="de-DE" altLang="de-DE" sz="1600" dirty="0" smtClean="0"/>
-              <a:t>Konstruktion einer (ersten) zulässigen Lösung</a:t>
-            </a:r>
-          </a:p>
-          <a:p>
-            <a:pPr>
-              <a:defRPr/>
-            </a:pPr>
-            <a:endParaRPr lang="de-DE" altLang="de-DE" sz="2400" dirty="0" smtClean="0"/>
-          </a:p>
-          <a:p>
-            <a:pPr>
-              <a:defRPr/>
-            </a:pPr>
-            <a:r>
-              <a:rPr lang="de-DE" altLang="de-DE" sz="2400" dirty="0" smtClean="0"/>
-              <a:t>Bester Nachfolger (Übung):</a:t>
-            </a:r>
-          </a:p>
-          <a:p>
-            <a:pPr lvl="1">
-              <a:defRPr/>
-            </a:pPr>
-            <a:r>
-              <a:rPr lang="de-DE" altLang="de-DE" sz="2000" dirty="0" smtClean="0"/>
-              <a:t>Voraussetzungen:</a:t>
-            </a:r>
-          </a:p>
-          <a:p>
-            <a:pPr lvl="2">
-              <a:defRPr/>
-            </a:pPr>
-            <a:r>
-              <a:rPr lang="de-DE" altLang="de-DE" sz="1600" dirty="0" err="1" smtClean="0"/>
-              <a:t>Ungerichteter</a:t>
-            </a:r>
-            <a:r>
-              <a:rPr lang="de-DE" altLang="de-DE" sz="1600" dirty="0" smtClean="0"/>
-              <a:t>, vollständiger, schlichter, bewerteter Graph G mit n Knoten</a:t>
-            </a:r>
-          </a:p>
-          <a:p>
-            <a:pPr lvl="2">
-              <a:defRPr/>
-            </a:pPr>
-            <a:r>
-              <a:rPr lang="de-DE" altLang="de-DE" sz="1600" dirty="0" smtClean="0"/>
-              <a:t>Startknoten v1</a:t>
-            </a:r>
-          </a:p>
-          <a:p>
-            <a:pPr lvl="1">
-              <a:defRPr/>
-            </a:pPr>
-            <a:r>
-              <a:rPr lang="de-DE" altLang="de-DE" sz="2000" dirty="0" smtClean="0"/>
-              <a:t>Vorgehen:</a:t>
-            </a:r>
-          </a:p>
-          <a:p>
-            <a:pPr lvl="2">
-              <a:defRPr/>
-            </a:pPr>
-            <a:r>
-              <a:rPr lang="de-DE" altLang="de-DE" sz="1600" dirty="0" smtClean="0"/>
-              <a:t>Wählen des nachfolgenden Knotens anhand des geringsten Kantengewichts: </a:t>
-            </a:r>
-          </a:p>
-          <a:p>
-            <a:pPr lvl="2">
-              <a:defRPr/>
-            </a:pPr>
-            <a:r>
-              <a:rPr lang="de-DE" altLang="de-DE" sz="1600" dirty="0" smtClean="0"/>
-              <a:t>Bei 2 Nachfolgeknoten mit dem gleichen Kantengewicht, wird der Knoten mit der größeren Zahl genommen</a:t>
-            </a:r>
-          </a:p>
-          <a:p>
-            <a:pPr lvl="2">
-              <a:defRPr/>
-            </a:pPr>
-            <a:r>
-              <a:rPr lang="de-DE" altLang="de-DE" sz="1600" dirty="0" smtClean="0"/>
-              <a:t>Abbruch der Heuristik: </a:t>
-            </a:r>
-          </a:p>
-          <a:p>
-            <a:pPr lvl="3">
-              <a:defRPr/>
-            </a:pPr>
-            <a:r>
-              <a:rPr lang="de-DE" altLang="de-DE" sz="1200" dirty="0" smtClean="0"/>
-              <a:t>Alle Knoten sind in der Rundreise enthalten</a:t>
-            </a:r>
-          </a:p>
-          <a:p>
-            <a:pPr lvl="3">
-              <a:defRPr/>
-            </a:pPr>
-            <a:r>
-              <a:rPr lang="de-DE" altLang="de-DE" sz="1200" dirty="0" smtClean="0"/>
-              <a:t>Kein weiterer zulässiger Knoten kann erreicht werden</a:t>
             </a:r>
           </a:p>
         </p:txBody>
@@ -17437,7 +19251,7 @@
       </p:grpSpPr>
       <p:sp>
         <p:nvSpPr>
-          <p:cNvPr id="18433" name="Titel 1"/>
+          <p:cNvPr id="19457" name="Titel 1"/>
           <p:cNvSpPr>
             <a:spLocks noGrp="1"/>
           </p:cNvSpPr>
@@ -17452,14 +19266,14 @@
           <a:p>
             <a:r>
               <a:rPr lang="de-DE" altLang="de-DE"/>
-              <a:t>Das Traveling Salesman Problem</a:t>
+              <a:t>Exakte Lösung – Brute Force</a:t>
             </a:r>
           </a:p>
         </p:txBody>
       </p:sp>
       <p:sp>
         <p:nvSpPr>
-          <p:cNvPr id="4099" name="Inhaltsplatzhalter 2"/>
+          <p:cNvPr id="5123" name="Inhaltsplatzhalter 2"/>
           <p:cNvSpPr>
             <a:spLocks noGrp="1"/>
           </p:cNvSpPr>
@@ -17468,10 +19282,6 @@
           </p:nvPr>
         </p:nvSpPr>
         <p:spPr bwMode="auto">
-          <a:xfrm>
-            <a:off x="628650" y="1598613"/>
-            <a:ext cx="7886700" cy="4351337"/>
-          </a:xfrm>
           <a:extLst>
             <a:ext uri="{909E8E84-426E-40DD-AFC4-6F175D3DCCD1}">
               <a14:hiddenFill xmlns:a14="http://schemas.microsoft.com/office/drawing/2010/main">
@@ -17505,41 +19315,406 @@
             </a:pPr>
             <a:r>
               <a:rPr lang="de-DE" altLang="de-DE" sz="2000" dirty="0" smtClean="0"/>
-              <a:t>NP-schweres Problem: </a:t>
-            </a:r>
-          </a:p>
-          <a:p>
-            <a:pPr marL="457200" lvl="1" indent="0">
+              <a:t>Vergleichen der Gesamtstrecke aller möglichen Lösungen:</a:t>
+            </a:r>
+          </a:p>
+          <a:p>
+            <a:pPr lvl="1">
+              <a:buFont typeface="Wingdings"/>
+              <a:buChar char="à"/>
+              <a:defRPr/>
+            </a:pPr>
+            <a:r>
+              <a:rPr lang="de-DE" altLang="de-DE" sz="1800" dirty="0" smtClean="0">
+                <a:sym typeface="Wingdings" panose="05000000000000000000" pitchFamily="2" charset="2"/>
+              </a:rPr>
+              <a:t>Permutationen(aller Knoten \ Startknoten) </a:t>
+            </a:r>
+            <a:endParaRPr lang="de-DE" altLang="de-DE" sz="1800" dirty="0">
+              <a:sym typeface="Wingdings" panose="05000000000000000000" pitchFamily="2" charset="2"/>
+            </a:endParaRPr>
+          </a:p>
+          <a:p>
+            <a:pPr lvl="1">
+              <a:buFont typeface="Wingdings"/>
+              <a:buChar char="à"/>
+              <a:defRPr/>
+            </a:pPr>
+            <a:endParaRPr lang="de-DE" altLang="de-DE" sz="1800" dirty="0" smtClean="0">
+              <a:sym typeface="Wingdings" panose="05000000000000000000" pitchFamily="2" charset="2"/>
+            </a:endParaRPr>
+          </a:p>
+          <a:p>
+            <a:pPr marL="0" indent="0">
               <a:buFontTx/>
               <a:buNone/>
               <a:defRPr/>
             </a:pPr>
             <a:r>
-              <a:rPr lang="de-DE" altLang="de-DE" sz="1600" dirty="0" smtClean="0"/>
-              <a:t>Es gibt keinen Algorithmus, der jedes TSP in </a:t>
-            </a:r>
-            <a:r>
-              <a:rPr lang="de-DE" altLang="de-DE" sz="1600" dirty="0" err="1" smtClean="0"/>
-              <a:t>polynomialer</a:t>
-            </a:r>
-            <a:r>
-              <a:rPr lang="de-DE" altLang="de-DE" sz="1600" dirty="0" smtClean="0"/>
-              <a:t> Zeit exakt lösen kann.</a:t>
-            </a:r>
-          </a:p>
-          <a:p>
-            <a:pPr lvl="1">
+              <a:rPr lang="de-DE" altLang="de-DE" sz="2000" dirty="0" smtClean="0">
+                <a:sym typeface="Wingdings" panose="05000000000000000000" pitchFamily="2" charset="2"/>
+              </a:rPr>
+              <a:t>     [Startknoten Permutation Startknoten]</a:t>
+            </a:r>
+          </a:p>
+          <a:p>
+            <a:pPr marL="0" indent="0">
+              <a:buFontTx/>
+              <a:buNone/>
+              <a:defRPr/>
+            </a:pPr>
+            <a:endParaRPr lang="de-DE" altLang="de-DE" sz="2000" dirty="0">
+              <a:sym typeface="Wingdings" panose="05000000000000000000" pitchFamily="2" charset="2"/>
+            </a:endParaRPr>
+          </a:p>
+          <a:p>
+            <a:pPr marL="0" indent="0">
+              <a:buFontTx/>
+              <a:buNone/>
+              <a:defRPr/>
+            </a:pPr>
+            <a:r>
+              <a:rPr lang="de-DE" altLang="de-DE" sz="1600" dirty="0" err="1" smtClean="0">
+                <a:sym typeface="Wingdings" panose="05000000000000000000" pitchFamily="2" charset="2"/>
+              </a:rPr>
+              <a:t>Bsp</a:t>
+            </a:r>
+            <a:r>
+              <a:rPr lang="de-DE" altLang="de-DE" sz="1600" dirty="0" smtClean="0">
+                <a:sym typeface="Wingdings" panose="05000000000000000000" pitchFamily="2" charset="2"/>
+              </a:rPr>
+              <a:t>: Knoten (1,2,3,4); Startknoten = 1</a:t>
+            </a:r>
+          </a:p>
+          <a:p>
+            <a:pPr marL="0" indent="0">
+              <a:buFontTx/>
+              <a:buNone/>
+              <a:defRPr/>
+            </a:pPr>
+            <a:endParaRPr lang="de-DE" altLang="de-DE" sz="1600" dirty="0" smtClean="0">
+              <a:sym typeface="Wingdings" panose="05000000000000000000" pitchFamily="2" charset="2"/>
+            </a:endParaRPr>
+          </a:p>
+          <a:p>
+            <a:pPr marL="0" indent="0">
+              <a:buFontTx/>
+              <a:buNone/>
+              <a:defRPr/>
+            </a:pPr>
+            <a:r>
+              <a:rPr lang="de-DE" altLang="de-DE" sz="1600" b="1" dirty="0" smtClean="0">
+                <a:sym typeface="Wingdings" panose="05000000000000000000" pitchFamily="2" charset="2"/>
+              </a:rPr>
+              <a:t>Permutationen:			Länge berechnen:	</a:t>
+            </a:r>
+          </a:p>
+          <a:p>
+            <a:pPr>
+              <a:buFontTx/>
+              <a:buChar char="-"/>
+              <a:defRPr/>
+            </a:pPr>
+            <a:r>
+              <a:rPr lang="de-DE" altLang="de-DE" sz="1600" dirty="0" smtClean="0">
+                <a:sym typeface="Wingdings" panose="05000000000000000000" pitchFamily="2" charset="2"/>
+              </a:rPr>
+              <a:t>2,3,4       	[1 2 3 4 1]		</a:t>
+            </a:r>
+            <a:r>
+              <a:rPr lang="de-DE" altLang="de-DE" sz="1600" dirty="0" smtClean="0">
+                <a:sym typeface="Wingdings"/>
+              </a:rPr>
+              <a:t>  4.0</a:t>
+            </a:r>
+            <a:endParaRPr lang="de-DE" altLang="de-DE" sz="1600" dirty="0" smtClean="0">
+              <a:sym typeface="Wingdings" panose="05000000000000000000" pitchFamily="2" charset="2"/>
+            </a:endParaRPr>
+          </a:p>
+          <a:p>
+            <a:pPr>
+              <a:buFontTx/>
+              <a:buChar char="-"/>
+              <a:defRPr/>
+            </a:pPr>
+            <a:r>
+              <a:rPr lang="de-DE" altLang="de-DE" sz="1600" dirty="0" smtClean="0">
+                <a:solidFill>
+                  <a:srgbClr val="C00000"/>
+                </a:solidFill>
+                <a:sym typeface="Wingdings" panose="05000000000000000000" pitchFamily="2" charset="2"/>
+              </a:rPr>
+              <a:t>2,4,3	     	</a:t>
+            </a:r>
+            <a:r>
+              <a:rPr lang="de-DE" altLang="de-DE" sz="1600" dirty="0">
+                <a:solidFill>
+                  <a:srgbClr val="C00000"/>
+                </a:solidFill>
+                <a:sym typeface="Wingdings" panose="05000000000000000000" pitchFamily="2" charset="2"/>
+              </a:rPr>
+              <a:t>[1 </a:t>
+            </a:r>
+            <a:r>
+              <a:rPr lang="de-DE" altLang="de-DE" sz="1600" dirty="0" smtClean="0">
+                <a:solidFill>
+                  <a:srgbClr val="C00000"/>
+                </a:solidFill>
+                <a:sym typeface="Wingdings" panose="05000000000000000000" pitchFamily="2" charset="2"/>
+              </a:rPr>
+              <a:t>2 </a:t>
+            </a:r>
+            <a:r>
+              <a:rPr lang="de-DE" altLang="de-DE" sz="1600" dirty="0">
+                <a:solidFill>
+                  <a:srgbClr val="C00000"/>
+                </a:solidFill>
+                <a:sym typeface="Wingdings" panose="05000000000000000000" pitchFamily="2" charset="2"/>
+              </a:rPr>
+              <a:t>4 </a:t>
+            </a:r>
+            <a:r>
+              <a:rPr lang="de-DE" altLang="de-DE" sz="1600" dirty="0" smtClean="0">
+                <a:solidFill>
+                  <a:srgbClr val="C00000"/>
+                </a:solidFill>
+                <a:sym typeface="Wingdings" panose="05000000000000000000" pitchFamily="2" charset="2"/>
+              </a:rPr>
+              <a:t>3 1]		</a:t>
+            </a:r>
+            <a:r>
+              <a:rPr lang="de-DE" altLang="de-DE" sz="1600" dirty="0" smtClean="0">
+                <a:solidFill>
+                  <a:srgbClr val="C00000"/>
+                </a:solidFill>
+                <a:sym typeface="Wingdings"/>
+              </a:rPr>
+              <a:t>  3.0</a:t>
+            </a:r>
+            <a:endParaRPr lang="de-DE" altLang="de-DE" sz="1600" dirty="0" smtClean="0">
+              <a:solidFill>
+                <a:srgbClr val="C00000"/>
+              </a:solidFill>
+              <a:sym typeface="Wingdings" panose="05000000000000000000" pitchFamily="2" charset="2"/>
+            </a:endParaRPr>
+          </a:p>
+          <a:p>
+            <a:pPr>
+              <a:buFontTx/>
+              <a:buChar char="-"/>
+              <a:defRPr/>
+            </a:pPr>
+            <a:r>
+              <a:rPr lang="de-DE" altLang="de-DE" sz="1600" dirty="0" smtClean="0">
+                <a:sym typeface="Wingdings" panose="05000000000000000000" pitchFamily="2" charset="2"/>
+              </a:rPr>
+              <a:t>3,2,4	     	</a:t>
+            </a:r>
+            <a:r>
+              <a:rPr lang="de-DE" altLang="de-DE" sz="1600" dirty="0">
+                <a:sym typeface="Wingdings" panose="05000000000000000000" pitchFamily="2" charset="2"/>
+              </a:rPr>
+              <a:t>[</a:t>
+            </a:r>
+            <a:r>
+              <a:rPr lang="de-DE" altLang="de-DE" sz="1600" dirty="0" smtClean="0">
+                <a:sym typeface="Wingdings" panose="05000000000000000000" pitchFamily="2" charset="2"/>
+              </a:rPr>
+              <a:t>1 </a:t>
+            </a:r>
+            <a:r>
+              <a:rPr lang="de-DE" altLang="de-DE" sz="1600" dirty="0">
+                <a:sym typeface="Wingdings" panose="05000000000000000000" pitchFamily="2" charset="2"/>
+              </a:rPr>
+              <a:t>3 </a:t>
+            </a:r>
+            <a:r>
+              <a:rPr lang="de-DE" altLang="de-DE" sz="1600" dirty="0" smtClean="0">
+                <a:sym typeface="Wingdings" panose="05000000000000000000" pitchFamily="2" charset="2"/>
+              </a:rPr>
+              <a:t>2 4 </a:t>
+            </a:r>
+            <a:r>
+              <a:rPr lang="de-DE" altLang="de-DE" sz="1600" dirty="0">
+                <a:sym typeface="Wingdings" panose="05000000000000000000" pitchFamily="2" charset="2"/>
+              </a:rPr>
+              <a:t>1</a:t>
+            </a:r>
+            <a:r>
+              <a:rPr lang="de-DE" altLang="de-DE" sz="1600" dirty="0" smtClean="0">
+                <a:sym typeface="Wingdings" panose="05000000000000000000" pitchFamily="2" charset="2"/>
+              </a:rPr>
+              <a:t>]		</a:t>
+            </a:r>
+            <a:r>
+              <a:rPr lang="de-DE" altLang="de-DE" sz="1600" dirty="0" smtClean="0">
+                <a:sym typeface="Wingdings"/>
+              </a:rPr>
+              <a:t>  4.4</a:t>
+            </a:r>
+            <a:endParaRPr lang="de-DE" altLang="de-DE" sz="1600" dirty="0" smtClean="0">
+              <a:sym typeface="Wingdings" panose="05000000000000000000" pitchFamily="2" charset="2"/>
+            </a:endParaRPr>
+          </a:p>
+          <a:p>
+            <a:pPr>
+              <a:buFontTx/>
+              <a:buChar char="-"/>
+              <a:defRPr/>
+            </a:pPr>
+            <a:r>
+              <a:rPr lang="de-DE" altLang="de-DE" sz="1600" dirty="0" smtClean="0">
+                <a:sym typeface="Wingdings" panose="05000000000000000000" pitchFamily="2" charset="2"/>
+              </a:rPr>
+              <a:t>3,4,2	</a:t>
+            </a:r>
+            <a:r>
+              <a:rPr lang="de-DE" altLang="de-DE" sz="1600" dirty="0">
+                <a:sym typeface="Wingdings" panose="05000000000000000000" pitchFamily="2" charset="2"/>
+              </a:rPr>
+              <a:t> </a:t>
+            </a:r>
+            <a:r>
+              <a:rPr lang="de-DE" altLang="de-DE" sz="1600" dirty="0" smtClean="0">
+                <a:sym typeface="Wingdings" panose="05000000000000000000" pitchFamily="2" charset="2"/>
+              </a:rPr>
+              <a:t>    	</a:t>
+            </a:r>
+            <a:r>
+              <a:rPr lang="de-DE" altLang="de-DE" sz="1600" dirty="0">
+                <a:sym typeface="Wingdings" panose="05000000000000000000" pitchFamily="2" charset="2"/>
+              </a:rPr>
+              <a:t>[1 </a:t>
+            </a:r>
+            <a:r>
+              <a:rPr lang="de-DE" altLang="de-DE" sz="1600" dirty="0" smtClean="0">
+                <a:sym typeface="Wingdings" panose="05000000000000000000" pitchFamily="2" charset="2"/>
+              </a:rPr>
+              <a:t>3 </a:t>
+            </a:r>
+            <a:r>
+              <a:rPr lang="de-DE" altLang="de-DE" sz="1600" dirty="0">
+                <a:sym typeface="Wingdings" panose="05000000000000000000" pitchFamily="2" charset="2"/>
+              </a:rPr>
+              <a:t>4 </a:t>
+            </a:r>
+            <a:r>
+              <a:rPr lang="de-DE" altLang="de-DE" sz="1600" dirty="0" smtClean="0">
+                <a:sym typeface="Wingdings" panose="05000000000000000000" pitchFamily="2" charset="2"/>
+              </a:rPr>
+              <a:t>2 1]		</a:t>
+            </a:r>
+            <a:r>
+              <a:rPr lang="de-DE" altLang="de-DE" sz="1600" dirty="0" smtClean="0">
+                <a:sym typeface="Wingdings"/>
+              </a:rPr>
+              <a:t>  4.7</a:t>
+            </a:r>
+            <a:endParaRPr lang="de-DE" altLang="de-DE" sz="1600" dirty="0" smtClean="0">
+              <a:sym typeface="Wingdings" panose="05000000000000000000" pitchFamily="2" charset="2"/>
+            </a:endParaRPr>
+          </a:p>
+          <a:p>
+            <a:pPr>
+              <a:buFontTx/>
+              <a:buChar char="-"/>
+              <a:defRPr/>
+            </a:pPr>
+            <a:r>
+              <a:rPr lang="de-DE" altLang="de-DE" sz="1600" dirty="0" smtClean="0">
+                <a:sym typeface="Wingdings" panose="05000000000000000000" pitchFamily="2" charset="2"/>
+              </a:rPr>
+              <a:t>4,2,3	</a:t>
+            </a:r>
+            <a:r>
+              <a:rPr lang="de-DE" altLang="de-DE" sz="1600" dirty="0">
+                <a:sym typeface="Wingdings" panose="05000000000000000000" pitchFamily="2" charset="2"/>
+              </a:rPr>
+              <a:t> </a:t>
+            </a:r>
+            <a:r>
+              <a:rPr lang="de-DE" altLang="de-DE" sz="1600" dirty="0" smtClean="0">
+                <a:sym typeface="Wingdings" panose="05000000000000000000" pitchFamily="2" charset="2"/>
+              </a:rPr>
+              <a:t>    	</a:t>
+            </a:r>
+            <a:r>
+              <a:rPr lang="de-DE" altLang="de-DE" sz="1600" dirty="0">
+                <a:sym typeface="Wingdings" panose="05000000000000000000" pitchFamily="2" charset="2"/>
+              </a:rPr>
+              <a:t>[1 </a:t>
+            </a:r>
+            <a:r>
+              <a:rPr lang="de-DE" altLang="de-DE" sz="1600" dirty="0" smtClean="0">
+                <a:sym typeface="Wingdings" panose="05000000000000000000" pitchFamily="2" charset="2"/>
+              </a:rPr>
+              <a:t>4 2 3 1]		</a:t>
+            </a:r>
+            <a:r>
+              <a:rPr lang="de-DE" altLang="de-DE" sz="1600" dirty="0" smtClean="0">
+                <a:sym typeface="Wingdings"/>
+              </a:rPr>
+              <a:t>  6.0</a:t>
+            </a:r>
+            <a:endParaRPr lang="de-DE" altLang="de-DE" sz="1600" dirty="0" smtClean="0">
+              <a:sym typeface="Wingdings" panose="05000000000000000000" pitchFamily="2" charset="2"/>
+            </a:endParaRPr>
+          </a:p>
+          <a:p>
+            <a:pPr>
+              <a:buFontTx/>
+              <a:buChar char="-"/>
+              <a:defRPr/>
+            </a:pPr>
+            <a:r>
+              <a:rPr lang="de-DE" altLang="de-DE" sz="1600" dirty="0" smtClean="0">
+                <a:sym typeface="Wingdings" panose="05000000000000000000" pitchFamily="2" charset="2"/>
+              </a:rPr>
+              <a:t>4,3,2	</a:t>
+            </a:r>
+            <a:r>
+              <a:rPr lang="de-DE" altLang="de-DE" sz="1600" dirty="0">
+                <a:sym typeface="Wingdings" panose="05000000000000000000" pitchFamily="2" charset="2"/>
+              </a:rPr>
+              <a:t> </a:t>
+            </a:r>
+            <a:r>
+              <a:rPr lang="de-DE" altLang="de-DE" sz="1600" dirty="0" smtClean="0">
+                <a:sym typeface="Wingdings" panose="05000000000000000000" pitchFamily="2" charset="2"/>
+              </a:rPr>
+              <a:t>    	</a:t>
+            </a:r>
+            <a:r>
+              <a:rPr lang="de-DE" altLang="de-DE" sz="1600" dirty="0">
+                <a:sym typeface="Wingdings" panose="05000000000000000000" pitchFamily="2" charset="2"/>
+              </a:rPr>
+              <a:t>[1 </a:t>
+            </a:r>
+            <a:r>
+              <a:rPr lang="de-DE" altLang="de-DE" sz="1600" dirty="0" smtClean="0">
+                <a:sym typeface="Wingdings" panose="05000000000000000000" pitchFamily="2" charset="2"/>
+              </a:rPr>
+              <a:t>4 3 2 1]		</a:t>
+            </a:r>
+            <a:r>
+              <a:rPr lang="de-DE" altLang="de-DE" sz="1600" dirty="0" smtClean="0">
+                <a:sym typeface="Wingdings"/>
+              </a:rPr>
+              <a:t>  4.1</a:t>
+            </a:r>
+            <a:endParaRPr lang="de-DE" altLang="de-DE" sz="1600" dirty="0" smtClean="0">
+              <a:sym typeface="Wingdings" panose="05000000000000000000" pitchFamily="2" charset="2"/>
+            </a:endParaRPr>
+          </a:p>
+          <a:p>
+            <a:pPr marL="0" indent="0">
+              <a:buFontTx/>
+              <a:buNone/>
               <a:defRPr/>
             </a:pPr>
             <a:endParaRPr lang="de-DE" altLang="de-DE" sz="1600" dirty="0">
               <a:sym typeface="Wingdings" panose="05000000000000000000" pitchFamily="2" charset="2"/>
             </a:endParaRPr>
-          </a:p>
-          <a:p>
-            <a:pPr lvl="1">
-              <a:defRPr/>
-            </a:pPr>
-            <a:endParaRPr lang="de-DE" altLang="de-DE" sz="1600" dirty="0" smtClean="0"/>
           </a:p>
         </p:txBody>
       </p:sp>
@@ -17559,507 +19734,6 @@
 </file>
 
 <file path=ppt/slides/slide5.xml><?xml version="1.0" encoding="utf-8"?>
-<p:sld xmlns:a="http://schemas.openxmlformats.org/drawingml/2006/main" xmlns:r="http://schemas.openxmlformats.org/officeDocument/2006/relationships" xmlns:p="http://schemas.openxmlformats.org/presentationml/2006/main">
-  <p:cSld>
-    <p:spTree>
-      <p:nvGrpSpPr>
-        <p:cNvPr id="1" name=""/>
-        <p:cNvGrpSpPr/>
-        <p:nvPr/>
-      </p:nvGrpSpPr>
-      <p:grpSpPr>
-        <a:xfrm>
-          <a:off x="0" y="0"/>
-          <a:ext cx="0" cy="0"/>
-          <a:chOff x="0" y="0"/>
-          <a:chExt cx="0" cy="0"/>
-        </a:xfrm>
-      </p:grpSpPr>
-      <p:sp>
-        <p:nvSpPr>
-          <p:cNvPr id="19457" name="Titel 1"/>
-          <p:cNvSpPr>
-            <a:spLocks noGrp="1"/>
-          </p:cNvSpPr>
-          <p:nvPr>
-            <p:ph type="title"/>
-          </p:nvPr>
-        </p:nvSpPr>
-        <p:spPr/>
-        <p:txBody>
-          <a:bodyPr/>
-          <a:lstStyle/>
-          <a:p>
-            <a:r>
-              <a:rPr lang="de-DE" altLang="de-DE"/>
-              <a:t>Exakte Lösung – Brute Force</a:t>
-            </a:r>
-          </a:p>
-        </p:txBody>
-      </p:sp>
-      <p:sp>
-        <p:nvSpPr>
-          <p:cNvPr id="5123" name="Inhaltsplatzhalter 2"/>
-          <p:cNvSpPr>
-            <a:spLocks noGrp="1"/>
-          </p:cNvSpPr>
-          <p:nvPr>
-            <p:ph idx="1"/>
-          </p:nvPr>
-        </p:nvSpPr>
-        <p:spPr bwMode="auto">
-          <a:extLst>
-            <a:ext uri="{909E8E84-426E-40DD-AFC4-6F175D3DCCD1}">
-              <a14:hiddenFill xmlns:a14="http://schemas.microsoft.com/office/drawing/2010/main">
-                <a:solidFill>
-                  <a:srgbClr val="FFFFFF"/>
-                </a:solidFill>
-              </a14:hiddenFill>
-            </a:ext>
-            <a:ext uri="{91240B29-F687-4F45-9708-019B960494DF}">
-              <a14:hiddenLine xmlns:a14="http://schemas.microsoft.com/office/drawing/2010/main" w="9525">
-                <a:solidFill>
-                  <a:srgbClr val="000000"/>
-                </a:solidFill>
-                <a:miter lim="800000"/>
-                <a:headEnd/>
-                <a:tailEnd/>
-              </a14:hiddenLine>
-            </a:ext>
-          </a:extLst>
-        </p:spPr>
-        <p:txBody>
-          <a:bodyPr vert="horz" wrap="square" lIns="91440" tIns="45720" rIns="91440" bIns="45720" numCol="1" anchor="t" anchorCtr="0" compatLnSpc="1">
-            <a:prstTxWarp prst="textNoShape">
-              <a:avLst/>
-            </a:prstTxWarp>
-          </a:bodyPr>
-          <a:lstStyle/>
-          <a:p>
-            <a:pPr>
-              <a:defRPr/>
-            </a:pPr>
-            <a:r>
-              <a:rPr lang="de-DE" altLang="de-DE" sz="2000" dirty="0" smtClean="0"/>
-              <a:t>Vergleichen der Gesamtstrecke aller möglichen Lösungen:</a:t>
-            </a:r>
-          </a:p>
-          <a:p>
-            <a:pPr lvl="1">
-              <a:buFont typeface="Wingdings"/>
-              <a:buChar char="à"/>
-              <a:defRPr/>
-            </a:pPr>
-            <a:r>
-              <a:rPr lang="de-DE" altLang="de-DE" sz="1800" dirty="0" smtClean="0">
-                <a:sym typeface="Wingdings" panose="05000000000000000000" pitchFamily="2" charset="2"/>
-              </a:rPr>
-              <a:t>Permutationen(aller Knoten \ Startknoten) </a:t>
-            </a:r>
-            <a:endParaRPr lang="de-DE" altLang="de-DE" sz="1800" dirty="0">
-              <a:sym typeface="Wingdings" panose="05000000000000000000" pitchFamily="2" charset="2"/>
-            </a:endParaRPr>
-          </a:p>
-          <a:p>
-            <a:pPr lvl="1">
-              <a:buFont typeface="Wingdings"/>
-              <a:buChar char="à"/>
-              <a:defRPr/>
-            </a:pPr>
-            <a:endParaRPr lang="de-DE" altLang="de-DE" sz="1800" dirty="0" smtClean="0">
-              <a:sym typeface="Wingdings" panose="05000000000000000000" pitchFamily="2" charset="2"/>
-            </a:endParaRPr>
-          </a:p>
-          <a:p>
-            <a:pPr marL="0" indent="0">
-              <a:buFontTx/>
-              <a:buNone/>
-              <a:defRPr/>
-            </a:pPr>
-            <a:r>
-              <a:rPr lang="de-DE" altLang="de-DE" sz="2000" dirty="0" smtClean="0">
-                <a:sym typeface="Wingdings" panose="05000000000000000000" pitchFamily="2" charset="2"/>
-              </a:rPr>
-              <a:t>     [Startknoten Permutation Startknoten]</a:t>
-            </a:r>
-          </a:p>
-          <a:p>
-            <a:pPr marL="0" indent="0">
-              <a:buFontTx/>
-              <a:buNone/>
-              <a:defRPr/>
-            </a:pPr>
-            <a:endParaRPr lang="de-DE" altLang="de-DE" sz="2000" dirty="0">
-              <a:sym typeface="Wingdings" panose="05000000000000000000" pitchFamily="2" charset="2"/>
-            </a:endParaRPr>
-          </a:p>
-          <a:p>
-            <a:pPr marL="0" indent="0">
-              <a:buFontTx/>
-              <a:buNone/>
-              <a:defRPr/>
-            </a:pPr>
-            <a:r>
-              <a:rPr lang="de-DE" altLang="de-DE" sz="1600" dirty="0" err="1" smtClean="0">
-                <a:sym typeface="Wingdings" panose="05000000000000000000" pitchFamily="2" charset="2"/>
-              </a:rPr>
-              <a:t>Bsp</a:t>
-            </a:r>
-            <a:r>
-              <a:rPr lang="de-DE" altLang="de-DE" sz="1600" dirty="0" smtClean="0">
-                <a:sym typeface="Wingdings" panose="05000000000000000000" pitchFamily="2" charset="2"/>
-              </a:rPr>
-              <a:t>: Knoten (1,2,3,4); Startknoten = 1</a:t>
-            </a:r>
-          </a:p>
-          <a:p>
-            <a:pPr marL="0" indent="0">
-              <a:buFontTx/>
-              <a:buNone/>
-              <a:defRPr/>
-            </a:pPr>
-            <a:endParaRPr lang="de-DE" altLang="de-DE" sz="1600" dirty="0" smtClean="0">
-              <a:sym typeface="Wingdings" panose="05000000000000000000" pitchFamily="2" charset="2"/>
-            </a:endParaRPr>
-          </a:p>
-          <a:p>
-            <a:pPr marL="0" indent="0">
-              <a:buFontTx/>
-              <a:buNone/>
-              <a:defRPr/>
-            </a:pPr>
-            <a:r>
-              <a:rPr lang="de-DE" altLang="de-DE" sz="1600" b="1" dirty="0" smtClean="0">
-                <a:sym typeface="Wingdings" panose="05000000000000000000" pitchFamily="2" charset="2"/>
-              </a:rPr>
-              <a:t>Permutationen:			Länge berechnen:	</a:t>
-            </a:r>
-          </a:p>
-          <a:p>
-            <a:pPr>
-              <a:buFontTx/>
-              <a:buChar char="-"/>
-              <a:defRPr/>
-            </a:pPr>
-            <a:r>
-              <a:rPr lang="de-DE" altLang="de-DE" sz="1600" dirty="0" smtClean="0">
-                <a:sym typeface="Wingdings" panose="05000000000000000000" pitchFamily="2" charset="2"/>
-              </a:rPr>
-              <a:t>2,3,4       	[1 2 3 4 1]		</a:t>
-            </a:r>
-            <a:r>
-              <a:rPr lang="de-DE" altLang="de-DE" sz="1600" dirty="0" smtClean="0">
-                <a:sym typeface="Wingdings"/>
-              </a:rPr>
-              <a:t>  4.0</a:t>
-            </a:r>
-            <a:endParaRPr lang="de-DE" altLang="de-DE" sz="1600" dirty="0" smtClean="0">
-              <a:sym typeface="Wingdings" panose="05000000000000000000" pitchFamily="2" charset="2"/>
-            </a:endParaRPr>
-          </a:p>
-          <a:p>
-            <a:pPr>
-              <a:buFontTx/>
-              <a:buChar char="-"/>
-              <a:defRPr/>
-            </a:pPr>
-            <a:r>
-              <a:rPr lang="de-DE" altLang="de-DE" sz="1600" dirty="0" smtClean="0">
-                <a:solidFill>
-                  <a:srgbClr val="C00000"/>
-                </a:solidFill>
-                <a:sym typeface="Wingdings" panose="05000000000000000000" pitchFamily="2" charset="2"/>
-              </a:rPr>
-              <a:t>2,4,3	     	</a:t>
-            </a:r>
-            <a:r>
-              <a:rPr lang="de-DE" altLang="de-DE" sz="1600" dirty="0">
-                <a:solidFill>
-                  <a:srgbClr val="C00000"/>
-                </a:solidFill>
-                <a:sym typeface="Wingdings" panose="05000000000000000000" pitchFamily="2" charset="2"/>
-              </a:rPr>
-              <a:t>[1 </a:t>
-            </a:r>
-            <a:r>
-              <a:rPr lang="de-DE" altLang="de-DE" sz="1600" dirty="0" smtClean="0">
-                <a:solidFill>
-                  <a:srgbClr val="C00000"/>
-                </a:solidFill>
-                <a:sym typeface="Wingdings" panose="05000000000000000000" pitchFamily="2" charset="2"/>
-              </a:rPr>
-              <a:t>2 </a:t>
-            </a:r>
-            <a:r>
-              <a:rPr lang="de-DE" altLang="de-DE" sz="1600" dirty="0">
-                <a:solidFill>
-                  <a:srgbClr val="C00000"/>
-                </a:solidFill>
-                <a:sym typeface="Wingdings" panose="05000000000000000000" pitchFamily="2" charset="2"/>
-              </a:rPr>
-              <a:t>4 </a:t>
-            </a:r>
-            <a:r>
-              <a:rPr lang="de-DE" altLang="de-DE" sz="1600" dirty="0" smtClean="0">
-                <a:solidFill>
-                  <a:srgbClr val="C00000"/>
-                </a:solidFill>
-                <a:sym typeface="Wingdings" panose="05000000000000000000" pitchFamily="2" charset="2"/>
-              </a:rPr>
-              <a:t>3 1]		</a:t>
-            </a:r>
-            <a:r>
-              <a:rPr lang="de-DE" altLang="de-DE" sz="1600" dirty="0" smtClean="0">
-                <a:solidFill>
-                  <a:srgbClr val="C00000"/>
-                </a:solidFill>
-                <a:sym typeface="Wingdings"/>
-              </a:rPr>
-              <a:t>  3.0</a:t>
-            </a:r>
-            <a:endParaRPr lang="de-DE" altLang="de-DE" sz="1600" dirty="0" smtClean="0">
-              <a:solidFill>
-                <a:srgbClr val="C00000"/>
-              </a:solidFill>
-              <a:sym typeface="Wingdings" panose="05000000000000000000" pitchFamily="2" charset="2"/>
-            </a:endParaRPr>
-          </a:p>
-          <a:p>
-            <a:pPr>
-              <a:buFontTx/>
-              <a:buChar char="-"/>
-              <a:defRPr/>
-            </a:pPr>
-            <a:r>
-              <a:rPr lang="de-DE" altLang="de-DE" sz="1600" dirty="0" smtClean="0">
-                <a:sym typeface="Wingdings" panose="05000000000000000000" pitchFamily="2" charset="2"/>
-              </a:rPr>
-              <a:t>3,2,4	     	</a:t>
-            </a:r>
-            <a:r>
-              <a:rPr lang="de-DE" altLang="de-DE" sz="1600" dirty="0">
-                <a:sym typeface="Wingdings" panose="05000000000000000000" pitchFamily="2" charset="2"/>
-              </a:rPr>
-              <a:t>[</a:t>
-            </a:r>
-            <a:r>
-              <a:rPr lang="de-DE" altLang="de-DE" sz="1600" dirty="0" smtClean="0">
-                <a:sym typeface="Wingdings" panose="05000000000000000000" pitchFamily="2" charset="2"/>
-              </a:rPr>
-              <a:t>1 </a:t>
-            </a:r>
-            <a:r>
-              <a:rPr lang="de-DE" altLang="de-DE" sz="1600" dirty="0">
-                <a:sym typeface="Wingdings" panose="05000000000000000000" pitchFamily="2" charset="2"/>
-              </a:rPr>
-              <a:t>3 </a:t>
-            </a:r>
-            <a:r>
-              <a:rPr lang="de-DE" altLang="de-DE" sz="1600" dirty="0" smtClean="0">
-                <a:sym typeface="Wingdings" panose="05000000000000000000" pitchFamily="2" charset="2"/>
-              </a:rPr>
-              <a:t>2 4 </a:t>
-            </a:r>
-            <a:r>
-              <a:rPr lang="de-DE" altLang="de-DE" sz="1600" dirty="0">
-                <a:sym typeface="Wingdings" panose="05000000000000000000" pitchFamily="2" charset="2"/>
-              </a:rPr>
-              <a:t>1</a:t>
-            </a:r>
-            <a:r>
-              <a:rPr lang="de-DE" altLang="de-DE" sz="1600" dirty="0" smtClean="0">
-                <a:sym typeface="Wingdings" panose="05000000000000000000" pitchFamily="2" charset="2"/>
-              </a:rPr>
-              <a:t>]		</a:t>
-            </a:r>
-            <a:r>
-              <a:rPr lang="de-DE" altLang="de-DE" sz="1600" dirty="0" smtClean="0">
-                <a:sym typeface="Wingdings"/>
-              </a:rPr>
-              <a:t>  4.4</a:t>
-            </a:r>
-            <a:endParaRPr lang="de-DE" altLang="de-DE" sz="1600" dirty="0" smtClean="0">
-              <a:sym typeface="Wingdings" panose="05000000000000000000" pitchFamily="2" charset="2"/>
-            </a:endParaRPr>
-          </a:p>
-          <a:p>
-            <a:pPr>
-              <a:buFontTx/>
-              <a:buChar char="-"/>
-              <a:defRPr/>
-            </a:pPr>
-            <a:r>
-              <a:rPr lang="de-DE" altLang="de-DE" sz="1600" dirty="0" smtClean="0">
-                <a:sym typeface="Wingdings" panose="05000000000000000000" pitchFamily="2" charset="2"/>
-              </a:rPr>
-              <a:t>3,4,2	</a:t>
-            </a:r>
-            <a:r>
-              <a:rPr lang="de-DE" altLang="de-DE" sz="1600" dirty="0">
-                <a:sym typeface="Wingdings" panose="05000000000000000000" pitchFamily="2" charset="2"/>
-              </a:rPr>
-              <a:t> </a:t>
-            </a:r>
-            <a:r>
-              <a:rPr lang="de-DE" altLang="de-DE" sz="1600" dirty="0" smtClean="0">
-                <a:sym typeface="Wingdings" panose="05000000000000000000" pitchFamily="2" charset="2"/>
-              </a:rPr>
-              <a:t>    	</a:t>
-            </a:r>
-            <a:r>
-              <a:rPr lang="de-DE" altLang="de-DE" sz="1600" dirty="0">
-                <a:sym typeface="Wingdings" panose="05000000000000000000" pitchFamily="2" charset="2"/>
-              </a:rPr>
-              <a:t>[1 </a:t>
-            </a:r>
-            <a:r>
-              <a:rPr lang="de-DE" altLang="de-DE" sz="1600" dirty="0" smtClean="0">
-                <a:sym typeface="Wingdings" panose="05000000000000000000" pitchFamily="2" charset="2"/>
-              </a:rPr>
-              <a:t>3 </a:t>
-            </a:r>
-            <a:r>
-              <a:rPr lang="de-DE" altLang="de-DE" sz="1600" dirty="0">
-                <a:sym typeface="Wingdings" panose="05000000000000000000" pitchFamily="2" charset="2"/>
-              </a:rPr>
-              <a:t>4 </a:t>
-            </a:r>
-            <a:r>
-              <a:rPr lang="de-DE" altLang="de-DE" sz="1600" dirty="0" smtClean="0">
-                <a:sym typeface="Wingdings" panose="05000000000000000000" pitchFamily="2" charset="2"/>
-              </a:rPr>
-              <a:t>2 1]		</a:t>
-            </a:r>
-            <a:r>
-              <a:rPr lang="de-DE" altLang="de-DE" sz="1600" dirty="0" smtClean="0">
-                <a:sym typeface="Wingdings"/>
-              </a:rPr>
-              <a:t>  4.7</a:t>
-            </a:r>
-            <a:endParaRPr lang="de-DE" altLang="de-DE" sz="1600" dirty="0" smtClean="0">
-              <a:sym typeface="Wingdings" panose="05000000000000000000" pitchFamily="2" charset="2"/>
-            </a:endParaRPr>
-          </a:p>
-          <a:p>
-            <a:pPr>
-              <a:buFontTx/>
-              <a:buChar char="-"/>
-              <a:defRPr/>
-            </a:pPr>
-            <a:r>
-              <a:rPr lang="de-DE" altLang="de-DE" sz="1600" dirty="0" smtClean="0">
-                <a:sym typeface="Wingdings" panose="05000000000000000000" pitchFamily="2" charset="2"/>
-              </a:rPr>
-              <a:t>4,2,3	</a:t>
-            </a:r>
-            <a:r>
-              <a:rPr lang="de-DE" altLang="de-DE" sz="1600" dirty="0">
-                <a:sym typeface="Wingdings" panose="05000000000000000000" pitchFamily="2" charset="2"/>
-              </a:rPr>
-              <a:t> </a:t>
-            </a:r>
-            <a:r>
-              <a:rPr lang="de-DE" altLang="de-DE" sz="1600" dirty="0" smtClean="0">
-                <a:sym typeface="Wingdings" panose="05000000000000000000" pitchFamily="2" charset="2"/>
-              </a:rPr>
-              <a:t>    	</a:t>
-            </a:r>
-            <a:r>
-              <a:rPr lang="de-DE" altLang="de-DE" sz="1600" dirty="0">
-                <a:sym typeface="Wingdings" panose="05000000000000000000" pitchFamily="2" charset="2"/>
-              </a:rPr>
-              <a:t>[1 </a:t>
-            </a:r>
-            <a:r>
-              <a:rPr lang="de-DE" altLang="de-DE" sz="1600" dirty="0" smtClean="0">
-                <a:sym typeface="Wingdings" panose="05000000000000000000" pitchFamily="2" charset="2"/>
-              </a:rPr>
-              <a:t>4 2 3 1]		</a:t>
-            </a:r>
-            <a:r>
-              <a:rPr lang="de-DE" altLang="de-DE" sz="1600" dirty="0" smtClean="0">
-                <a:sym typeface="Wingdings"/>
-              </a:rPr>
-              <a:t>  6.0</a:t>
-            </a:r>
-            <a:endParaRPr lang="de-DE" altLang="de-DE" sz="1600" dirty="0" smtClean="0">
-              <a:sym typeface="Wingdings" panose="05000000000000000000" pitchFamily="2" charset="2"/>
-            </a:endParaRPr>
-          </a:p>
-          <a:p>
-            <a:pPr>
-              <a:buFontTx/>
-              <a:buChar char="-"/>
-              <a:defRPr/>
-            </a:pPr>
-            <a:r>
-              <a:rPr lang="de-DE" altLang="de-DE" sz="1600" dirty="0" smtClean="0">
-                <a:sym typeface="Wingdings" panose="05000000000000000000" pitchFamily="2" charset="2"/>
-              </a:rPr>
-              <a:t>4,3,2	</a:t>
-            </a:r>
-            <a:r>
-              <a:rPr lang="de-DE" altLang="de-DE" sz="1600" dirty="0">
-                <a:sym typeface="Wingdings" panose="05000000000000000000" pitchFamily="2" charset="2"/>
-              </a:rPr>
-              <a:t> </a:t>
-            </a:r>
-            <a:r>
-              <a:rPr lang="de-DE" altLang="de-DE" sz="1600" dirty="0" smtClean="0">
-                <a:sym typeface="Wingdings" panose="05000000000000000000" pitchFamily="2" charset="2"/>
-              </a:rPr>
-              <a:t>    	</a:t>
-            </a:r>
-            <a:r>
-              <a:rPr lang="de-DE" altLang="de-DE" sz="1600" dirty="0">
-                <a:sym typeface="Wingdings" panose="05000000000000000000" pitchFamily="2" charset="2"/>
-              </a:rPr>
-              <a:t>[1 </a:t>
-            </a:r>
-            <a:r>
-              <a:rPr lang="de-DE" altLang="de-DE" sz="1600" dirty="0" smtClean="0">
-                <a:sym typeface="Wingdings" panose="05000000000000000000" pitchFamily="2" charset="2"/>
-              </a:rPr>
-              <a:t>4 3 2 1]		</a:t>
-            </a:r>
-            <a:r>
-              <a:rPr lang="de-DE" altLang="de-DE" sz="1600" dirty="0" smtClean="0">
-                <a:sym typeface="Wingdings"/>
-              </a:rPr>
-              <a:t>  4.1</a:t>
-            </a:r>
-            <a:endParaRPr lang="de-DE" altLang="de-DE" sz="1600" dirty="0" smtClean="0">
-              <a:sym typeface="Wingdings" panose="05000000000000000000" pitchFamily="2" charset="2"/>
-            </a:endParaRPr>
-          </a:p>
-          <a:p>
-            <a:pPr marL="0" indent="0">
-              <a:buFontTx/>
-              <a:buNone/>
-              <a:defRPr/>
-            </a:pPr>
-            <a:endParaRPr lang="de-DE" altLang="de-DE" sz="1600" dirty="0">
-              <a:sym typeface="Wingdings" panose="05000000000000000000" pitchFamily="2" charset="2"/>
-            </a:endParaRPr>
-          </a:p>
-        </p:txBody>
-      </p:sp>
-    </p:spTree>
-  </p:cSld>
-  <p:clrMapOvr>
-    <a:masterClrMapping/>
-  </p:clrMapOvr>
-  <p:timing>
-    <p:tnLst>
-      <p:par>
-        <p:cTn id="1" dur="indefinite" restart="never" nodeType="tmRoot"/>
-      </p:par>
-    </p:tnLst>
-  </p:timing>
-</p:sld>
-</file>
-
-<file path=ppt/slides/slide6.xml><?xml version="1.0" encoding="utf-8"?>
 <p:sld xmlns:a="http://schemas.openxmlformats.org/drawingml/2006/main" xmlns:r="http://schemas.openxmlformats.org/officeDocument/2006/relationships" xmlns:p="http://schemas.openxmlformats.org/presentationml/2006/main">
   <p:cSld>
     <p:spTree>
@@ -22463,7 +24137,7 @@
 </p:sld>
 </file>
 
-<file path=ppt/slides/slide7.xml><?xml version="1.0" encoding="utf-8"?>
+<file path=ppt/slides/slide6.xml><?xml version="1.0" encoding="utf-8"?>
 <p:sld xmlns:a="http://schemas.openxmlformats.org/drawingml/2006/main" xmlns:r="http://schemas.openxmlformats.org/officeDocument/2006/relationships" xmlns:p="http://schemas.openxmlformats.org/presentationml/2006/main">
   <p:cSld>
     <p:spTree>
@@ -22620,7 +24294,7 @@
               </a14:hiddenLine>
             </a:ext>
             <a:ext uri="{FAA26D3D-D897-4be2-8F04-BA451C77F1D7}">
-              <ma14:placeholderFlag xmlns:ma14="http://schemas.microsoft.com/office/mac/drawingml/2011/main" val="1"/>
+              <ma14:placeholderFlag xmlns:ma14="http://schemas.microsoft.com/office/mac/drawingml/2011/main" xmlns="" val="1"/>
             </a:ext>
           </a:extLst>
         </p:spPr>
@@ -22645,7 +24319,11 @@
             </a:pPr>
             <a:r>
               <a:rPr lang="de-DE" altLang="de-DE" dirty="0" smtClean="0"/>
-              <a:t>Befehlt zum erzeugen der Permutationen</a:t>
+              <a:t>Befehl </a:t>
+            </a:r>
+            <a:r>
+              <a:rPr lang="de-DE" altLang="de-DE" dirty="0" smtClean="0"/>
+              <a:t>zum erzeugen der Permutationen</a:t>
             </a:r>
           </a:p>
           <a:p>
@@ -22882,6 +24560,110 @@
               <a:ea typeface="Consolas" charset="0"/>
               <a:cs typeface="Consolas" charset="0"/>
             </a:endParaRPr>
+          </a:p>
+        </p:txBody>
+      </p:sp>
+    </p:spTree>
+  </p:cSld>
+  <p:clrMapOvr>
+    <a:masterClrMapping/>
+  </p:clrMapOvr>
+  <p:timing>
+    <p:tnLst>
+      <p:par>
+        <p:cTn id="1" dur="indefinite" restart="never" nodeType="tmRoot"/>
+      </p:par>
+    </p:tnLst>
+  </p:timing>
+</p:sld>
+</file>
+
+<file path=ppt/slides/slide7.xml><?xml version="1.0" encoding="utf-8"?>
+<p:sld xmlns:a="http://schemas.openxmlformats.org/drawingml/2006/main" xmlns:r="http://schemas.openxmlformats.org/officeDocument/2006/relationships" xmlns:p="http://schemas.openxmlformats.org/presentationml/2006/main">
+  <p:cSld>
+    <p:spTree>
+      <p:nvGrpSpPr>
+        <p:cNvPr id="1" name=""/>
+        <p:cNvGrpSpPr/>
+        <p:nvPr/>
+      </p:nvGrpSpPr>
+      <p:grpSpPr>
+        <a:xfrm>
+          <a:off x="0" y="0"/>
+          <a:ext cx="0" cy="0"/>
+          <a:chOff x="0" y="0"/>
+          <a:chExt cx="0" cy="0"/>
+        </a:xfrm>
+      </p:grpSpPr>
+      <p:sp>
+        <p:nvSpPr>
+          <p:cNvPr id="22529" name="Titel 1"/>
+          <p:cNvSpPr>
+            <a:spLocks noGrp="1"/>
+          </p:cNvSpPr>
+          <p:nvPr>
+            <p:ph type="title"/>
+          </p:nvPr>
+        </p:nvSpPr>
+        <p:spPr/>
+        <p:txBody>
+          <a:bodyPr/>
+          <a:lstStyle/>
+          <a:p>
+            <a:r>
+              <a:rPr lang="de-DE" altLang="de-DE"/>
+              <a:t>Linear Programming - Formulierung</a:t>
+            </a:r>
+          </a:p>
+        </p:txBody>
+      </p:sp>
+      <p:sp>
+        <p:nvSpPr>
+          <p:cNvPr id="9219" name="Inhaltsplatzhalter 2"/>
+          <p:cNvSpPr>
+            <a:spLocks noGrp="1" noRot="1" noChangeAspect="1" noMove="1" noResize="1" noEditPoints="1" noAdjustHandles="1" noChangeArrowheads="1" noChangeShapeType="1" noTextEdit="1"/>
+          </p:cNvSpPr>
+          <p:nvPr>
+            <p:ph idx="1"/>
+          </p:nvPr>
+        </p:nvSpPr>
+        <p:spPr bwMode="auto">
+          <a:xfrm>
+            <a:off x="628650" y="1340768"/>
+            <a:ext cx="8047806" cy="4836195"/>
+          </a:xfrm>
+          <a:blipFill rotWithShape="0">
+            <a:blip r:embed="rId2"/>
+            <a:stretch>
+              <a:fillRect l="-1136" t="-883" r="-379"/>
+            </a:stretch>
+          </a:blipFill>
+          <a:extLst>
+            <a:ext uri="{91240B29-F687-4F45-9708-019B960494DF}">
+              <a14:hiddenLine xmlns:a14="http://schemas.microsoft.com/office/drawing/2010/main" w="9525">
+                <a:solidFill>
+                  <a:srgbClr val="000000"/>
+                </a:solidFill>
+                <a:miter lim="800000"/>
+                <a:headEnd/>
+                <a:tailEnd/>
+              </a14:hiddenLine>
+            </a:ext>
+            <a:ext uri="{FAA26D3D-D897-4be2-8F04-BA451C77F1D7}">
+              <ma14:placeholderFlag xmlns:ma14="http://schemas.microsoft.com/office/mac/drawingml/2011/main" xmlns="" val="1"/>
+            </a:ext>
+          </a:extLst>
+        </p:spPr>
+        <p:txBody>
+          <a:bodyPr/>
+          <a:lstStyle/>
+          <a:p>
+            <a:r>
+              <a:rPr lang="de-DE">
+                <a:noFill/>
+              </a:rPr>
+              <a:t> </a:t>
+            </a:r>
           </a:p>
         </p:txBody>
       </p:sp>
@@ -22919,7 +24701,7 @@
       </p:grpSpPr>
       <p:sp>
         <p:nvSpPr>
-          <p:cNvPr id="22529" name="Titel 1"/>
+          <p:cNvPr id="23553" name="Titel 1"/>
           <p:cNvSpPr>
             <a:spLocks noGrp="1"/>
           </p:cNvSpPr>
@@ -22957,7 +24739,7 @@
           <a:blipFill rotWithShape="0">
             <a:blip r:embed="rId2"/>
             <a:stretch>
-              <a:fillRect l="-1136" t="-883" r="-379"/>
+              <a:fillRect l="-985"/>
             </a:stretch>
           </a:blipFill>
           <a:extLst>
@@ -22972,7 +24754,7 @@
               </a14:hiddenLine>
             </a:ext>
             <a:ext uri="{FAA26D3D-D897-4be2-8F04-BA451C77F1D7}">
-              <ma14:placeholderFlag xmlns:ma14="http://schemas.microsoft.com/office/mac/drawingml/2011/main" val="1"/>
+              <ma14:placeholderFlag xmlns:ma14="http://schemas.microsoft.com/office/mac/drawingml/2011/main" xmlns="" val="1"/>
             </a:ext>
           </a:extLst>
         </p:spPr>
@@ -23023,7 +24805,7 @@
       </p:grpSpPr>
       <p:sp>
         <p:nvSpPr>
-          <p:cNvPr id="23553" name="Titel 1"/>
+          <p:cNvPr id="24577" name="Titel 1"/>
           <p:cNvSpPr>
             <a:spLocks noGrp="1"/>
           </p:cNvSpPr>
@@ -23076,7 +24858,7 @@
               </a14:hiddenLine>
             </a:ext>
             <a:ext uri="{FAA26D3D-D897-4be2-8F04-BA451C77F1D7}">
-              <ma14:placeholderFlag xmlns:ma14="http://schemas.microsoft.com/office/mac/drawingml/2011/main" val="1"/>
+              <ma14:placeholderFlag xmlns:ma14="http://schemas.microsoft.com/office/mac/drawingml/2011/main" xmlns="" val="1"/>
             </a:ext>
           </a:extLst>
         </p:spPr>
@@ -23093,6 +24875,60 @@
           </a:p>
         </p:txBody>
       </p:sp>
+      <p:pic>
+        <p:nvPicPr>
+          <p:cNvPr id="24579" name="Bild 1"/>
+          <p:cNvPicPr>
+            <a:picLocks noChangeAspect="1"/>
+          </p:cNvPicPr>
+          <p:nvPr/>
+        </p:nvPicPr>
+        <p:blipFill>
+          <a:blip r:embed="rId3">
+            <a:extLst>
+              <a:ext uri="{28A0092B-C50C-407E-A947-70E740481C1C}">
+                <a14:useLocalDpi xmlns:a14="http://schemas.microsoft.com/office/drawing/2010/main" val="0"/>
+              </a:ext>
+            </a:extLst>
+          </a:blip>
+          <a:srcRect/>
+          <a:stretch>
+            <a:fillRect/>
+          </a:stretch>
+        </p:blipFill>
+        <p:spPr bwMode="auto">
+          <a:xfrm>
+            <a:off x="5292725" y="4292600"/>
+            <a:ext cx="3216275" cy="2068513"/>
+          </a:xfrm>
+          <a:prstGeom prst="rect">
+            <a:avLst/>
+          </a:prstGeom>
+          <a:noFill/>
+          <a:ln>
+            <a:noFill/>
+          </a:ln>
+          <a:extLst>
+            <a:ext uri="{909E8E84-426E-40DD-AFC4-6F175D3DCCD1}">
+              <a14:hiddenFill xmlns:a14="http://schemas.microsoft.com/office/drawing/2010/main">
+                <a:solidFill>
+                  <a:srgbClr val="FFFFFF"/>
+                </a:solidFill>
+              </a14:hiddenFill>
+            </a:ext>
+            <a:ext uri="{91240B29-F687-4F45-9708-019B960494DF}">
+              <a14:hiddenLine xmlns:a14="http://schemas.microsoft.com/office/drawing/2010/main" w="9525">
+                <a:solidFill>
+                  <a:srgbClr val="000000"/>
+                </a:solidFill>
+                <a:miter lim="800000"/>
+                <a:headEnd/>
+                <a:tailEnd/>
+              </a14:hiddenLine>
+            </a:ext>
+          </a:extLst>
+        </p:spPr>
+      </p:pic>
     </p:spTree>
   </p:cSld>
   <p:clrMapOvr>
@@ -23949,7 +25785,7 @@
   </a:extraClrSchemeLst>
   <a:extLst>
     <a:ext uri="{05A4C25C-085E-4340-85A3-A5531E510DB2}">
-      <thm15:themeFamily xmlns:thm15="http://schemas.microsoft.com/office/thememl/2012/main" name="Office Theme" id="{62F939B6-93AF-4DB8-9C6B-D6C7DFDC589F}" vid="{4A3C46E8-61CC-4603-A589-7422A47A8E4A}"/>
+      <thm15:themeFamily xmlns:thm15="http://schemas.microsoft.com/office/thememl/2012/main" xmlns="" name="Office Theme" id="{62F939B6-93AF-4DB8-9C6B-D6C7DFDC589F}" vid="{4A3C46E8-61CC-4603-A589-7422A47A8E4A}"/>
     </a:ext>
   </a:extLst>
 </a:theme>
@@ -24210,7 +26046,7 @@
   <a:extraClrSchemeLst/>
   <a:extLst>
     <a:ext uri="{05A4C25C-085E-4340-85A3-A5531E510DB2}">
-      <thm15:themeFamily xmlns:thm15="http://schemas.microsoft.com/office/thememl/2012/main" name="Office Theme" id="{62F939B6-93AF-4DB8-9C6B-D6C7DFDC589F}" vid="{4A3C46E8-61CC-4603-A589-7422A47A8E4A}"/>
+      <thm15:themeFamily xmlns:thm15="http://schemas.microsoft.com/office/thememl/2012/main" xmlns="" name="Office Theme" id="{62F939B6-93AF-4DB8-9C6B-D6C7DFDC589F}" vid="{4A3C46E8-61CC-4603-A589-7422A47A8E4A}"/>
     </a:ext>
   </a:extLst>
 </a:theme>

--- a/Präsentation.pptx
+++ b/Präsentation.pptx
@@ -43,7 +43,7 @@
     <p:sldId id="306" r:id="rId34"/>
     <p:sldId id="307" r:id="rId35"/>
     <p:sldId id="308" r:id="rId36"/>
-    <p:sldId id="266" r:id="rId37"/>
+    <p:sldId id="309" r:id="rId37"/>
     <p:sldId id="268" r:id="rId38"/>
     <p:sldId id="270" r:id="rId39"/>
   </p:sldIdLst>
@@ -176,7 +176,7 @@
   </p:defaultTextStyle>
   <p:extLst>
     <p:ext uri="{EFAFB233-063F-42B5-8137-9DF3F51BA10A}">
-      <p15:sldGuideLst xmlns:p15="http://schemas.microsoft.com/office/powerpoint/2012/main" xmlns="">
+      <p15:sldGuideLst xmlns="" xmlns:p15="http://schemas.microsoft.com/office/powerpoint/2012/main">
         <p15:guide id="1" orient="horz" pos="2160">
           <p15:clr>
             <a:srgbClr val="A4A3A4"/>
@@ -395,7 +395,7 @@
               <a14:shadowObscured xmlns:a14="http://schemas.microsoft.com/office/drawing/2010/main" val="1"/>
             </a:ext>
             <a:ext uri="{FAA26D3D-D897-4be2-8F04-BA451C77F1D7}">
-              <ma14:placeholderFlag xmlns:ma14="http://schemas.microsoft.com/office/mac/drawingml/2011/main" xmlns="" val="1"/>
+              <ma14:placeholderFlag xmlns="" xmlns:ma14="http://schemas.microsoft.com/office/mac/drawingml/2011/main" val="1"/>
             </a:ext>
           </a:extLst>
         </p:spPr>
@@ -4439,7 +4439,7 @@
               </a14:hiddenLine>
             </a:ext>
             <a:ext uri="{FAA26D3D-D897-4be2-8F04-BA451C77F1D7}">
-              <ma14:placeholderFlag xmlns:ma14="http://schemas.microsoft.com/office/mac/drawingml/2011/main" xmlns="" val="1"/>
+              <ma14:placeholderFlag xmlns="" xmlns:ma14="http://schemas.microsoft.com/office/mac/drawingml/2011/main" val="1"/>
             </a:ext>
           </a:extLst>
         </p:spPr>
@@ -5017,25 +5017,46 @@
           <a:p>
             <a:pPr eaLnBrk="1" hangingPunct="1"/>
             <a:r>
-              <a:rPr lang="de-DE" altLang="de-DE" sz="2000" b="1"/>
-              <a:t> Seminar Business Optimization mit Matlab</a:t>
-            </a:r>
+              <a:rPr lang="de-DE" altLang="de-DE" sz="2000" b="1" dirty="0"/>
+              <a:t> Seminar Business </a:t>
+            </a:r>
+            <a:r>
+              <a:rPr lang="de-DE" altLang="de-DE" sz="2000" b="1" dirty="0" err="1"/>
+              <a:t>Optimization</a:t>
+            </a:r>
+            <a:r>
+              <a:rPr lang="de-DE" altLang="de-DE" sz="2000" b="1" dirty="0"/>
+              <a:t> mit </a:t>
+            </a:r>
+            <a:r>
+              <a:rPr lang="de-DE" altLang="de-DE" sz="2000" b="1" dirty="0" err="1"/>
+              <a:t>Matlab</a:t>
+            </a:r>
+            <a:endParaRPr lang="de-DE" altLang="de-DE" sz="2000" b="1" dirty="0"/>
           </a:p>
           <a:p>
             <a:pPr eaLnBrk="1" hangingPunct="1"/>
-            <a:endParaRPr lang="de-DE" altLang="de-DE" sz="3200"/>
+            <a:endParaRPr lang="de-DE" altLang="de-DE" sz="3200" dirty="0"/>
           </a:p>
           <a:p>
             <a:pPr eaLnBrk="1" hangingPunct="1"/>
             <a:r>
-              <a:rPr lang="de-DE" altLang="de-DE" sz="2000"/>
-              <a:t>Franziska Kerstins</a:t>
+              <a:rPr lang="de-DE" altLang="de-DE" sz="2000" dirty="0"/>
+              <a:t>Franziska </a:t>
+            </a:r>
+            <a:r>
+              <a:rPr lang="de-DE" altLang="de-DE" sz="2000" dirty="0" err="1" smtClean="0"/>
+              <a:t>Kerstiens</a:t>
+            </a:r>
+            <a:r>
+              <a:rPr lang="de-DE" altLang="de-DE" sz="2000" dirty="0"/>
+              <a:t/>
             </a:r>
             <a:br>
-              <a:rPr lang="de-DE" altLang="de-DE" sz="2000"/>
+              <a:rPr lang="de-DE" altLang="de-DE" sz="2000" dirty="0"/>
             </a:br>
             <a:r>
-              <a:rPr lang="de-DE" altLang="de-DE" sz="2000"/>
+              <a:rPr lang="de-DE" altLang="de-DE" sz="2000" dirty="0"/>
               <a:t>Philipp Paul</a:t>
             </a:r>
           </a:p>
@@ -5128,7 +5149,7 @@
               </a14:hiddenLine>
             </a:ext>
             <a:ext uri="{FAA26D3D-D897-4be2-8F04-BA451C77F1D7}">
-              <ma14:placeholderFlag xmlns:ma14="http://schemas.microsoft.com/office/mac/drawingml/2011/main" xmlns="" val="1"/>
+              <ma14:placeholderFlag xmlns="" xmlns:ma14="http://schemas.microsoft.com/office/mac/drawingml/2011/main" val="1"/>
             </a:ext>
           </a:extLst>
         </p:spPr>
@@ -5316,7 +5337,7 @@
               </a14:hiddenLine>
             </a:ext>
             <a:ext uri="{FAA26D3D-D897-4be2-8F04-BA451C77F1D7}">
-              <ma14:placeholderFlag xmlns:ma14="http://schemas.microsoft.com/office/mac/drawingml/2011/main" xmlns="" val="1"/>
+              <ma14:placeholderFlag xmlns="" xmlns:ma14="http://schemas.microsoft.com/office/mac/drawingml/2011/main" val="1"/>
             </a:ext>
           </a:extLst>
         </p:spPr>
@@ -5463,7 +5484,7 @@
               </a14:hiddenLine>
             </a:ext>
             <a:ext uri="{FAA26D3D-D897-4be2-8F04-BA451C77F1D7}">
-              <ma14:placeholderFlag xmlns:ma14="http://schemas.microsoft.com/office/mac/drawingml/2011/main" xmlns="" val="1"/>
+              <ma14:placeholderFlag xmlns="" xmlns:ma14="http://schemas.microsoft.com/office/mac/drawingml/2011/main" val="1"/>
             </a:ext>
           </a:extLst>
         </p:spPr>
@@ -5925,7 +5946,7 @@
               </a14:hiddenLine>
             </a:ext>
             <a:ext uri="{FAA26D3D-D897-4be2-8F04-BA451C77F1D7}">
-              <ma14:placeholderFlag xmlns:ma14="http://schemas.microsoft.com/office/mac/drawingml/2011/main" xmlns="" val="1"/>
+              <ma14:placeholderFlag xmlns="" xmlns:ma14="http://schemas.microsoft.com/office/mac/drawingml/2011/main" val="1"/>
             </a:ext>
           </a:extLst>
         </p:spPr>
@@ -6255,7 +6276,7 @@
               </a14:hiddenLine>
             </a:ext>
             <a:ext uri="{FAA26D3D-D897-4be2-8F04-BA451C77F1D7}">
-              <ma14:placeholderFlag xmlns:ma14="http://schemas.microsoft.com/office/mac/drawingml/2011/main" xmlns="" val="1"/>
+              <ma14:placeholderFlag xmlns="" xmlns:ma14="http://schemas.microsoft.com/office/mac/drawingml/2011/main" val="1"/>
             </a:ext>
           </a:extLst>
         </p:spPr>
@@ -6485,7 +6506,7 @@
               </a14:hiddenLine>
             </a:ext>
             <a:ext uri="{FAA26D3D-D897-4be2-8F04-BA451C77F1D7}">
-              <ma14:placeholderFlag xmlns:ma14="http://schemas.microsoft.com/office/mac/drawingml/2011/main" xmlns="" val="1"/>
+              <ma14:placeholderFlag xmlns="" xmlns:ma14="http://schemas.microsoft.com/office/mac/drawingml/2011/main" val="1"/>
             </a:ext>
           </a:extLst>
         </p:spPr>
@@ -7802,7 +7823,7 @@
               </a14:hiddenLine>
             </a:ext>
             <a:ext uri="{FAA26D3D-D897-4be2-8F04-BA451C77F1D7}">
-              <ma14:placeholderFlag xmlns:ma14="http://schemas.microsoft.com/office/mac/drawingml/2011/main" xmlns="" val="1"/>
+              <ma14:placeholderFlag xmlns="" xmlns:ma14="http://schemas.microsoft.com/office/mac/drawingml/2011/main" val="1"/>
             </a:ext>
           </a:extLst>
         </p:spPr>
@@ -8069,7 +8090,7 @@
               </a14:hiddenLine>
             </a:ext>
             <a:ext uri="{FAA26D3D-D897-4be2-8F04-BA451C77F1D7}">
-              <ma14:placeholderFlag xmlns:ma14="http://schemas.microsoft.com/office/mac/drawingml/2011/main" xmlns="" val="1"/>
+              <ma14:placeholderFlag xmlns="" xmlns:ma14="http://schemas.microsoft.com/office/mac/drawingml/2011/main" val="1"/>
             </a:ext>
           </a:extLst>
         </p:spPr>
@@ -8645,11 +8666,7 @@
             <a:pPr lvl="2"/>
             <a:r>
               <a:rPr lang="de-DE" altLang="de-DE" sz="1600" dirty="0" smtClean="0"/>
-              <a:t>1. Schritt: Bestimmung eines minimal aufspannenden Baum T von </a:t>
-            </a:r>
-            <a:r>
-              <a:rPr lang="de-DE" altLang="de-DE" sz="1600" dirty="0" smtClean="0"/>
-              <a:t>G</a:t>
+              <a:t>1. Schritt: Bestimmung eines minimal aufspannenden Baum T von G</a:t>
             </a:r>
             <a:endParaRPr lang="de-DE" altLang="de-DE" sz="1600" dirty="0"/>
           </a:p>
@@ -9113,17 +9130,12 @@
               <a:rPr lang="de-DE" altLang="de-DE" sz="2000" dirty="0" smtClean="0"/>
               <a:t>Vorgehen</a:t>
             </a:r>
-            <a:endParaRPr lang="de-DE" altLang="de-DE" sz="2000" dirty="0" smtClean="0"/>
           </a:p>
           <a:p>
             <a:pPr lvl="2"/>
             <a:r>
               <a:rPr lang="de-DE" altLang="de-DE" sz="1600" dirty="0" smtClean="0"/>
-              <a:t>2</a:t>
-            </a:r>
-            <a:r>
-              <a:rPr lang="de-DE" altLang="de-DE" sz="1600" dirty="0" smtClean="0"/>
-              <a:t>. Schritt: Bilden des vollständigen Graphen G‘ aus allen Knoten von T	    mit ungeradem Knotengrad. </a:t>
+              <a:t>2. Schritt: Bilden des vollständigen Graphen G‘ aus allen Knoten von T	    mit ungeradem Knotengrad. </a:t>
             </a:r>
           </a:p>
           <a:p>
@@ -9133,15 +9145,7 @@
             </a:pPr>
             <a:r>
               <a:rPr lang="de-DE" altLang="de-DE" sz="1600" dirty="0" smtClean="0"/>
-              <a:t>	 </a:t>
-            </a:r>
-            <a:r>
-              <a:rPr lang="de-DE" altLang="de-DE" sz="1600" dirty="0" smtClean="0"/>
-              <a:t>(</a:t>
-            </a:r>
-            <a:r>
-              <a:rPr lang="de-DE" altLang="de-DE" sz="1600" dirty="0" smtClean="0"/>
-              <a:t>Kantengewichte entsprechen denen von G)</a:t>
+              <a:t>	 (Kantengewichte entsprechen denen von G)</a:t>
             </a:r>
           </a:p>
           <a:p>
@@ -9151,11 +9155,7 @@
             </a:pPr>
             <a:r>
               <a:rPr lang="de-DE" altLang="de-DE" sz="1600" dirty="0" smtClean="0"/>
-              <a:t>	</a:t>
-            </a:r>
-            <a:r>
-              <a:rPr lang="de-DE" altLang="de-DE" sz="1600" dirty="0" smtClean="0"/>
-              <a:t>Minimal-Kosten-</a:t>
+              <a:t>	Minimal-Kosten-</a:t>
             </a:r>
             <a:r>
               <a:rPr lang="de-DE" altLang="de-DE" sz="1600" dirty="0" err="1" smtClean="0"/>
@@ -9163,31 +9163,7 @@
             </a:r>
             <a:r>
               <a:rPr lang="de-DE" altLang="de-DE" sz="1600" dirty="0" smtClean="0"/>
-              <a:t>: jeweils 2 Knoten des G‘ werden so </a:t>
-            </a:r>
-            <a:r>
-              <a:rPr lang="de-DE" altLang="de-DE" sz="1600" dirty="0" smtClean="0"/>
-              <a:t>miteinander 		verbunden</a:t>
-            </a:r>
-            <a:r>
-              <a:rPr lang="de-DE" altLang="de-DE" sz="1600" dirty="0" smtClean="0"/>
-              <a:t>, dass die Summe der Gewichte </a:t>
-            </a:r>
-            <a:r>
-              <a:rPr lang="de-DE" altLang="de-DE" sz="1600" dirty="0" smtClean="0"/>
-              <a:t>der </a:t>
-            </a:r>
-            <a:r>
-              <a:rPr lang="de-DE" altLang="de-DE" sz="1600" dirty="0" smtClean="0"/>
-              <a:t>zugefügten </a:t>
-            </a:r>
-            <a:r>
-              <a:rPr lang="de-DE" altLang="de-DE" sz="1600" dirty="0" smtClean="0"/>
-              <a:t>		Kanten </a:t>
-            </a:r>
-            <a:r>
-              <a:rPr lang="de-DE" altLang="de-DE" sz="1600" dirty="0" smtClean="0"/>
-              <a:t>minimal ist.</a:t>
+              <a:t>: jeweils 2 Knoten des G‘ werden so miteinander 		verbunden, dass die Summe der Gewichte der zugefügten 		Kanten minimal ist.</a:t>
             </a:r>
           </a:p>
           <a:p>
@@ -9341,7 +9317,6 @@
               <a:rPr lang="de-DE" sz="1600" dirty="0"/>
               <a:t>2</a:t>
             </a:r>
-            <a:endParaRPr lang="de-DE" sz="1600" dirty="0"/>
           </a:p>
         </p:txBody>
       </p:sp>
@@ -9753,17 +9728,12 @@
               <a:rPr lang="de-DE" altLang="de-DE" sz="2000" dirty="0" smtClean="0"/>
               <a:t>Vorgehen</a:t>
             </a:r>
-            <a:endParaRPr lang="de-DE" altLang="de-DE" sz="2000" dirty="0" smtClean="0"/>
           </a:p>
           <a:p>
             <a:pPr lvl="2"/>
             <a:r>
               <a:rPr lang="de-DE" altLang="de-DE" sz="1600" dirty="0" smtClean="0"/>
-              <a:t>3</a:t>
-            </a:r>
-            <a:r>
-              <a:rPr lang="de-DE" altLang="de-DE" sz="1600" dirty="0" smtClean="0"/>
-              <a:t>. Schritt: Bestimmung eines Kreises, der jeden Knoten mind. einmal enthält 	    (Euler Tour)</a:t>
+              <a:t>3. Schritt: Bestimmung eines Kreises, der jeden Knoten mind. einmal enthält 	    (Euler Tour)</a:t>
             </a:r>
           </a:p>
           <a:p>
@@ -9773,15 +9743,7 @@
             </a:pPr>
             <a:r>
               <a:rPr lang="de-DE" altLang="de-DE" sz="1600" dirty="0" smtClean="0"/>
-              <a:t>	</a:t>
-            </a:r>
-            <a:r>
-              <a:rPr lang="de-DE" altLang="de-DE" sz="1600" dirty="0" smtClean="0"/>
-              <a:t>Entfernen </a:t>
-            </a:r>
-            <a:r>
-              <a:rPr lang="de-DE" altLang="de-DE" sz="1600" dirty="0" smtClean="0"/>
-              <a:t>der bereits besuchten Knoten, Direktverbindungen 	    können aufgrund der Dreiecksungleichung die Rundreise nicht 	    verlängern (Rundreise)</a:t>
+              <a:t>	Entfernen der bereits besuchten Knoten, Direktverbindungen 	    können aufgrund der Dreiecksungleichung die Rundreise nicht 	    verlängern (Rundreise)</a:t>
             </a:r>
           </a:p>
           <a:p>
@@ -17427,11 +17389,7 @@
             </a:br>
             <a:r>
               <a:rPr lang="de-DE" altLang="de-DE" dirty="0" smtClean="0"/>
-              <a:t>Verbesserungsverfahren – </a:t>
-            </a:r>
-            <a:r>
-              <a:rPr lang="de-DE" altLang="de-DE" dirty="0" smtClean="0"/>
-              <a:t>3-opt</a:t>
+              <a:t>Verbesserungsverfahren – 3-opt</a:t>
             </a:r>
             <a:br>
               <a:rPr lang="de-DE" altLang="de-DE" dirty="0" smtClean="0"/>
@@ -17534,11 +17492,7 @@
             </a:pPr>
             <a:r>
               <a:rPr lang="de-DE" altLang="de-DE" sz="1400" dirty="0" smtClean="0"/>
-              <a:t>Rotation:</a:t>
-            </a:r>
-            <a:r>
-              <a:rPr lang="de-DE" altLang="de-DE" sz="1400" dirty="0" smtClean="0"/>
-              <a:t> [</a:t>
+              <a:t>Rotation: [</a:t>
             </a:r>
             <a:r>
               <a:rPr lang="de-DE" sz="1400" dirty="0" smtClean="0"/>
@@ -17670,7 +17624,6 @@
               <a:rPr lang="de-DE" altLang="de-DE" sz="1400" dirty="0" smtClean="0"/>
               <a:t>Wurden alle möglichen Knoten als Start- und Endknoten geprüft und bei keiner gibt es eine verbesserte Lösung so ist das Ergebnis 3-optimal!</a:t>
             </a:r>
-            <a:endParaRPr lang="de-DE" altLang="de-DE" sz="1400" dirty="0" smtClean="0"/>
           </a:p>
         </p:txBody>
       </p:sp>
@@ -18446,7 +18399,7 @@
       </p:grpSpPr>
       <p:sp>
         <p:nvSpPr>
-          <p:cNvPr id="47105" name="Titel 1"/>
+          <p:cNvPr id="38914" name="Titel 1"/>
           <p:cNvSpPr>
             <a:spLocks noGrp="1"/>
           </p:cNvSpPr>
@@ -18460,7 +18413,7 @@
           <a:lstStyle/>
           <a:p>
             <a:r>
-              <a:rPr lang="de-DE" altLang="de-DE"/>
+              <a:rPr lang="de-DE" altLang="de-DE" smtClean="0"/>
               <a:t>Vergleich der Verfahren</a:t>
             </a:r>
           </a:p>
@@ -18478,7 +18431,7 @@
         </p:nvGraphicFramePr>
         <p:xfrm>
           <a:off x="628650" y="1825625"/>
-          <a:ext cx="7886700" cy="2595880"/>
+          <a:ext cx="8191821" cy="2595880"/>
         </p:xfrm>
         <a:graphic>
           <a:graphicData uri="http://schemas.openxmlformats.org/drawingml/2006/table">
@@ -18487,9 +18440,9 @@
                 <a:tableStyleId>{7DF18680-E054-41AD-8BC1-D1AEF772440D}</a:tableStyleId>
               </a:tblPr>
               <a:tblGrid>
-                <a:gridCol w="2628900"/>
-                <a:gridCol w="2628900"/>
-                <a:gridCol w="2628900"/>
+                <a:gridCol w="2730607"/>
+                <a:gridCol w="1860815"/>
+                <a:gridCol w="3600399"/>
               </a:tblGrid>
               <a:tr h="370840">
                 <a:tc>
@@ -18595,7 +18548,7 @@
                     <a:bodyPr/>
                     <a:lstStyle/>
                     <a:p>
-                      <a:endParaRPr lang="de-DE"/>
+                      <a:endParaRPr lang="de-DE" dirty="0"/>
                     </a:p>
                   </a:txBody>
                   <a:tcPr>
@@ -18693,24 +18646,52 @@
                     <a:bodyPr/>
                     <a:lstStyle/>
                     <a:p>
-                      <a:pPr marL="0" marR="0" indent="0" algn="l" defTabSz="914400" rtl="0" eaLnBrk="1" fontAlgn="auto" latinLnBrk="0" hangingPunct="1">
-                        <a:lnSpc>
-                          <a:spcPct val="100000"/>
-                        </a:lnSpc>
-                        <a:spcBef>
-                          <a:spcPts val="0"/>
-                        </a:spcBef>
-                        <a:spcAft>
-                          <a:spcPts val="0"/>
-                        </a:spcAft>
-                        <a:buClrTx/>
-                        <a:buSzTx/>
-                        <a:buFontTx/>
-                        <a:buNone/>
-                        <a:tabLst/>
-                        <a:defRPr/>
-                      </a:pPr>
-                      <a:endParaRPr lang="de-DE" dirty="0"/>
+                      <a:pPr lvl="0" algn="ctr"/>
+                      <a:r>
+                        <a:rPr lang="de-DE" sz="1800" kern="1200" dirty="0" smtClean="0">
+                          <a:solidFill>
+                            <a:schemeClr val="dk1"/>
+                          </a:solidFill>
+                          <a:effectLst/>
+                          <a:latin typeface="+mn-lt"/>
+                          <a:ea typeface="+mn-ea"/>
+                          <a:cs typeface="+mn-cs"/>
+                        </a:rPr>
+                        <a:t>O(n</a:t>
+                      </a:r>
+                      <a:r>
+                        <a:rPr lang="de-DE" sz="1800" kern="1200" baseline="30000" dirty="0" smtClean="0">
+                          <a:solidFill>
+                            <a:schemeClr val="dk1"/>
+                          </a:solidFill>
+                          <a:effectLst/>
+                          <a:latin typeface="+mn-lt"/>
+                          <a:ea typeface="+mn-ea"/>
+                          <a:cs typeface="+mn-cs"/>
+                        </a:rPr>
+                        <a:t>2</a:t>
+                      </a:r>
+                      <a:r>
+                        <a:rPr lang="de-DE" sz="1800" kern="1200" dirty="0" smtClean="0">
+                          <a:solidFill>
+                            <a:schemeClr val="dk1"/>
+                          </a:solidFill>
+                          <a:effectLst/>
+                          <a:latin typeface="+mn-lt"/>
+                          <a:ea typeface="+mn-ea"/>
+                          <a:cs typeface="+mn-cs"/>
+                        </a:rPr>
+                        <a:t>)</a:t>
+                      </a:r>
+                      <a:endParaRPr lang="de-DE" sz="1800" kern="1200" dirty="0">
+                        <a:solidFill>
+                          <a:schemeClr val="dk1"/>
+                        </a:solidFill>
+                        <a:effectLst/>
+                        <a:latin typeface="+mn-lt"/>
+                        <a:ea typeface="+mn-ea"/>
+                        <a:cs typeface="+mn-cs"/>
+                      </a:endParaRPr>
                     </a:p>
                   </a:txBody>
                   <a:tcPr/>
@@ -18722,9 +18703,13 @@
                     <a:p>
                       <a:r>
                         <a:rPr lang="de-DE" dirty="0" smtClean="0"/>
-                        <a:t>Heuristik</a:t>
+                        <a:t>Heuristik </a:t>
                       </a:r>
-                      <a:endParaRPr lang="de-DE" dirty="0"/>
+                      <a:r>
+                        <a:rPr lang="de-DE" sz="1400" dirty="0" smtClean="0"/>
+                        <a:t>(beliebig große Abweichung)</a:t>
+                      </a:r>
+                      <a:endParaRPr lang="de-DE" sz="1400" dirty="0"/>
                     </a:p>
                   </a:txBody>
                   <a:tcPr/>
@@ -18750,7 +18735,7 @@
                     <a:bodyPr/>
                     <a:lstStyle/>
                     <a:p>
-                      <a:pPr marL="0" marR="0" indent="0" algn="l" defTabSz="914400" rtl="0" eaLnBrk="1" fontAlgn="auto" latinLnBrk="0" hangingPunct="1">
+                      <a:pPr marL="0" marR="0" indent="0" algn="ctr" defTabSz="914400" rtl="0" eaLnBrk="1" fontAlgn="auto" latinLnBrk="0" hangingPunct="1">
                         <a:lnSpc>
                           <a:spcPct val="100000"/>
                         </a:lnSpc>
@@ -18767,6 +18752,10 @@
                         <a:tabLst/>
                         <a:defRPr/>
                       </a:pPr>
+                      <a:r>
+                        <a:rPr lang="de-DE" dirty="0" smtClean="0"/>
+                        <a:t>O(n³)</a:t>
+                      </a:r>
                       <a:endParaRPr lang="de-DE" dirty="0"/>
                     </a:p>
                   </a:txBody>
@@ -18796,7 +18785,11 @@
                       </a:pPr>
                       <a:r>
                         <a:rPr lang="de-DE" dirty="0" smtClean="0"/>
-                        <a:t>Heuristik</a:t>
+                        <a:t>Heuristik </a:t>
+                      </a:r>
+                      <a:r>
+                        <a:rPr lang="de-DE" sz="1400" dirty="0" smtClean="0"/>
+                        <a:t>(Faktor 1.5)</a:t>
                       </a:r>
                     </a:p>
                   </a:txBody>
@@ -18823,7 +18816,7 @@
                     <a:bodyPr/>
                     <a:lstStyle/>
                     <a:p>
-                      <a:pPr marL="0" marR="0" indent="0" algn="l" defTabSz="914400" rtl="0" eaLnBrk="1" fontAlgn="auto" latinLnBrk="0" hangingPunct="1">
+                      <a:pPr marL="0" marR="0" indent="0" algn="ctr" defTabSz="914400" rtl="0" eaLnBrk="1" fontAlgn="auto" latinLnBrk="0" hangingPunct="1">
                         <a:lnSpc>
                           <a:spcPct val="100000"/>
                         </a:lnSpc>
@@ -18840,7 +18833,15 @@
                         <a:tabLst/>
                         <a:defRPr/>
                       </a:pPr>
-                      <a:endParaRPr lang="de-DE" dirty="0"/>
+                      <a:r>
+                        <a:rPr lang="de-DE" dirty="0" smtClean="0"/>
+                        <a:t>O(2!) </a:t>
+                      </a:r>
+                      <a:r>
+                        <a:rPr lang="de-DE" sz="1400" dirty="0" err="1" smtClean="0"/>
+                        <a:t>proSchritt</a:t>
+                      </a:r>
+                      <a:endParaRPr lang="de-DE" sz="1400" dirty="0" smtClean="0"/>
                     </a:p>
                   </a:txBody>
                   <a:tcPr/>
@@ -18880,7 +18881,7 @@
                     <a:bodyPr/>
                     <a:lstStyle/>
                     <a:p>
-                      <a:pPr marL="0" marR="0" indent="0" algn="l" defTabSz="914400" rtl="0" eaLnBrk="1" fontAlgn="auto" latinLnBrk="0" hangingPunct="1">
+                      <a:pPr marL="0" marR="0" indent="0" algn="ctr" defTabSz="914400" rtl="0" eaLnBrk="1" fontAlgn="auto" latinLnBrk="0" hangingPunct="1">
                         <a:lnSpc>
                           <a:spcPct val="100000"/>
                         </a:lnSpc>
@@ -18897,7 +18898,15 @@
                         <a:tabLst/>
                         <a:defRPr/>
                       </a:pPr>
-                      <a:endParaRPr lang="de-DE" dirty="0"/>
+                      <a:r>
+                        <a:rPr lang="de-DE" dirty="0" smtClean="0"/>
+                        <a:t>O(3!) </a:t>
+                      </a:r>
+                      <a:r>
+                        <a:rPr lang="de-DE" sz="1400" dirty="0" err="1" smtClean="0"/>
+                        <a:t>proSchritt</a:t>
+                      </a:r>
+                      <a:endParaRPr lang="de-DE" sz="1400" dirty="0" smtClean="0"/>
                     </a:p>
                   </a:txBody>
                   <a:tcPr/>
@@ -18922,6 +18931,11 @@
         </a:graphic>
       </p:graphicFrame>
     </p:spTree>
+    <p:extLst>
+      <p:ext uri="{BB962C8B-B14F-4D97-AF65-F5344CB8AC3E}">
+        <p14:creationId xmlns:p14="http://schemas.microsoft.com/office/powerpoint/2010/main" val="2825807149"/>
+      </p:ext>
+    </p:extLst>
   </p:cSld>
   <p:clrMapOvr>
     <a:masterClrMapping/>
@@ -24294,7 +24308,7 @@
               </a14:hiddenLine>
             </a:ext>
             <a:ext uri="{FAA26D3D-D897-4be2-8F04-BA451C77F1D7}">
-              <ma14:placeholderFlag xmlns:ma14="http://schemas.microsoft.com/office/mac/drawingml/2011/main" xmlns="" val="1"/>
+              <ma14:placeholderFlag xmlns="" xmlns:ma14="http://schemas.microsoft.com/office/mac/drawingml/2011/main" val="1"/>
             </a:ext>
           </a:extLst>
         </p:spPr>
@@ -24319,11 +24333,7 @@
             </a:pPr>
             <a:r>
               <a:rPr lang="de-DE" altLang="de-DE" dirty="0" smtClean="0"/>
-              <a:t>Befehl </a:t>
-            </a:r>
-            <a:r>
-              <a:rPr lang="de-DE" altLang="de-DE" dirty="0" smtClean="0"/>
-              <a:t>zum erzeugen der Permutationen</a:t>
+              <a:t>Befehl zum erzeugen der Permutationen</a:t>
             </a:r>
           </a:p>
           <a:p>
@@ -24650,7 +24660,7 @@
               </a14:hiddenLine>
             </a:ext>
             <a:ext uri="{FAA26D3D-D897-4be2-8F04-BA451C77F1D7}">
-              <ma14:placeholderFlag xmlns:ma14="http://schemas.microsoft.com/office/mac/drawingml/2011/main" xmlns="" val="1"/>
+              <ma14:placeholderFlag xmlns="" xmlns:ma14="http://schemas.microsoft.com/office/mac/drawingml/2011/main" val="1"/>
             </a:ext>
           </a:extLst>
         </p:spPr>
@@ -24754,7 +24764,7 @@
               </a14:hiddenLine>
             </a:ext>
             <a:ext uri="{FAA26D3D-D897-4be2-8F04-BA451C77F1D7}">
-              <ma14:placeholderFlag xmlns:ma14="http://schemas.microsoft.com/office/mac/drawingml/2011/main" xmlns="" val="1"/>
+              <ma14:placeholderFlag xmlns="" xmlns:ma14="http://schemas.microsoft.com/office/mac/drawingml/2011/main" val="1"/>
             </a:ext>
           </a:extLst>
         </p:spPr>
@@ -24858,7 +24868,7 @@
               </a14:hiddenLine>
             </a:ext>
             <a:ext uri="{FAA26D3D-D897-4be2-8F04-BA451C77F1D7}">
-              <ma14:placeholderFlag xmlns:ma14="http://schemas.microsoft.com/office/mac/drawingml/2011/main" xmlns="" val="1"/>
+              <ma14:placeholderFlag xmlns="" xmlns:ma14="http://schemas.microsoft.com/office/mac/drawingml/2011/main" val="1"/>
             </a:ext>
           </a:extLst>
         </p:spPr>
@@ -25785,7 +25795,7 @@
   </a:extraClrSchemeLst>
   <a:extLst>
     <a:ext uri="{05A4C25C-085E-4340-85A3-A5531E510DB2}">
-      <thm15:themeFamily xmlns:thm15="http://schemas.microsoft.com/office/thememl/2012/main" xmlns="" name="Office Theme" id="{62F939B6-93AF-4DB8-9C6B-D6C7DFDC589F}" vid="{4A3C46E8-61CC-4603-A589-7422A47A8E4A}"/>
+      <thm15:themeFamily xmlns="" xmlns:thm15="http://schemas.microsoft.com/office/thememl/2012/main" name="Office Theme" id="{62F939B6-93AF-4DB8-9C6B-D6C7DFDC589F}" vid="{4A3C46E8-61CC-4603-A589-7422A47A8E4A}"/>
     </a:ext>
   </a:extLst>
 </a:theme>
@@ -26046,7 +26056,7 @@
   <a:extraClrSchemeLst/>
   <a:extLst>
     <a:ext uri="{05A4C25C-085E-4340-85A3-A5531E510DB2}">
-      <thm15:themeFamily xmlns:thm15="http://schemas.microsoft.com/office/thememl/2012/main" xmlns="" name="Office Theme" id="{62F939B6-93AF-4DB8-9C6B-D6C7DFDC589F}" vid="{4A3C46E8-61CC-4603-A589-7422A47A8E4A}"/>
+      <thm15:themeFamily xmlns="" xmlns:thm15="http://schemas.microsoft.com/office/thememl/2012/main" name="Office Theme" id="{62F939B6-93AF-4DB8-9C6B-D6C7DFDC589F}" vid="{4A3C46E8-61CC-4603-A589-7422A47A8E4A}"/>
     </a:ext>
   </a:extLst>
 </a:theme>
